--- a/figs/fig_modelpipeline.pptx
+++ b/figs/fig_modelpipeline.pptx
@@ -123,12 +123,33 @@
 </p:presentation>
 </file>
 
-<file path=ppt/revisionInfo.xml><?xml version="1.0" encoding="utf-8"?>
-<p1510:revInfo xmlns:a="http://schemas.openxmlformats.org/drawingml/2006/main" xmlns:r="http://schemas.openxmlformats.org/officeDocument/2006/relationships" xmlns:p1510="http://schemas.microsoft.com/office/powerpoint/2015/10/main">
-  <p1510:revLst>
-    <p1510:client id="{0DEAF538-9A43-0041-92DF-11DEC3319B03}" v="273" dt="2025-04-28T14:11:52.456"/>
-  </p1510:revLst>
-</p1510:revInfo>
+<file path=ppt/changesInfos/changesInfo1.xml><?xml version="1.0" encoding="utf-8"?>
+<pc:chgInfo xmlns:a="http://schemas.openxmlformats.org/drawingml/2006/main" xmlns:r="http://schemas.openxmlformats.org/officeDocument/2006/relationships" xmlns:ac="http://schemas.microsoft.com/office/drawing/2013/main/command" xmlns:pc="http://schemas.microsoft.com/office/powerpoint/2013/main/command">
+  <pc:docChgLst>
+    <pc:chgData name="Barkasi, Michael" userId="604489e9-c8b5-4a18-ae0d-3a3e29c44efc" providerId="ADAL" clId="{81E79797-102E-7D4D-B6A4-F91E3FB6CD0E}"/>
+    <pc:docChg chg="modSld">
+      <pc:chgData name="Barkasi, Michael" userId="604489e9-c8b5-4a18-ae0d-3a3e29c44efc" providerId="ADAL" clId="{81E79797-102E-7D4D-B6A4-F91E3FB6CD0E}" dt="2025-05-13T15:11:05.735" v="1" actId="207"/>
+      <pc:docMkLst>
+        <pc:docMk/>
+      </pc:docMkLst>
+      <pc:sldChg chg="modSp mod">
+        <pc:chgData name="Barkasi, Michael" userId="604489e9-c8b5-4a18-ae0d-3a3e29c44efc" providerId="ADAL" clId="{81E79797-102E-7D4D-B6A4-F91E3FB6CD0E}" dt="2025-05-13T15:11:05.735" v="1" actId="207"/>
+        <pc:sldMkLst>
+          <pc:docMk/>
+          <pc:sldMk cId="1160241537" sldId="256"/>
+        </pc:sldMkLst>
+        <pc:spChg chg="mod">
+          <ac:chgData name="Barkasi, Michael" userId="604489e9-c8b5-4a18-ae0d-3a3e29c44efc" providerId="ADAL" clId="{81E79797-102E-7D4D-B6A4-F91E3FB6CD0E}" dt="2025-05-13T15:11:05.735" v="1" actId="207"/>
+          <ac:spMkLst>
+            <pc:docMk/>
+            <pc:sldMk cId="1160241537" sldId="256"/>
+            <ac:spMk id="25" creationId="{F51AFFE9-3039-D4BF-DFB0-67E60D747199}"/>
+          </ac:spMkLst>
+        </pc:spChg>
+      </pc:sldChg>
+    </pc:docChg>
+  </pc:docChgLst>
+</pc:chgInfo>
 </file>
 
 <file path=ppt/slideLayouts/slideLayout1.xml><?xml version="1.0" encoding="utf-8"?>
@@ -278,7 +299,7 @@
           <a:p>
             <a:fld id="{0671BF96-9467-0B49-AF35-7149D7F70E39}" type="datetimeFigureOut">
               <a:rPr lang="en-US" smtClean="0"/>
-              <a:t>4/27/25</a:t>
+              <a:t>5/13/25</a:t>
             </a:fld>
             <a:endParaRPr lang="en-US"/>
           </a:p>
@@ -476,7 +497,7 @@
           <a:p>
             <a:fld id="{0671BF96-9467-0B49-AF35-7149D7F70E39}" type="datetimeFigureOut">
               <a:rPr lang="en-US" smtClean="0"/>
-              <a:t>4/27/25</a:t>
+              <a:t>5/13/25</a:t>
             </a:fld>
             <a:endParaRPr lang="en-US"/>
           </a:p>
@@ -684,7 +705,7 @@
           <a:p>
             <a:fld id="{0671BF96-9467-0B49-AF35-7149D7F70E39}" type="datetimeFigureOut">
               <a:rPr lang="en-US" smtClean="0"/>
-              <a:t>4/27/25</a:t>
+              <a:t>5/13/25</a:t>
             </a:fld>
             <a:endParaRPr lang="en-US"/>
           </a:p>
@@ -882,7 +903,7 @@
           <a:p>
             <a:fld id="{0671BF96-9467-0B49-AF35-7149D7F70E39}" type="datetimeFigureOut">
               <a:rPr lang="en-US" smtClean="0"/>
-              <a:t>4/27/25</a:t>
+              <a:t>5/13/25</a:t>
             </a:fld>
             <a:endParaRPr lang="en-US"/>
           </a:p>
@@ -1157,7 +1178,7 @@
           <a:p>
             <a:fld id="{0671BF96-9467-0B49-AF35-7149D7F70E39}" type="datetimeFigureOut">
               <a:rPr lang="en-US" smtClean="0"/>
-              <a:t>4/27/25</a:t>
+              <a:t>5/13/25</a:t>
             </a:fld>
             <a:endParaRPr lang="en-US"/>
           </a:p>
@@ -1422,7 +1443,7 @@
           <a:p>
             <a:fld id="{0671BF96-9467-0B49-AF35-7149D7F70E39}" type="datetimeFigureOut">
               <a:rPr lang="en-US" smtClean="0"/>
-              <a:t>4/27/25</a:t>
+              <a:t>5/13/25</a:t>
             </a:fld>
             <a:endParaRPr lang="en-US"/>
           </a:p>
@@ -1834,7 +1855,7 @@
           <a:p>
             <a:fld id="{0671BF96-9467-0B49-AF35-7149D7F70E39}" type="datetimeFigureOut">
               <a:rPr lang="en-US" smtClean="0"/>
-              <a:t>4/27/25</a:t>
+              <a:t>5/13/25</a:t>
             </a:fld>
             <a:endParaRPr lang="en-US"/>
           </a:p>
@@ -1975,7 +1996,7 @@
           <a:p>
             <a:fld id="{0671BF96-9467-0B49-AF35-7149D7F70E39}" type="datetimeFigureOut">
               <a:rPr lang="en-US" smtClean="0"/>
-              <a:t>4/27/25</a:t>
+              <a:t>5/13/25</a:t>
             </a:fld>
             <a:endParaRPr lang="en-US"/>
           </a:p>
@@ -2088,7 +2109,7 @@
           <a:p>
             <a:fld id="{0671BF96-9467-0B49-AF35-7149D7F70E39}" type="datetimeFigureOut">
               <a:rPr lang="en-US" smtClean="0"/>
-              <a:t>4/27/25</a:t>
+              <a:t>5/13/25</a:t>
             </a:fld>
             <a:endParaRPr lang="en-US"/>
           </a:p>
@@ -2399,7 +2420,7 @@
           <a:p>
             <a:fld id="{0671BF96-9467-0B49-AF35-7149D7F70E39}" type="datetimeFigureOut">
               <a:rPr lang="en-US" smtClean="0"/>
-              <a:t>4/27/25</a:t>
+              <a:t>5/13/25</a:t>
             </a:fld>
             <a:endParaRPr lang="en-US"/>
           </a:p>
@@ -2687,7 +2708,7 @@
           <a:p>
             <a:fld id="{0671BF96-9467-0B49-AF35-7149D7F70E39}" type="datetimeFigureOut">
               <a:rPr lang="en-US" smtClean="0"/>
-              <a:t>4/27/25</a:t>
+              <a:t>5/13/25</a:t>
             </a:fld>
             <a:endParaRPr lang="en-US"/>
           </a:p>
@@ -2930,7 +2951,7 @@
             <a:fld id="{0671BF96-9467-0B49-AF35-7149D7F70E39}" type="datetimeFigureOut">
               <a:rPr lang="en-US" smtClean="0"/>
               <a:pPr/>
-              <a:t>4/27/25</a:t>
+              <a:t>5/13/25</a:t>
             </a:fld>
             <a:endParaRPr lang="en-US" dirty="0"/>
           </a:p>
@@ -4760,12 +4781,17 @@
           <a:prstGeom prst="rect">
             <a:avLst/>
           </a:prstGeom>
-          <a:solidFill>
-            <a:schemeClr val="accent2">
-              <a:lumMod val="40000"/>
-              <a:lumOff val="60000"/>
-            </a:schemeClr>
-          </a:solidFill>
+          <a:pattFill prst="wdUpDiag">
+            <a:fgClr>
+              <a:schemeClr val="accent2">
+                <a:lumMod val="40000"/>
+                <a:lumOff val="60000"/>
+              </a:schemeClr>
+            </a:fgClr>
+            <a:bgClr>
+              <a:schemeClr val="bg1"/>
+            </a:bgClr>
+          </a:pattFill>
           <a:ln>
             <a:solidFill>
               <a:schemeClr val="tx1"/>
@@ -7894,8 +7920,8 @@
           </a:p>
         </p:txBody>
       </p:sp>
-      <mc:AlternateContent xmlns:mc="http://schemas.openxmlformats.org/markup-compatibility/2006">
-        <mc:Choice xmlns:a14="http://schemas.microsoft.com/office/drawing/2010/main" Requires="a14">
+      <mc:AlternateContent xmlns:mc="http://schemas.openxmlformats.org/markup-compatibility/2006" xmlns:a14="http://schemas.microsoft.com/office/drawing/2010/main">
+        <mc:Choice Requires="a14">
           <p:sp>
             <p:nvSpPr>
               <p:cNvPr id="376" name="TextBox 375">
@@ -7953,7 +7979,7 @@
             </p:txBody>
           </p:sp>
         </mc:Choice>
-        <mc:Fallback>
+        <mc:Fallback xmlns="">
           <p:sp>
             <p:nvSpPr>
               <p:cNvPr id="376" name="TextBox 375">
@@ -7998,8 +8024,8 @@
           </p:sp>
         </mc:Fallback>
       </mc:AlternateContent>
-      <mc:AlternateContent xmlns:mc="http://schemas.openxmlformats.org/markup-compatibility/2006">
-        <mc:Choice xmlns:a14="http://schemas.microsoft.com/office/drawing/2010/main" Requires="a14">
+      <mc:AlternateContent xmlns:mc="http://schemas.openxmlformats.org/markup-compatibility/2006" xmlns:a14="http://schemas.microsoft.com/office/drawing/2010/main">
+        <mc:Choice Requires="a14">
           <p:sp>
             <p:nvSpPr>
               <p:cNvPr id="378" name="TextBox 377">
@@ -8057,7 +8083,7 @@
             </p:txBody>
           </p:sp>
         </mc:Choice>
-        <mc:Fallback>
+        <mc:Fallback xmlns="">
           <p:sp>
             <p:nvSpPr>
               <p:cNvPr id="378" name="TextBox 377">
@@ -8102,8 +8128,8 @@
           </p:sp>
         </mc:Fallback>
       </mc:AlternateContent>
-      <mc:AlternateContent xmlns:mc="http://schemas.openxmlformats.org/markup-compatibility/2006">
-        <mc:Choice xmlns:a14="http://schemas.microsoft.com/office/drawing/2010/main" Requires="a14">
+      <mc:AlternateContent xmlns:mc="http://schemas.openxmlformats.org/markup-compatibility/2006" xmlns:a14="http://schemas.microsoft.com/office/drawing/2010/main">
+        <mc:Choice Requires="a14">
           <p:sp>
             <p:nvSpPr>
               <p:cNvPr id="380" name="TextBox 379">
@@ -8182,7 +8208,7 @@
             </p:txBody>
           </p:sp>
         </mc:Choice>
-        <mc:Fallback>
+        <mc:Fallback xmlns="">
           <p:sp>
             <p:nvSpPr>
               <p:cNvPr id="380" name="TextBox 379">
@@ -8227,8 +8253,8 @@
           </p:sp>
         </mc:Fallback>
       </mc:AlternateContent>
-      <mc:AlternateContent xmlns:mc="http://schemas.openxmlformats.org/markup-compatibility/2006">
-        <mc:Choice xmlns:a14="http://schemas.microsoft.com/office/drawing/2010/main" Requires="a14">
+      <mc:AlternateContent xmlns:mc="http://schemas.openxmlformats.org/markup-compatibility/2006" xmlns:a14="http://schemas.microsoft.com/office/drawing/2010/main">
+        <mc:Choice Requires="a14">
           <p:sp>
             <p:nvSpPr>
               <p:cNvPr id="382" name="TextBox 381">
@@ -8286,7 +8312,7 @@
             </p:txBody>
           </p:sp>
         </mc:Choice>
-        <mc:Fallback>
+        <mc:Fallback xmlns="">
           <p:sp>
             <p:nvSpPr>
               <p:cNvPr id="382" name="TextBox 381">
@@ -8331,8 +8357,8 @@
           </p:sp>
         </mc:Fallback>
       </mc:AlternateContent>
-      <mc:AlternateContent xmlns:mc="http://schemas.openxmlformats.org/markup-compatibility/2006">
-        <mc:Choice xmlns:a14="http://schemas.microsoft.com/office/drawing/2010/main" Requires="a14">
+      <mc:AlternateContent xmlns:mc="http://schemas.openxmlformats.org/markup-compatibility/2006" xmlns:a14="http://schemas.microsoft.com/office/drawing/2010/main">
+        <mc:Choice Requires="a14">
           <p:sp>
             <p:nvSpPr>
               <p:cNvPr id="384" name="TextBox 383">
@@ -8390,7 +8416,7 @@
             </p:txBody>
           </p:sp>
         </mc:Choice>
-        <mc:Fallback>
+        <mc:Fallback xmlns="">
           <p:sp>
             <p:nvSpPr>
               <p:cNvPr id="384" name="TextBox 383">
@@ -8435,8 +8461,8 @@
           </p:sp>
         </mc:Fallback>
       </mc:AlternateContent>
-      <mc:AlternateContent xmlns:mc="http://schemas.openxmlformats.org/markup-compatibility/2006">
-        <mc:Choice xmlns:a14="http://schemas.microsoft.com/office/drawing/2010/main" Requires="a14">
+      <mc:AlternateContent xmlns:mc="http://schemas.openxmlformats.org/markup-compatibility/2006" xmlns:a14="http://schemas.microsoft.com/office/drawing/2010/main">
+        <mc:Choice Requires="a14">
           <p:sp>
             <p:nvSpPr>
               <p:cNvPr id="386" name="TextBox 385">
@@ -8494,7 +8520,7 @@
             </p:txBody>
           </p:sp>
         </mc:Choice>
-        <mc:Fallback>
+        <mc:Fallback xmlns="">
           <p:sp>
             <p:nvSpPr>
               <p:cNvPr id="386" name="TextBox 385">
@@ -8599,8 +8625,8 @@
           </a:p>
         </p:txBody>
       </p:sp>
-      <mc:AlternateContent xmlns:mc="http://schemas.openxmlformats.org/markup-compatibility/2006">
-        <mc:Choice xmlns:a14="http://schemas.microsoft.com/office/drawing/2010/main" Requires="a14">
+      <mc:AlternateContent xmlns:mc="http://schemas.openxmlformats.org/markup-compatibility/2006" xmlns:a14="http://schemas.microsoft.com/office/drawing/2010/main">
+        <mc:Choice Requires="a14">
           <p:sp>
             <p:nvSpPr>
               <p:cNvPr id="388" name="TextBox 387">
@@ -8658,7 +8684,7 @@
             </p:txBody>
           </p:sp>
         </mc:Choice>
-        <mc:Fallback>
+        <mc:Fallback xmlns="">
           <p:sp>
             <p:nvSpPr>
               <p:cNvPr id="388" name="TextBox 387">
@@ -8763,8 +8789,8 @@
           </a:p>
         </p:txBody>
       </p:sp>
-      <mc:AlternateContent xmlns:mc="http://schemas.openxmlformats.org/markup-compatibility/2006">
-        <mc:Choice xmlns:a14="http://schemas.microsoft.com/office/drawing/2010/main" Requires="a14">
+      <mc:AlternateContent xmlns:mc="http://schemas.openxmlformats.org/markup-compatibility/2006" xmlns:a14="http://schemas.microsoft.com/office/drawing/2010/main">
+        <mc:Choice Requires="a14">
           <p:sp>
             <p:nvSpPr>
               <p:cNvPr id="391" name="TextBox 390">
@@ -8822,7 +8848,7 @@
             </p:txBody>
           </p:sp>
         </mc:Choice>
-        <mc:Fallback>
+        <mc:Fallback xmlns="">
           <p:sp>
             <p:nvSpPr>
               <p:cNvPr id="391" name="TextBox 390">
@@ -8930,8 +8956,8 @@
           </a:p>
         </p:txBody>
       </p:sp>
-      <mc:AlternateContent xmlns:mc="http://schemas.openxmlformats.org/markup-compatibility/2006">
-        <mc:Choice xmlns:a14="http://schemas.microsoft.com/office/drawing/2010/main" Requires="a14">
+      <mc:AlternateContent xmlns:mc="http://schemas.openxmlformats.org/markup-compatibility/2006" xmlns:a14="http://schemas.microsoft.com/office/drawing/2010/main">
+        <mc:Choice Requires="a14">
           <p:sp>
             <p:nvSpPr>
               <p:cNvPr id="392" name="TextBox 391">
@@ -9014,7 +9040,7 @@
             </p:txBody>
           </p:sp>
         </mc:Choice>
-        <mc:Fallback>
+        <mc:Fallback xmlns="">
           <p:sp>
             <p:nvSpPr>
               <p:cNvPr id="392" name="TextBox 391">

--- a/figs/fig_modelpipeline.pptx
+++ b/figs/fig_modelpipeline.pptx
@@ -4,6 +4,9 @@
   <p:sldMasterIdLst>
     <p:sldMasterId id="2147483648" r:id="rId1"/>
   </p:sldMasterIdLst>
+  <p:notesMasterIdLst>
+    <p:notesMasterId r:id="rId3"/>
+  </p:notesMasterIdLst>
   <p:sldIdLst>
     <p:sldId id="256" r:id="rId2"/>
   </p:sldIdLst>
@@ -123,6 +126,14 @@
 </p:presentation>
 </file>
 
+<file path=ppt/revisionInfo.xml><?xml version="1.0" encoding="utf-8"?>
+<p1510:revInfo xmlns:a="http://schemas.openxmlformats.org/drawingml/2006/main" xmlns:r="http://schemas.openxmlformats.org/officeDocument/2006/relationships" xmlns:p1510="http://schemas.microsoft.com/office/powerpoint/2015/10/main">
+  <p1510:revLst>
+    <p1510:client id="{C33FD107-E526-9E49-9516-E5B222B7A045}" v="71" dt="2025-05-18T07:15:09.362"/>
+  </p1510:revLst>
+</p1510:revInfo>
+</file>
+
 <file path=ppt/changesInfos/changesInfo1.xml><?xml version="1.0" encoding="utf-8"?>
 <pc:chgInfo xmlns:a="http://schemas.openxmlformats.org/drawingml/2006/main" xmlns:r="http://schemas.openxmlformats.org/officeDocument/2006/relationships" xmlns:ac="http://schemas.microsoft.com/office/drawing/2013/main/command" xmlns:pc="http://schemas.microsoft.com/office/powerpoint/2013/main/command">
   <pc:docChgLst>
@@ -149,7 +160,971 @@
       </pc:sldChg>
     </pc:docChg>
   </pc:docChgLst>
+  <pc:docChgLst>
+    <pc:chgData name="Barkasi, Michael" userId="604489e9-c8b5-4a18-ae0d-3a3e29c44efc" providerId="ADAL" clId="{C33FD107-E526-9E49-9516-E5B222B7A045}"/>
+    <pc:docChg chg="undo custSel modSld">
+      <pc:chgData name="Barkasi, Michael" userId="604489e9-c8b5-4a18-ae0d-3a3e29c44efc" providerId="ADAL" clId="{C33FD107-E526-9E49-9516-E5B222B7A045}" dt="2025-05-18T07:15:31.289" v="1176" actId="692"/>
+      <pc:docMkLst>
+        <pc:docMk/>
+      </pc:docMkLst>
+      <pc:sldChg chg="addSp delSp modSp mod">
+        <pc:chgData name="Barkasi, Michael" userId="604489e9-c8b5-4a18-ae0d-3a3e29c44efc" providerId="ADAL" clId="{C33FD107-E526-9E49-9516-E5B222B7A045}" dt="2025-05-18T07:15:31.289" v="1176" actId="692"/>
+        <pc:sldMkLst>
+          <pc:docMk/>
+          <pc:sldMk cId="1160241537" sldId="256"/>
+        </pc:sldMkLst>
+        <pc:spChg chg="mod">
+          <ac:chgData name="Barkasi, Michael" userId="604489e9-c8b5-4a18-ae0d-3a3e29c44efc" providerId="ADAL" clId="{C33FD107-E526-9E49-9516-E5B222B7A045}" dt="2025-05-18T06:42:57.455" v="851" actId="122"/>
+          <ac:spMkLst>
+            <pc:docMk/>
+            <pc:sldMk cId="1160241537" sldId="256"/>
+            <ac:spMk id="4" creationId="{C3D01637-0D73-8DB6-A7D6-4A4AAC723513}"/>
+          </ac:spMkLst>
+        </pc:spChg>
+        <pc:spChg chg="mod">
+          <ac:chgData name="Barkasi, Michael" userId="604489e9-c8b5-4a18-ae0d-3a3e29c44efc" providerId="ADAL" clId="{C33FD107-E526-9E49-9516-E5B222B7A045}" dt="2025-05-18T06:30:47.465" v="756" actId="1076"/>
+          <ac:spMkLst>
+            <pc:docMk/>
+            <pc:sldMk cId="1160241537" sldId="256"/>
+            <ac:spMk id="5" creationId="{D939D469-E8B7-9E17-B797-BB20947D9EA3}"/>
+          </ac:spMkLst>
+        </pc:spChg>
+        <pc:spChg chg="mod">
+          <ac:chgData name="Barkasi, Michael" userId="604489e9-c8b5-4a18-ae0d-3a3e29c44efc" providerId="ADAL" clId="{C33FD107-E526-9E49-9516-E5B222B7A045}" dt="2025-05-18T05:54:14.338" v="387" actId="207"/>
+          <ac:spMkLst>
+            <pc:docMk/>
+            <pc:sldMk cId="1160241537" sldId="256"/>
+            <ac:spMk id="14" creationId="{591FC567-7DB1-1928-DFCB-A119AEF9F1E5}"/>
+          </ac:spMkLst>
+        </pc:spChg>
+        <pc:spChg chg="mod">
+          <ac:chgData name="Barkasi, Michael" userId="604489e9-c8b5-4a18-ae0d-3a3e29c44efc" providerId="ADAL" clId="{C33FD107-E526-9E49-9516-E5B222B7A045}" dt="2025-05-18T07:12:24.358" v="1157" actId="207"/>
+          <ac:spMkLst>
+            <pc:docMk/>
+            <pc:sldMk cId="1160241537" sldId="256"/>
+            <ac:spMk id="20" creationId="{555A90AE-553C-0FBA-1AE8-DD3551B66644}"/>
+          </ac:spMkLst>
+        </pc:spChg>
+        <pc:spChg chg="mod">
+          <ac:chgData name="Barkasi, Michael" userId="604489e9-c8b5-4a18-ae0d-3a3e29c44efc" providerId="ADAL" clId="{C33FD107-E526-9E49-9516-E5B222B7A045}" dt="2025-05-18T06:42:51.359" v="850" actId="122"/>
+          <ac:spMkLst>
+            <pc:docMk/>
+            <pc:sldMk cId="1160241537" sldId="256"/>
+            <ac:spMk id="25" creationId="{F51AFFE9-3039-D4BF-DFB0-67E60D747199}"/>
+          </ac:spMkLst>
+        </pc:spChg>
+        <pc:spChg chg="add mod">
+          <ac:chgData name="Barkasi, Michael" userId="604489e9-c8b5-4a18-ae0d-3a3e29c44efc" providerId="ADAL" clId="{C33FD107-E526-9E49-9516-E5B222B7A045}" dt="2025-05-18T06:40:44.788" v="828" actId="255"/>
+          <ac:spMkLst>
+            <pc:docMk/>
+            <pc:sldMk cId="1160241537" sldId="256"/>
+            <ac:spMk id="58" creationId="{F1561F8C-BCEC-C3CD-A51F-437A593F2924}"/>
+          </ac:spMkLst>
+        </pc:spChg>
+        <pc:spChg chg="add mod">
+          <ac:chgData name="Barkasi, Michael" userId="604489e9-c8b5-4a18-ae0d-3a3e29c44efc" providerId="ADAL" clId="{C33FD107-E526-9E49-9516-E5B222B7A045}" dt="2025-05-18T06:40:42.634" v="825" actId="255"/>
+          <ac:spMkLst>
+            <pc:docMk/>
+            <pc:sldMk cId="1160241537" sldId="256"/>
+            <ac:spMk id="59" creationId="{AE31AA5D-2DC8-B256-C0C5-52E2DDCBCCC4}"/>
+          </ac:spMkLst>
+        </pc:spChg>
+        <pc:spChg chg="add mod">
+          <ac:chgData name="Barkasi, Michael" userId="604489e9-c8b5-4a18-ae0d-3a3e29c44efc" providerId="ADAL" clId="{C33FD107-E526-9E49-9516-E5B222B7A045}" dt="2025-05-18T07:15:31.289" v="1176" actId="692"/>
+          <ac:spMkLst>
+            <pc:docMk/>
+            <pc:sldMk cId="1160241537" sldId="256"/>
+            <ac:spMk id="65" creationId="{8C3AA79E-9D9C-3D51-3BAE-B64FEFD90CB3}"/>
+          </ac:spMkLst>
+        </pc:spChg>
+        <pc:spChg chg="add mod">
+          <ac:chgData name="Barkasi, Michael" userId="604489e9-c8b5-4a18-ae0d-3a3e29c44efc" providerId="ADAL" clId="{C33FD107-E526-9E49-9516-E5B222B7A045}" dt="2025-05-18T06:42:44.498" v="849" actId="122"/>
+          <ac:spMkLst>
+            <pc:docMk/>
+            <pc:sldMk cId="1160241537" sldId="256"/>
+            <ac:spMk id="73" creationId="{A0A11E2F-84E4-B464-4D7C-A712AF23F9D7}"/>
+          </ac:spMkLst>
+        </pc:spChg>
+        <pc:spChg chg="mod">
+          <ac:chgData name="Barkasi, Michael" userId="604489e9-c8b5-4a18-ae0d-3a3e29c44efc" providerId="ADAL" clId="{C33FD107-E526-9E49-9516-E5B222B7A045}" dt="2025-05-18T06:48:34.904" v="908" actId="20577"/>
+          <ac:spMkLst>
+            <pc:docMk/>
+            <pc:sldMk cId="1160241537" sldId="256"/>
+            <ac:spMk id="77" creationId="{BD84AEB1-6662-C56D-7E67-69415C00445B}"/>
+          </ac:spMkLst>
+        </pc:spChg>
+        <pc:spChg chg="add del mod">
+          <ac:chgData name="Barkasi, Michael" userId="604489e9-c8b5-4a18-ae0d-3a3e29c44efc" providerId="ADAL" clId="{C33FD107-E526-9E49-9516-E5B222B7A045}" dt="2025-05-18T06:29:39.765" v="751" actId="478"/>
+          <ac:spMkLst>
+            <pc:docMk/>
+            <pc:sldMk cId="1160241537" sldId="256"/>
+            <ac:spMk id="79" creationId="{990382FF-C849-5D05-7DCD-84C70970FB73}"/>
+          </ac:spMkLst>
+        </pc:spChg>
+        <pc:spChg chg="add mod">
+          <ac:chgData name="Barkasi, Michael" userId="604489e9-c8b5-4a18-ae0d-3a3e29c44efc" providerId="ADAL" clId="{C33FD107-E526-9E49-9516-E5B222B7A045}" dt="2025-05-18T06:50:04.915" v="919" actId="1076"/>
+          <ac:spMkLst>
+            <pc:docMk/>
+            <pc:sldMk cId="1160241537" sldId="256"/>
+            <ac:spMk id="104" creationId="{57366E12-DA1C-9FF0-189E-E03F2BBD9E7A}"/>
+          </ac:spMkLst>
+        </pc:spChg>
+        <pc:spChg chg="add del">
+          <ac:chgData name="Barkasi, Michael" userId="604489e9-c8b5-4a18-ae0d-3a3e29c44efc" providerId="ADAL" clId="{C33FD107-E526-9E49-9516-E5B222B7A045}" dt="2025-05-18T06:52:05.682" v="935" actId="478"/>
+          <ac:spMkLst>
+            <pc:docMk/>
+            <pc:sldMk cId="1160241537" sldId="256"/>
+            <ac:spMk id="111" creationId="{46085E59-B36F-FA39-2385-72F5CED4EEE9}"/>
+          </ac:spMkLst>
+        </pc:spChg>
+        <pc:spChg chg="add mod">
+          <ac:chgData name="Barkasi, Michael" userId="604489e9-c8b5-4a18-ae0d-3a3e29c44efc" providerId="ADAL" clId="{C33FD107-E526-9E49-9516-E5B222B7A045}" dt="2025-05-18T07:00:51.213" v="1024" actId="692"/>
+          <ac:spMkLst>
+            <pc:docMk/>
+            <pc:sldMk cId="1160241537" sldId="256"/>
+            <ac:spMk id="115" creationId="{3C682350-AD72-104A-1E02-14153DED0196}"/>
+          </ac:spMkLst>
+        </pc:spChg>
+        <pc:spChg chg="add mod">
+          <ac:chgData name="Barkasi, Michael" userId="604489e9-c8b5-4a18-ae0d-3a3e29c44efc" providerId="ADAL" clId="{C33FD107-E526-9E49-9516-E5B222B7A045}" dt="2025-05-18T07:00:51.213" v="1024" actId="692"/>
+          <ac:spMkLst>
+            <pc:docMk/>
+            <pc:sldMk cId="1160241537" sldId="256"/>
+            <ac:spMk id="116" creationId="{77122586-DEDA-A882-A04E-08BED3FCA42A}"/>
+          </ac:spMkLst>
+        </pc:spChg>
+        <pc:spChg chg="mod">
+          <ac:chgData name="Barkasi, Michael" userId="604489e9-c8b5-4a18-ae0d-3a3e29c44efc" providerId="ADAL" clId="{C33FD107-E526-9E49-9516-E5B222B7A045}" dt="2025-05-18T06:17:51.558" v="594" actId="20577"/>
+          <ac:spMkLst>
+            <pc:docMk/>
+            <pc:sldMk cId="1160241537" sldId="256"/>
+            <ac:spMk id="222" creationId="{4347C1AD-D470-D075-EABD-559DDCD07689}"/>
+          </ac:spMkLst>
+        </pc:spChg>
+        <pc:spChg chg="mod">
+          <ac:chgData name="Barkasi, Michael" userId="604489e9-c8b5-4a18-ae0d-3a3e29c44efc" providerId="ADAL" clId="{C33FD107-E526-9E49-9516-E5B222B7A045}" dt="2025-05-18T06:23:27.942" v="630" actId="1076"/>
+          <ac:spMkLst>
+            <pc:docMk/>
+            <pc:sldMk cId="1160241537" sldId="256"/>
+            <ac:spMk id="363" creationId="{9F3C995B-3C9B-B261-7A0C-8A01C81ACB01}"/>
+          </ac:spMkLst>
+        </pc:spChg>
+        <pc:spChg chg="mod">
+          <ac:chgData name="Barkasi, Michael" userId="604489e9-c8b5-4a18-ae0d-3a3e29c44efc" providerId="ADAL" clId="{C33FD107-E526-9E49-9516-E5B222B7A045}" dt="2025-05-18T06:25:27.254" v="726" actId="1076"/>
+          <ac:spMkLst>
+            <pc:docMk/>
+            <pc:sldMk cId="1160241537" sldId="256"/>
+            <ac:spMk id="364" creationId="{486B9CFF-E460-B596-17BE-68E324EF69B3}"/>
+          </ac:spMkLst>
+        </pc:spChg>
+        <pc:spChg chg="mod">
+          <ac:chgData name="Barkasi, Michael" userId="604489e9-c8b5-4a18-ae0d-3a3e29c44efc" providerId="ADAL" clId="{C33FD107-E526-9E49-9516-E5B222B7A045}" dt="2025-05-18T06:40:52.974" v="833" actId="20577"/>
+          <ac:spMkLst>
+            <pc:docMk/>
+            <pc:sldMk cId="1160241537" sldId="256"/>
+            <ac:spMk id="367" creationId="{F4C22F3B-FB9B-9308-09F3-2FB2B62FA620}"/>
+          </ac:spMkLst>
+        </pc:spChg>
+        <pc:spChg chg="mod">
+          <ac:chgData name="Barkasi, Michael" userId="604489e9-c8b5-4a18-ae0d-3a3e29c44efc" providerId="ADAL" clId="{C33FD107-E526-9E49-9516-E5B222B7A045}" dt="2025-05-18T06:49:41.188" v="915" actId="164"/>
+          <ac:spMkLst>
+            <pc:docMk/>
+            <pc:sldMk cId="1160241537" sldId="256"/>
+            <ac:spMk id="370" creationId="{CC99C6EF-3D44-9499-D394-094FFEB04FDD}"/>
+          </ac:spMkLst>
+        </pc:spChg>
+        <pc:spChg chg="mod">
+          <ac:chgData name="Barkasi, Michael" userId="604489e9-c8b5-4a18-ae0d-3a3e29c44efc" providerId="ADAL" clId="{C33FD107-E526-9E49-9516-E5B222B7A045}" dt="2025-05-18T06:56:17.281" v="962" actId="1076"/>
+          <ac:spMkLst>
+            <pc:docMk/>
+            <pc:sldMk cId="1160241537" sldId="256"/>
+            <ac:spMk id="372" creationId="{D0BF1455-2E79-FFD7-87A9-61ADBC848FC6}"/>
+          </ac:spMkLst>
+        </pc:spChg>
+        <pc:spChg chg="mod">
+          <ac:chgData name="Barkasi, Michael" userId="604489e9-c8b5-4a18-ae0d-3a3e29c44efc" providerId="ADAL" clId="{C33FD107-E526-9E49-9516-E5B222B7A045}" dt="2025-05-18T06:53:30.453" v="945" actId="164"/>
+          <ac:spMkLst>
+            <pc:docMk/>
+            <pc:sldMk cId="1160241537" sldId="256"/>
+            <ac:spMk id="373" creationId="{5E123884-2B9E-3027-5C90-F85CA08DF19D}"/>
+          </ac:spMkLst>
+        </pc:spChg>
+        <pc:spChg chg="mod">
+          <ac:chgData name="Barkasi, Michael" userId="604489e9-c8b5-4a18-ae0d-3a3e29c44efc" providerId="ADAL" clId="{C33FD107-E526-9E49-9516-E5B222B7A045}" dt="2025-05-18T06:53:36.184" v="946" actId="1076"/>
+          <ac:spMkLst>
+            <pc:docMk/>
+            <pc:sldMk cId="1160241537" sldId="256"/>
+            <ac:spMk id="376" creationId="{1E4A9A9B-8914-843E-0A7A-30F98DC31C91}"/>
+          </ac:spMkLst>
+        </pc:spChg>
+        <pc:spChg chg="mod">
+          <ac:chgData name="Barkasi, Michael" userId="604489e9-c8b5-4a18-ae0d-3a3e29c44efc" providerId="ADAL" clId="{C33FD107-E526-9E49-9516-E5B222B7A045}" dt="2025-05-18T06:49:53.356" v="917" actId="1076"/>
+          <ac:spMkLst>
+            <pc:docMk/>
+            <pc:sldMk cId="1160241537" sldId="256"/>
+            <ac:spMk id="378" creationId="{E606D581-B0CD-E6C1-1D8D-7A30286B2AF3}"/>
+          </ac:spMkLst>
+        </pc:spChg>
+        <pc:spChg chg="mod">
+          <ac:chgData name="Barkasi, Michael" userId="604489e9-c8b5-4a18-ae0d-3a3e29c44efc" providerId="ADAL" clId="{C33FD107-E526-9E49-9516-E5B222B7A045}" dt="2025-05-18T06:56:21.314" v="963" actId="1076"/>
+          <ac:spMkLst>
+            <pc:docMk/>
+            <pc:sldMk cId="1160241537" sldId="256"/>
+            <ac:spMk id="380" creationId="{E9A6C564-6434-8607-7490-B2DD3FB435CD}"/>
+          </ac:spMkLst>
+        </pc:spChg>
+        <pc:spChg chg="mod topLvl">
+          <ac:chgData name="Barkasi, Michael" userId="604489e9-c8b5-4a18-ae0d-3a3e29c44efc" providerId="ADAL" clId="{C33FD107-E526-9E49-9516-E5B222B7A045}" dt="2025-05-18T06:54:54.052" v="953" actId="164"/>
+          <ac:spMkLst>
+            <pc:docMk/>
+            <pc:sldMk cId="1160241537" sldId="256"/>
+            <ac:spMk id="392" creationId="{47A8D240-36A6-246F-5E31-18BBA477F933}"/>
+          </ac:spMkLst>
+        </pc:spChg>
+        <pc:spChg chg="mod topLvl">
+          <ac:chgData name="Barkasi, Michael" userId="604489e9-c8b5-4a18-ae0d-3a3e29c44efc" providerId="ADAL" clId="{C33FD107-E526-9E49-9516-E5B222B7A045}" dt="2025-05-18T06:54:54.052" v="953" actId="164"/>
+          <ac:spMkLst>
+            <pc:docMk/>
+            <pc:sldMk cId="1160241537" sldId="256"/>
+            <ac:spMk id="394" creationId="{9C870D71-0DEE-B3B1-ACA3-046F8AAD761B}"/>
+          </ac:spMkLst>
+        </pc:spChg>
+        <pc:spChg chg="mod">
+          <ac:chgData name="Barkasi, Michael" userId="604489e9-c8b5-4a18-ae0d-3a3e29c44efc" providerId="ADAL" clId="{C33FD107-E526-9E49-9516-E5B222B7A045}" dt="2025-05-18T06:37:05.903" v="797" actId="1076"/>
+          <ac:spMkLst>
+            <pc:docMk/>
+            <pc:sldMk cId="1160241537" sldId="256"/>
+            <ac:spMk id="395" creationId="{E5176749-5556-9B8C-B9A8-700EF6819980}"/>
+          </ac:spMkLst>
+        </pc:spChg>
+        <pc:grpChg chg="add mod">
+          <ac:chgData name="Barkasi, Michael" userId="604489e9-c8b5-4a18-ae0d-3a3e29c44efc" providerId="ADAL" clId="{C33FD107-E526-9E49-9516-E5B222B7A045}" dt="2025-05-18T06:50:10.060" v="920" actId="1076"/>
+          <ac:grpSpMkLst>
+            <pc:docMk/>
+            <pc:sldMk cId="1160241537" sldId="256"/>
+            <ac:grpSpMk id="109" creationId="{3CA072AD-43E8-C6CB-0DC3-0F5D984FDD6B}"/>
+          </ac:grpSpMkLst>
+        </pc:grpChg>
+        <pc:grpChg chg="add del mod">
+          <ac:chgData name="Barkasi, Michael" userId="604489e9-c8b5-4a18-ae0d-3a3e29c44efc" providerId="ADAL" clId="{C33FD107-E526-9E49-9516-E5B222B7A045}" dt="2025-05-18T06:54:10.456" v="949" actId="165"/>
+          <ac:grpSpMkLst>
+            <pc:docMk/>
+            <pc:sldMk cId="1160241537" sldId="256"/>
+            <ac:grpSpMk id="110" creationId="{77463028-F9D8-43F3-BE03-780AFBA934A7}"/>
+          </ac:grpSpMkLst>
+        </pc:grpChg>
+        <pc:grpChg chg="add mod">
+          <ac:chgData name="Barkasi, Michael" userId="604489e9-c8b5-4a18-ae0d-3a3e29c44efc" providerId="ADAL" clId="{C33FD107-E526-9E49-9516-E5B222B7A045}" dt="2025-05-18T06:53:30.453" v="945" actId="164"/>
+          <ac:grpSpMkLst>
+            <pc:docMk/>
+            <pc:sldMk cId="1160241537" sldId="256"/>
+            <ac:grpSpMk id="112" creationId="{F7D62CFE-0310-9AD9-4B96-D8BE0AD8F464}"/>
+          </ac:grpSpMkLst>
+        </pc:grpChg>
+        <pc:grpChg chg="add mod">
+          <ac:chgData name="Barkasi, Michael" userId="604489e9-c8b5-4a18-ae0d-3a3e29c44efc" providerId="ADAL" clId="{C33FD107-E526-9E49-9516-E5B222B7A045}" dt="2025-05-18T06:54:54.052" v="953" actId="164"/>
+          <ac:grpSpMkLst>
+            <pc:docMk/>
+            <pc:sldMk cId="1160241537" sldId="256"/>
+            <ac:grpSpMk id="113" creationId="{1B5A2C18-B496-5F1E-DC9D-BA35572095A2}"/>
+          </ac:grpSpMkLst>
+        </pc:grpChg>
+        <pc:cxnChg chg="add mod">
+          <ac:chgData name="Barkasi, Michael" userId="604489e9-c8b5-4a18-ae0d-3a3e29c44efc" providerId="ADAL" clId="{C33FD107-E526-9E49-9516-E5B222B7A045}" dt="2025-05-18T05:53:08.808" v="206" actId="692"/>
+          <ac:cxnSpMkLst>
+            <pc:docMk/>
+            <pc:sldMk cId="1160241537" sldId="256"/>
+            <ac:cxnSpMk id="2" creationId="{09C1AFDB-B14B-25F5-F94E-6ACB6BEF24EF}"/>
+          </ac:cxnSpMkLst>
+        </pc:cxnChg>
+        <pc:cxnChg chg="add mod">
+          <ac:chgData name="Barkasi, Michael" userId="604489e9-c8b5-4a18-ae0d-3a3e29c44efc" providerId="ADAL" clId="{C33FD107-E526-9E49-9516-E5B222B7A045}" dt="2025-05-18T06:11:35.693" v="450" actId="14100"/>
+          <ac:cxnSpMkLst>
+            <pc:docMk/>
+            <pc:sldMk cId="1160241537" sldId="256"/>
+            <ac:cxnSpMk id="3" creationId="{16D8DF94-749C-D468-5C7B-974AA2E001E7}"/>
+          </ac:cxnSpMkLst>
+        </pc:cxnChg>
+        <pc:cxnChg chg="add mod">
+          <ac:chgData name="Barkasi, Michael" userId="604489e9-c8b5-4a18-ae0d-3a3e29c44efc" providerId="ADAL" clId="{C33FD107-E526-9E49-9516-E5B222B7A045}" dt="2025-05-18T06:00:25.554" v="416" actId="14100"/>
+          <ac:cxnSpMkLst>
+            <pc:docMk/>
+            <pc:sldMk cId="1160241537" sldId="256"/>
+            <ac:cxnSpMk id="11" creationId="{7BB87E29-5701-C76A-F7ED-3E0CE7AB4ECB}"/>
+          </ac:cxnSpMkLst>
+        </pc:cxnChg>
+        <pc:cxnChg chg="add mod">
+          <ac:chgData name="Barkasi, Michael" userId="604489e9-c8b5-4a18-ae0d-3a3e29c44efc" providerId="ADAL" clId="{C33FD107-E526-9E49-9516-E5B222B7A045}" dt="2025-05-18T05:59:08.341" v="409" actId="1076"/>
+          <ac:cxnSpMkLst>
+            <pc:docMk/>
+            <pc:sldMk cId="1160241537" sldId="256"/>
+            <ac:cxnSpMk id="15" creationId="{9A26E224-A730-8224-0AA2-3B9523E41388}"/>
+          </ac:cxnSpMkLst>
+        </pc:cxnChg>
+        <pc:cxnChg chg="add mod">
+          <ac:chgData name="Barkasi, Michael" userId="604489e9-c8b5-4a18-ae0d-3a3e29c44efc" providerId="ADAL" clId="{C33FD107-E526-9E49-9516-E5B222B7A045}" dt="2025-05-18T06:00:16.022" v="415" actId="14100"/>
+          <ac:cxnSpMkLst>
+            <pc:docMk/>
+            <pc:sldMk cId="1160241537" sldId="256"/>
+            <ac:cxnSpMk id="26" creationId="{35BEAD4C-BCCF-6761-3410-D526B70B4B2D}"/>
+          </ac:cxnSpMkLst>
+        </pc:cxnChg>
+        <pc:cxnChg chg="add mod">
+          <ac:chgData name="Barkasi, Michael" userId="604489e9-c8b5-4a18-ae0d-3a3e29c44efc" providerId="ADAL" clId="{C33FD107-E526-9E49-9516-E5B222B7A045}" dt="2025-05-18T06:11:41.355" v="451" actId="1076"/>
+          <ac:cxnSpMkLst>
+            <pc:docMk/>
+            <pc:sldMk cId="1160241537" sldId="256"/>
+            <ac:cxnSpMk id="28" creationId="{D0BE0577-D9B4-AE28-1E19-C7FA65025C58}"/>
+          </ac:cxnSpMkLst>
+        </pc:cxnChg>
+        <pc:cxnChg chg="add mod">
+          <ac:chgData name="Barkasi, Michael" userId="604489e9-c8b5-4a18-ae0d-3a3e29c44efc" providerId="ADAL" clId="{C33FD107-E526-9E49-9516-E5B222B7A045}" dt="2025-05-18T06:11:46.312" v="452" actId="14100"/>
+          <ac:cxnSpMkLst>
+            <pc:docMk/>
+            <pc:sldMk cId="1160241537" sldId="256"/>
+            <ac:cxnSpMk id="31" creationId="{068F2A5F-3955-126F-57ED-29F2EB0C53F5}"/>
+          </ac:cxnSpMkLst>
+        </pc:cxnChg>
+        <pc:cxnChg chg="add mod">
+          <ac:chgData name="Barkasi, Michael" userId="604489e9-c8b5-4a18-ae0d-3a3e29c44efc" providerId="ADAL" clId="{C33FD107-E526-9E49-9516-E5B222B7A045}" dt="2025-05-18T05:59:23.867" v="412" actId="14100"/>
+          <ac:cxnSpMkLst>
+            <pc:docMk/>
+            <pc:sldMk cId="1160241537" sldId="256"/>
+            <ac:cxnSpMk id="32" creationId="{754F9A7B-4FD0-858B-3F31-A4A45476C837}"/>
+          </ac:cxnSpMkLst>
+        </pc:cxnChg>
+        <pc:cxnChg chg="mod">
+          <ac:chgData name="Barkasi, Michael" userId="604489e9-c8b5-4a18-ae0d-3a3e29c44efc" providerId="ADAL" clId="{C33FD107-E526-9E49-9516-E5B222B7A045}" dt="2025-05-18T06:34:08.523" v="775" actId="14100"/>
+          <ac:cxnSpMkLst>
+            <pc:docMk/>
+            <pc:sldMk cId="1160241537" sldId="256"/>
+            <ac:cxnSpMk id="39" creationId="{F34272A6-8F55-128C-AB3E-1700D68579CB}"/>
+          </ac:cxnSpMkLst>
+        </pc:cxnChg>
+        <pc:cxnChg chg="mod">
+          <ac:chgData name="Barkasi, Michael" userId="604489e9-c8b5-4a18-ae0d-3a3e29c44efc" providerId="ADAL" clId="{C33FD107-E526-9E49-9516-E5B222B7A045}" dt="2025-05-18T06:33:56.753" v="773" actId="14100"/>
+          <ac:cxnSpMkLst>
+            <pc:docMk/>
+            <pc:sldMk cId="1160241537" sldId="256"/>
+            <ac:cxnSpMk id="40" creationId="{D261C05F-0604-607D-47D0-245A27AB533A}"/>
+          </ac:cxnSpMkLst>
+        </pc:cxnChg>
+        <pc:cxnChg chg="add mod">
+          <ac:chgData name="Barkasi, Michael" userId="604489e9-c8b5-4a18-ae0d-3a3e29c44efc" providerId="ADAL" clId="{C33FD107-E526-9E49-9516-E5B222B7A045}" dt="2025-05-18T06:11:27.885" v="449" actId="1076"/>
+          <ac:cxnSpMkLst>
+            <pc:docMk/>
+            <pc:sldMk cId="1160241537" sldId="256"/>
+            <ac:cxnSpMk id="45" creationId="{1C2D59EE-DE23-BE2F-82B6-99E8B0941B3A}"/>
+          </ac:cxnSpMkLst>
+        </pc:cxnChg>
+        <pc:cxnChg chg="add mod">
+          <ac:chgData name="Barkasi, Michael" userId="604489e9-c8b5-4a18-ae0d-3a3e29c44efc" providerId="ADAL" clId="{C33FD107-E526-9E49-9516-E5B222B7A045}" dt="2025-05-18T06:12:03.272" v="455" actId="14100"/>
+          <ac:cxnSpMkLst>
+            <pc:docMk/>
+            <pc:sldMk cId="1160241537" sldId="256"/>
+            <ac:cxnSpMk id="56" creationId="{A67E6B51-678E-D32D-D2D8-E7122E34EE9D}"/>
+          </ac:cxnSpMkLst>
+        </pc:cxnChg>
+        <pc:cxnChg chg="mod">
+          <ac:chgData name="Barkasi, Michael" userId="604489e9-c8b5-4a18-ae0d-3a3e29c44efc" providerId="ADAL" clId="{C33FD107-E526-9E49-9516-E5B222B7A045}" dt="2025-05-18T05:56:12.347" v="393" actId="14100"/>
+          <ac:cxnSpMkLst>
+            <pc:docMk/>
+            <pc:sldMk cId="1160241537" sldId="256"/>
+            <ac:cxnSpMk id="63" creationId="{CBD98956-1E62-D0ED-DCF4-B9DF8D52385B}"/>
+          </ac:cxnSpMkLst>
+        </pc:cxnChg>
+        <pc:cxnChg chg="mod">
+          <ac:chgData name="Barkasi, Michael" userId="604489e9-c8b5-4a18-ae0d-3a3e29c44efc" providerId="ADAL" clId="{C33FD107-E526-9E49-9516-E5B222B7A045}" dt="2025-05-18T06:56:13.925" v="961" actId="14100"/>
+          <ac:cxnSpMkLst>
+            <pc:docMk/>
+            <pc:sldMk cId="1160241537" sldId="256"/>
+            <ac:cxnSpMk id="71" creationId="{3A35E1A8-8710-1791-64E4-81A2DEEF322B}"/>
+          </ac:cxnSpMkLst>
+        </pc:cxnChg>
+        <pc:cxnChg chg="add del mod">
+          <ac:chgData name="Barkasi, Michael" userId="604489e9-c8b5-4a18-ae0d-3a3e29c44efc" providerId="ADAL" clId="{C33FD107-E526-9E49-9516-E5B222B7A045}" dt="2025-05-18T06:32:27.045" v="765" actId="478"/>
+          <ac:cxnSpMkLst>
+            <pc:docMk/>
+            <pc:sldMk cId="1160241537" sldId="256"/>
+            <ac:cxnSpMk id="76" creationId="{20BBEADF-E79A-32FF-B2D7-8A2A92BCE383}"/>
+          </ac:cxnSpMkLst>
+        </pc:cxnChg>
+        <pc:cxnChg chg="mod">
+          <ac:chgData name="Barkasi, Michael" userId="604489e9-c8b5-4a18-ae0d-3a3e29c44efc" providerId="ADAL" clId="{C33FD107-E526-9E49-9516-E5B222B7A045}" dt="2025-05-18T07:15:09.362" v="1175" actId="166"/>
+          <ac:cxnSpMkLst>
+            <pc:docMk/>
+            <pc:sldMk cId="1160241537" sldId="256"/>
+            <ac:cxnSpMk id="78" creationId="{82A1D438-CF21-FC61-42A3-99029F10964B}"/>
+          </ac:cxnSpMkLst>
+        </pc:cxnChg>
+        <pc:cxnChg chg="add mod">
+          <ac:chgData name="Barkasi, Michael" userId="604489e9-c8b5-4a18-ae0d-3a3e29c44efc" providerId="ADAL" clId="{C33FD107-E526-9E49-9516-E5B222B7A045}" dt="2025-05-18T06:35:08.806" v="783" actId="14100"/>
+          <ac:cxnSpMkLst>
+            <pc:docMk/>
+            <pc:sldMk cId="1160241537" sldId="256"/>
+            <ac:cxnSpMk id="90" creationId="{C19CAFF0-8FC2-942D-1C2F-27E75432BAF3}"/>
+          </ac:cxnSpMkLst>
+        </pc:cxnChg>
+        <pc:cxnChg chg="add mod">
+          <ac:chgData name="Barkasi, Michael" userId="604489e9-c8b5-4a18-ae0d-3a3e29c44efc" providerId="ADAL" clId="{C33FD107-E526-9E49-9516-E5B222B7A045}" dt="2025-05-18T06:44:17.106" v="857" actId="14100"/>
+          <ac:cxnSpMkLst>
+            <pc:docMk/>
+            <pc:sldMk cId="1160241537" sldId="256"/>
+            <ac:cxnSpMk id="96" creationId="{B8A8F6C6-DEEB-E83A-3622-877A90AC5B12}"/>
+          </ac:cxnSpMkLst>
+        </pc:cxnChg>
+        <pc:cxnChg chg="mod">
+          <ac:chgData name="Barkasi, Michael" userId="604489e9-c8b5-4a18-ae0d-3a3e29c44efc" providerId="ADAL" clId="{C33FD107-E526-9E49-9516-E5B222B7A045}" dt="2025-05-18T05:59:16.239" v="410" actId="14100"/>
+          <ac:cxnSpMkLst>
+            <pc:docMk/>
+            <pc:sldMk cId="1160241537" sldId="256"/>
+            <ac:cxnSpMk id="98" creationId="{715D6EB7-8C31-CC55-01FA-1F87D5478233}"/>
+          </ac:cxnSpMkLst>
+        </pc:cxnChg>
+        <pc:cxnChg chg="add mod">
+          <ac:chgData name="Barkasi, Michael" userId="604489e9-c8b5-4a18-ae0d-3a3e29c44efc" providerId="ADAL" clId="{C33FD107-E526-9E49-9516-E5B222B7A045}" dt="2025-05-18T06:46:13.680" v="871" actId="1076"/>
+          <ac:cxnSpMkLst>
+            <pc:docMk/>
+            <pc:sldMk cId="1160241537" sldId="256"/>
+            <ac:cxnSpMk id="99" creationId="{3CF79906-6972-A0ED-5198-B605BCF69A98}"/>
+          </ac:cxnSpMkLst>
+        </pc:cxnChg>
+        <pc:cxnChg chg="add mod">
+          <ac:chgData name="Barkasi, Michael" userId="604489e9-c8b5-4a18-ae0d-3a3e29c44efc" providerId="ADAL" clId="{C33FD107-E526-9E49-9516-E5B222B7A045}" dt="2025-05-18T06:45:54.507" v="870" actId="1076"/>
+          <ac:cxnSpMkLst>
+            <pc:docMk/>
+            <pc:sldMk cId="1160241537" sldId="256"/>
+            <ac:cxnSpMk id="101" creationId="{D76EC22D-EB83-4B79-8240-4D0C097394A4}"/>
+          </ac:cxnSpMkLst>
+        </pc:cxnChg>
+        <pc:cxnChg chg="mod">
+          <ac:chgData name="Barkasi, Michael" userId="604489e9-c8b5-4a18-ae0d-3a3e29c44efc" providerId="ADAL" clId="{C33FD107-E526-9E49-9516-E5B222B7A045}" dt="2025-05-18T05:57:13.186" v="394" actId="1076"/>
+          <ac:cxnSpMkLst>
+            <pc:docMk/>
+            <pc:sldMk cId="1160241537" sldId="256"/>
+            <ac:cxnSpMk id="105" creationId="{D02E737C-8AA1-FB90-4448-3863761C9EDB}"/>
+          </ac:cxnSpMkLst>
+        </pc:cxnChg>
+        <pc:cxnChg chg="add mod">
+          <ac:chgData name="Barkasi, Michael" userId="604489e9-c8b5-4a18-ae0d-3a3e29c44efc" providerId="ADAL" clId="{C33FD107-E526-9E49-9516-E5B222B7A045}" dt="2025-05-18T07:13:12.917" v="1161" actId="14100"/>
+          <ac:cxnSpMkLst>
+            <pc:docMk/>
+            <pc:sldMk cId="1160241537" sldId="256"/>
+            <ac:cxnSpMk id="117" creationId="{933A2084-2E4D-9A15-FBE5-9D5F99AC6380}"/>
+          </ac:cxnSpMkLst>
+        </pc:cxnChg>
+        <pc:cxnChg chg="add mod">
+          <ac:chgData name="Barkasi, Michael" userId="604489e9-c8b5-4a18-ae0d-3a3e29c44efc" providerId="ADAL" clId="{C33FD107-E526-9E49-9516-E5B222B7A045}" dt="2025-05-18T07:14:10.089" v="1168" actId="14100"/>
+          <ac:cxnSpMkLst>
+            <pc:docMk/>
+            <pc:sldMk cId="1160241537" sldId="256"/>
+            <ac:cxnSpMk id="123" creationId="{7F54CB62-31B4-ECEB-DE9D-B30CD799A766}"/>
+          </ac:cxnSpMkLst>
+        </pc:cxnChg>
+        <pc:cxnChg chg="mod">
+          <ac:chgData name="Barkasi, Michael" userId="604489e9-c8b5-4a18-ae0d-3a3e29c44efc" providerId="ADAL" clId="{C33FD107-E526-9E49-9516-E5B222B7A045}" dt="2025-05-18T06:08:30.619" v="421" actId="14100"/>
+          <ac:cxnSpMkLst>
+            <pc:docMk/>
+            <pc:sldMk cId="1160241537" sldId="256"/>
+            <ac:cxnSpMk id="124" creationId="{237E0446-C41E-0A5F-DCA5-317A230C92EB}"/>
+          </ac:cxnSpMkLst>
+        </pc:cxnChg>
+        <pc:cxnChg chg="add mod">
+          <ac:chgData name="Barkasi, Michael" userId="604489e9-c8b5-4a18-ae0d-3a3e29c44efc" providerId="ADAL" clId="{C33FD107-E526-9E49-9516-E5B222B7A045}" dt="2025-05-18T07:14:31.644" v="1171" actId="14100"/>
+          <ac:cxnSpMkLst>
+            <pc:docMk/>
+            <pc:sldMk cId="1160241537" sldId="256"/>
+            <ac:cxnSpMk id="129" creationId="{7931193F-29D3-9AFC-1146-55B8C0139E73}"/>
+          </ac:cxnSpMkLst>
+        </pc:cxnChg>
+        <pc:cxnChg chg="add mod">
+          <ac:chgData name="Barkasi, Michael" userId="604489e9-c8b5-4a18-ae0d-3a3e29c44efc" providerId="ADAL" clId="{C33FD107-E526-9E49-9516-E5B222B7A045}" dt="2025-05-18T07:14:46.798" v="1172"/>
+          <ac:cxnSpMkLst>
+            <pc:docMk/>
+            <pc:sldMk cId="1160241537" sldId="256"/>
+            <ac:cxnSpMk id="132" creationId="{29A38CB1-59A5-7A06-AF5F-951315E68693}"/>
+          </ac:cxnSpMkLst>
+        </pc:cxnChg>
+        <pc:cxnChg chg="mod">
+          <ac:chgData name="Barkasi, Michael" userId="604489e9-c8b5-4a18-ae0d-3a3e29c44efc" providerId="ADAL" clId="{C33FD107-E526-9E49-9516-E5B222B7A045}" dt="2025-05-18T05:58:38.793" v="407" actId="14100"/>
+          <ac:cxnSpMkLst>
+            <pc:docMk/>
+            <pc:sldMk cId="1160241537" sldId="256"/>
+            <ac:cxnSpMk id="210" creationId="{B74D71A7-B331-7F68-146B-912AD09011B3}"/>
+          </ac:cxnSpMkLst>
+        </pc:cxnChg>
+        <pc:cxnChg chg="mod">
+          <ac:chgData name="Barkasi, Michael" userId="604489e9-c8b5-4a18-ae0d-3a3e29c44efc" providerId="ADAL" clId="{C33FD107-E526-9E49-9516-E5B222B7A045}" dt="2025-05-18T06:33:51.794" v="772" actId="1076"/>
+          <ac:cxnSpMkLst>
+            <pc:docMk/>
+            <pc:sldMk cId="1160241537" sldId="256"/>
+            <ac:cxnSpMk id="225" creationId="{4A7A68E4-9C62-2EB1-8373-9A1BE1DE8D60}"/>
+          </ac:cxnSpMkLst>
+        </pc:cxnChg>
+        <pc:cxnChg chg="mod">
+          <ac:chgData name="Barkasi, Michael" userId="604489e9-c8b5-4a18-ae0d-3a3e29c44efc" providerId="ADAL" clId="{C33FD107-E526-9E49-9516-E5B222B7A045}" dt="2025-05-18T07:13:30.546" v="1164" actId="1076"/>
+          <ac:cxnSpMkLst>
+            <pc:docMk/>
+            <pc:sldMk cId="1160241537" sldId="256"/>
+            <ac:cxnSpMk id="298" creationId="{0CEDBE68-97D9-C58D-6A92-B77421D9314A}"/>
+          </ac:cxnSpMkLst>
+        </pc:cxnChg>
+        <pc:cxnChg chg="mod">
+          <ac:chgData name="Barkasi, Michael" userId="604489e9-c8b5-4a18-ae0d-3a3e29c44efc" providerId="ADAL" clId="{C33FD107-E526-9E49-9516-E5B222B7A045}" dt="2025-05-18T06:10:22.622" v="436" actId="14100"/>
+          <ac:cxnSpMkLst>
+            <pc:docMk/>
+            <pc:sldMk cId="1160241537" sldId="256"/>
+            <ac:cxnSpMk id="302" creationId="{ECBDE5CF-2900-A2BC-23D6-98653B3A9E7A}"/>
+          </ac:cxnSpMkLst>
+        </pc:cxnChg>
+        <pc:cxnChg chg="mod">
+          <ac:chgData name="Barkasi, Michael" userId="604489e9-c8b5-4a18-ae0d-3a3e29c44efc" providerId="ADAL" clId="{C33FD107-E526-9E49-9516-E5B222B7A045}" dt="2025-05-18T06:10:30.099" v="438" actId="14100"/>
+          <ac:cxnSpMkLst>
+            <pc:docMk/>
+            <pc:sldMk cId="1160241537" sldId="256"/>
+            <ac:cxnSpMk id="326" creationId="{30FFD7FB-3BFD-638D-A5BB-387FAFC8264B}"/>
+          </ac:cxnSpMkLst>
+        </pc:cxnChg>
+      </pc:sldChg>
+    </pc:docChg>
+  </pc:docChgLst>
 </pc:chgInfo>
+</file>
+
+<file path=ppt/notesMasters/notesMaster1.xml><?xml version="1.0" encoding="utf-8"?>
+<p:notesMaster xmlns:a="http://schemas.openxmlformats.org/drawingml/2006/main" xmlns:r="http://schemas.openxmlformats.org/officeDocument/2006/relationships" xmlns:p="http://schemas.openxmlformats.org/presentationml/2006/main">
+  <p:cSld>
+    <p:bg>
+      <p:bgRef idx="1001">
+        <a:schemeClr val="bg1"/>
+      </p:bgRef>
+    </p:bg>
+    <p:spTree>
+      <p:nvGrpSpPr>
+        <p:cNvPr id="1" name=""/>
+        <p:cNvGrpSpPr/>
+        <p:nvPr/>
+      </p:nvGrpSpPr>
+      <p:grpSpPr>
+        <a:xfrm>
+          <a:off x="0" y="0"/>
+          <a:ext cx="0" cy="0"/>
+          <a:chOff x="0" y="0"/>
+          <a:chExt cx="0" cy="0"/>
+        </a:xfrm>
+      </p:grpSpPr>
+      <p:sp>
+        <p:nvSpPr>
+          <p:cNvPr id="2" name="Header Placeholder 1"/>
+          <p:cNvSpPr>
+            <a:spLocks noGrp="1"/>
+          </p:cNvSpPr>
+          <p:nvPr>
+            <p:ph type="hdr" sz="quarter"/>
+          </p:nvPr>
+        </p:nvSpPr>
+        <p:spPr>
+          <a:xfrm>
+            <a:off x="0" y="0"/>
+            <a:ext cx="2971800" cy="458788"/>
+          </a:xfrm>
+          <a:prstGeom prst="rect">
+            <a:avLst/>
+          </a:prstGeom>
+        </p:spPr>
+        <p:txBody>
+          <a:bodyPr vert="horz" lIns="91440" tIns="45720" rIns="91440" bIns="45720" rtlCol="0"/>
+          <a:lstStyle>
+            <a:lvl1pPr algn="l">
+              <a:defRPr sz="1200"/>
+            </a:lvl1pPr>
+          </a:lstStyle>
+          <a:p>
+            <a:endParaRPr lang="en-US"/>
+          </a:p>
+        </p:txBody>
+      </p:sp>
+      <p:sp>
+        <p:nvSpPr>
+          <p:cNvPr id="3" name="Date Placeholder 2"/>
+          <p:cNvSpPr>
+            <a:spLocks noGrp="1"/>
+          </p:cNvSpPr>
+          <p:nvPr>
+            <p:ph type="dt" idx="1"/>
+          </p:nvPr>
+        </p:nvSpPr>
+        <p:spPr>
+          <a:xfrm>
+            <a:off x="3884613" y="0"/>
+            <a:ext cx="2971800" cy="458788"/>
+          </a:xfrm>
+          <a:prstGeom prst="rect">
+            <a:avLst/>
+          </a:prstGeom>
+        </p:spPr>
+        <p:txBody>
+          <a:bodyPr vert="horz" lIns="91440" tIns="45720" rIns="91440" bIns="45720" rtlCol="0"/>
+          <a:lstStyle>
+            <a:lvl1pPr algn="r">
+              <a:defRPr sz="1200"/>
+            </a:lvl1pPr>
+          </a:lstStyle>
+          <a:p>
+            <a:fld id="{7B2CF34B-B2C8-FB44-89FA-B90897E6E7A5}" type="datetimeFigureOut">
+              <a:rPr lang="en-US" smtClean="0"/>
+              <a:t>5/18/25</a:t>
+            </a:fld>
+            <a:endParaRPr lang="en-US"/>
+          </a:p>
+        </p:txBody>
+      </p:sp>
+      <p:sp>
+        <p:nvSpPr>
+          <p:cNvPr id="4" name="Slide Image Placeholder 3"/>
+          <p:cNvSpPr>
+            <a:spLocks noGrp="1" noRot="1" noChangeAspect="1"/>
+          </p:cNvSpPr>
+          <p:nvPr>
+            <p:ph type="sldImg" idx="2"/>
+          </p:nvPr>
+        </p:nvSpPr>
+        <p:spPr>
+          <a:xfrm>
+            <a:off x="685800" y="1143000"/>
+            <a:ext cx="5486400" cy="3086100"/>
+          </a:xfrm>
+          <a:prstGeom prst="rect">
+            <a:avLst/>
+          </a:prstGeom>
+          <a:noFill/>
+          <a:ln w="12700">
+            <a:solidFill>
+              <a:prstClr val="black"/>
+            </a:solidFill>
+          </a:ln>
+        </p:spPr>
+        <p:txBody>
+          <a:bodyPr vert="horz" lIns="91440" tIns="45720" rIns="91440" bIns="45720" rtlCol="0" anchor="ctr"/>
+          <a:lstStyle/>
+          <a:p>
+            <a:endParaRPr lang="en-US"/>
+          </a:p>
+        </p:txBody>
+      </p:sp>
+      <p:sp>
+        <p:nvSpPr>
+          <p:cNvPr id="5" name="Notes Placeholder 4"/>
+          <p:cNvSpPr>
+            <a:spLocks noGrp="1"/>
+          </p:cNvSpPr>
+          <p:nvPr>
+            <p:ph type="body" sz="quarter" idx="3"/>
+          </p:nvPr>
+        </p:nvSpPr>
+        <p:spPr>
+          <a:xfrm>
+            <a:off x="685800" y="4400550"/>
+            <a:ext cx="5486400" cy="3600450"/>
+          </a:xfrm>
+          <a:prstGeom prst="rect">
+            <a:avLst/>
+          </a:prstGeom>
+        </p:spPr>
+        <p:txBody>
+          <a:bodyPr vert="horz" lIns="91440" tIns="45720" rIns="91440" bIns="45720" rtlCol="0"/>
+          <a:lstStyle/>
+          <a:p>
+            <a:pPr lvl="0"/>
+            <a:r>
+              <a:rPr lang="en-US"/>
+              <a:t>Click to edit Master text styles</a:t>
+            </a:r>
+          </a:p>
+          <a:p>
+            <a:pPr lvl="1"/>
+            <a:r>
+              <a:rPr lang="en-US"/>
+              <a:t>Second level</a:t>
+            </a:r>
+          </a:p>
+          <a:p>
+            <a:pPr lvl="2"/>
+            <a:r>
+              <a:rPr lang="en-US"/>
+              <a:t>Third level</a:t>
+            </a:r>
+          </a:p>
+          <a:p>
+            <a:pPr lvl="3"/>
+            <a:r>
+              <a:rPr lang="en-US"/>
+              <a:t>Fourth level</a:t>
+            </a:r>
+          </a:p>
+          <a:p>
+            <a:pPr lvl="4"/>
+            <a:r>
+              <a:rPr lang="en-US"/>
+              <a:t>Fifth level</a:t>
+            </a:r>
+          </a:p>
+        </p:txBody>
+      </p:sp>
+      <p:sp>
+        <p:nvSpPr>
+          <p:cNvPr id="6" name="Footer Placeholder 5"/>
+          <p:cNvSpPr>
+            <a:spLocks noGrp="1"/>
+          </p:cNvSpPr>
+          <p:nvPr>
+            <p:ph type="ftr" sz="quarter" idx="4"/>
+          </p:nvPr>
+        </p:nvSpPr>
+        <p:spPr>
+          <a:xfrm>
+            <a:off x="0" y="8685213"/>
+            <a:ext cx="2971800" cy="458787"/>
+          </a:xfrm>
+          <a:prstGeom prst="rect">
+            <a:avLst/>
+          </a:prstGeom>
+        </p:spPr>
+        <p:txBody>
+          <a:bodyPr vert="horz" lIns="91440" tIns="45720" rIns="91440" bIns="45720" rtlCol="0" anchor="b"/>
+          <a:lstStyle>
+            <a:lvl1pPr algn="l">
+              <a:defRPr sz="1200"/>
+            </a:lvl1pPr>
+          </a:lstStyle>
+          <a:p>
+            <a:endParaRPr lang="en-US"/>
+          </a:p>
+        </p:txBody>
+      </p:sp>
+      <p:sp>
+        <p:nvSpPr>
+          <p:cNvPr id="7" name="Slide Number Placeholder 6"/>
+          <p:cNvSpPr>
+            <a:spLocks noGrp="1"/>
+          </p:cNvSpPr>
+          <p:nvPr>
+            <p:ph type="sldNum" sz="quarter" idx="5"/>
+          </p:nvPr>
+        </p:nvSpPr>
+        <p:spPr>
+          <a:xfrm>
+            <a:off x="3884613" y="8685213"/>
+            <a:ext cx="2971800" cy="458787"/>
+          </a:xfrm>
+          <a:prstGeom prst="rect">
+            <a:avLst/>
+          </a:prstGeom>
+        </p:spPr>
+        <p:txBody>
+          <a:bodyPr vert="horz" lIns="91440" tIns="45720" rIns="91440" bIns="45720" rtlCol="0" anchor="b"/>
+          <a:lstStyle>
+            <a:lvl1pPr algn="r">
+              <a:defRPr sz="1200"/>
+            </a:lvl1pPr>
+          </a:lstStyle>
+          <a:p>
+            <a:fld id="{439D16E1-AD4F-7E4F-9C98-8B733F5D894B}" type="slidenum">
+              <a:rPr lang="en-US" smtClean="0"/>
+              <a:t>‹#›</a:t>
+            </a:fld>
+            <a:endParaRPr lang="en-US"/>
+          </a:p>
+        </p:txBody>
+      </p:sp>
+    </p:spTree>
+    <p:extLst>
+      <p:ext uri="{BB962C8B-B14F-4D97-AF65-F5344CB8AC3E}">
+        <p14:creationId xmlns:p14="http://schemas.microsoft.com/office/powerpoint/2010/main" val="2475014909"/>
+      </p:ext>
+    </p:extLst>
+  </p:cSld>
+  <p:clrMap bg1="lt1" tx1="dk1" bg2="lt2" tx2="dk2" accent1="accent1" accent2="accent2" accent3="accent3" accent4="accent4" accent5="accent5" accent6="accent6" hlink="hlink" folHlink="folHlink"/>
+  <p:notesStyle>
+    <a:lvl1pPr marL="0" algn="l" defTabSz="914400" rtl="0" eaLnBrk="1" latinLnBrk="0" hangingPunct="1">
+      <a:defRPr sz="1200" kern="1200">
+        <a:solidFill>
+          <a:schemeClr val="tx1"/>
+        </a:solidFill>
+        <a:latin typeface="+mn-lt"/>
+        <a:ea typeface="+mn-ea"/>
+        <a:cs typeface="+mn-cs"/>
+      </a:defRPr>
+    </a:lvl1pPr>
+    <a:lvl2pPr marL="457200" algn="l" defTabSz="914400" rtl="0" eaLnBrk="1" latinLnBrk="0" hangingPunct="1">
+      <a:defRPr sz="1200" kern="1200">
+        <a:solidFill>
+          <a:schemeClr val="tx1"/>
+        </a:solidFill>
+        <a:latin typeface="+mn-lt"/>
+        <a:ea typeface="+mn-ea"/>
+        <a:cs typeface="+mn-cs"/>
+      </a:defRPr>
+    </a:lvl2pPr>
+    <a:lvl3pPr marL="914400" algn="l" defTabSz="914400" rtl="0" eaLnBrk="1" latinLnBrk="0" hangingPunct="1">
+      <a:defRPr sz="1200" kern="1200">
+        <a:solidFill>
+          <a:schemeClr val="tx1"/>
+        </a:solidFill>
+        <a:latin typeface="+mn-lt"/>
+        <a:ea typeface="+mn-ea"/>
+        <a:cs typeface="+mn-cs"/>
+      </a:defRPr>
+    </a:lvl3pPr>
+    <a:lvl4pPr marL="1371600" algn="l" defTabSz="914400" rtl="0" eaLnBrk="1" latinLnBrk="0" hangingPunct="1">
+      <a:defRPr sz="1200" kern="1200">
+        <a:solidFill>
+          <a:schemeClr val="tx1"/>
+        </a:solidFill>
+        <a:latin typeface="+mn-lt"/>
+        <a:ea typeface="+mn-ea"/>
+        <a:cs typeface="+mn-cs"/>
+      </a:defRPr>
+    </a:lvl4pPr>
+    <a:lvl5pPr marL="1828800" algn="l" defTabSz="914400" rtl="0" eaLnBrk="1" latinLnBrk="0" hangingPunct="1">
+      <a:defRPr sz="1200" kern="1200">
+        <a:solidFill>
+          <a:schemeClr val="tx1"/>
+        </a:solidFill>
+        <a:latin typeface="+mn-lt"/>
+        <a:ea typeface="+mn-ea"/>
+        <a:cs typeface="+mn-cs"/>
+      </a:defRPr>
+    </a:lvl5pPr>
+    <a:lvl6pPr marL="2286000" algn="l" defTabSz="914400" rtl="0" eaLnBrk="1" latinLnBrk="0" hangingPunct="1">
+      <a:defRPr sz="1200" kern="1200">
+        <a:solidFill>
+          <a:schemeClr val="tx1"/>
+        </a:solidFill>
+        <a:latin typeface="+mn-lt"/>
+        <a:ea typeface="+mn-ea"/>
+        <a:cs typeface="+mn-cs"/>
+      </a:defRPr>
+    </a:lvl6pPr>
+    <a:lvl7pPr marL="2743200" algn="l" defTabSz="914400" rtl="0" eaLnBrk="1" latinLnBrk="0" hangingPunct="1">
+      <a:defRPr sz="1200" kern="1200">
+        <a:solidFill>
+          <a:schemeClr val="tx1"/>
+        </a:solidFill>
+        <a:latin typeface="+mn-lt"/>
+        <a:ea typeface="+mn-ea"/>
+        <a:cs typeface="+mn-cs"/>
+      </a:defRPr>
+    </a:lvl7pPr>
+    <a:lvl8pPr marL="3200400" algn="l" defTabSz="914400" rtl="0" eaLnBrk="1" latinLnBrk="0" hangingPunct="1">
+      <a:defRPr sz="1200" kern="1200">
+        <a:solidFill>
+          <a:schemeClr val="tx1"/>
+        </a:solidFill>
+        <a:latin typeface="+mn-lt"/>
+        <a:ea typeface="+mn-ea"/>
+        <a:cs typeface="+mn-cs"/>
+      </a:defRPr>
+    </a:lvl8pPr>
+    <a:lvl9pPr marL="3657600" algn="l" defTabSz="914400" rtl="0" eaLnBrk="1" latinLnBrk="0" hangingPunct="1">
+      <a:defRPr sz="1200" kern="1200">
+        <a:solidFill>
+          <a:schemeClr val="tx1"/>
+        </a:solidFill>
+        <a:latin typeface="+mn-lt"/>
+        <a:ea typeface="+mn-ea"/>
+        <a:cs typeface="+mn-cs"/>
+      </a:defRPr>
+    </a:lvl9pPr>
+  </p:notesStyle>
+</p:notesMaster>
+</file>
+
+<file path=ppt/notesSlides/notesSlide1.xml><?xml version="1.0" encoding="utf-8"?>
+<p:notes xmlns:a="http://schemas.openxmlformats.org/drawingml/2006/main" xmlns:r="http://schemas.openxmlformats.org/officeDocument/2006/relationships" xmlns:p="http://schemas.openxmlformats.org/presentationml/2006/main">
+  <p:cSld>
+    <p:spTree>
+      <p:nvGrpSpPr>
+        <p:cNvPr id="1" name=""/>
+        <p:cNvGrpSpPr/>
+        <p:nvPr/>
+      </p:nvGrpSpPr>
+      <p:grpSpPr>
+        <a:xfrm>
+          <a:off x="0" y="0"/>
+          <a:ext cx="0" cy="0"/>
+          <a:chOff x="0" y="0"/>
+          <a:chExt cx="0" cy="0"/>
+        </a:xfrm>
+      </p:grpSpPr>
+      <p:sp>
+        <p:nvSpPr>
+          <p:cNvPr id="2" name="Slide Image Placeholder 1"/>
+          <p:cNvSpPr>
+            <a:spLocks noGrp="1" noRot="1" noChangeAspect="1"/>
+          </p:cNvSpPr>
+          <p:nvPr>
+            <p:ph type="sldImg"/>
+          </p:nvPr>
+        </p:nvSpPr>
+        <p:spPr/>
+      </p:sp>
+      <p:sp>
+        <p:nvSpPr>
+          <p:cNvPr id="3" name="Notes Placeholder 2"/>
+          <p:cNvSpPr>
+            <a:spLocks noGrp="1"/>
+          </p:cNvSpPr>
+          <p:nvPr>
+            <p:ph type="body" idx="1"/>
+          </p:nvPr>
+        </p:nvSpPr>
+        <p:spPr/>
+        <p:txBody>
+          <a:bodyPr/>
+          <a:lstStyle/>
+          <a:p>
+            <a:r>
+              <a:rPr lang="en-US" dirty="0"/>
+              <a:t>Holm-Bonferroni</a:t>
+            </a:r>
+          </a:p>
+        </p:txBody>
+      </p:sp>
+      <p:sp>
+        <p:nvSpPr>
+          <p:cNvPr id="4" name="Slide Number Placeholder 3"/>
+          <p:cNvSpPr>
+            <a:spLocks noGrp="1"/>
+          </p:cNvSpPr>
+          <p:nvPr>
+            <p:ph type="sldNum" sz="quarter" idx="5"/>
+          </p:nvPr>
+        </p:nvSpPr>
+        <p:spPr/>
+        <p:txBody>
+          <a:bodyPr/>
+          <a:lstStyle/>
+          <a:p>
+            <a:fld id="{439D16E1-AD4F-7E4F-9C98-8B733F5D894B}" type="slidenum">
+              <a:rPr lang="en-US" smtClean="0"/>
+              <a:t>1</a:t>
+            </a:fld>
+            <a:endParaRPr lang="en-US"/>
+          </a:p>
+        </p:txBody>
+      </p:sp>
+    </p:spTree>
+    <p:extLst>
+      <p:ext uri="{BB962C8B-B14F-4D97-AF65-F5344CB8AC3E}">
+        <p14:creationId xmlns:p14="http://schemas.microsoft.com/office/powerpoint/2010/main" val="1536366241"/>
+      </p:ext>
+    </p:extLst>
+  </p:cSld>
+  <p:clrMapOvr>
+    <a:masterClrMapping/>
+  </p:clrMapOvr>
+</p:notes>
 </file>
 
 <file path=ppt/slideLayouts/slideLayout1.xml><?xml version="1.0" encoding="utf-8"?>
@@ -299,7 +1274,7 @@
           <a:p>
             <a:fld id="{0671BF96-9467-0B49-AF35-7149D7F70E39}" type="datetimeFigureOut">
               <a:rPr lang="en-US" smtClean="0"/>
-              <a:t>5/13/25</a:t>
+              <a:t>5/18/25</a:t>
             </a:fld>
             <a:endParaRPr lang="en-US"/>
           </a:p>
@@ -497,7 +1472,7 @@
           <a:p>
             <a:fld id="{0671BF96-9467-0B49-AF35-7149D7F70E39}" type="datetimeFigureOut">
               <a:rPr lang="en-US" smtClean="0"/>
-              <a:t>5/13/25</a:t>
+              <a:t>5/18/25</a:t>
             </a:fld>
             <a:endParaRPr lang="en-US"/>
           </a:p>
@@ -705,7 +1680,7 @@
           <a:p>
             <a:fld id="{0671BF96-9467-0B49-AF35-7149D7F70E39}" type="datetimeFigureOut">
               <a:rPr lang="en-US" smtClean="0"/>
-              <a:t>5/13/25</a:t>
+              <a:t>5/18/25</a:t>
             </a:fld>
             <a:endParaRPr lang="en-US"/>
           </a:p>
@@ -903,7 +1878,7 @@
           <a:p>
             <a:fld id="{0671BF96-9467-0B49-AF35-7149D7F70E39}" type="datetimeFigureOut">
               <a:rPr lang="en-US" smtClean="0"/>
-              <a:t>5/13/25</a:t>
+              <a:t>5/18/25</a:t>
             </a:fld>
             <a:endParaRPr lang="en-US"/>
           </a:p>
@@ -1178,7 +2153,7 @@
           <a:p>
             <a:fld id="{0671BF96-9467-0B49-AF35-7149D7F70E39}" type="datetimeFigureOut">
               <a:rPr lang="en-US" smtClean="0"/>
-              <a:t>5/13/25</a:t>
+              <a:t>5/18/25</a:t>
             </a:fld>
             <a:endParaRPr lang="en-US"/>
           </a:p>
@@ -1443,7 +2418,7 @@
           <a:p>
             <a:fld id="{0671BF96-9467-0B49-AF35-7149D7F70E39}" type="datetimeFigureOut">
               <a:rPr lang="en-US" smtClean="0"/>
-              <a:t>5/13/25</a:t>
+              <a:t>5/18/25</a:t>
             </a:fld>
             <a:endParaRPr lang="en-US"/>
           </a:p>
@@ -1855,7 +2830,7 @@
           <a:p>
             <a:fld id="{0671BF96-9467-0B49-AF35-7149D7F70E39}" type="datetimeFigureOut">
               <a:rPr lang="en-US" smtClean="0"/>
-              <a:t>5/13/25</a:t>
+              <a:t>5/18/25</a:t>
             </a:fld>
             <a:endParaRPr lang="en-US"/>
           </a:p>
@@ -1996,7 +2971,7 @@
           <a:p>
             <a:fld id="{0671BF96-9467-0B49-AF35-7149D7F70E39}" type="datetimeFigureOut">
               <a:rPr lang="en-US" smtClean="0"/>
-              <a:t>5/13/25</a:t>
+              <a:t>5/18/25</a:t>
             </a:fld>
             <a:endParaRPr lang="en-US"/>
           </a:p>
@@ -2109,7 +3084,7 @@
           <a:p>
             <a:fld id="{0671BF96-9467-0B49-AF35-7149D7F70E39}" type="datetimeFigureOut">
               <a:rPr lang="en-US" smtClean="0"/>
-              <a:t>5/13/25</a:t>
+              <a:t>5/18/25</a:t>
             </a:fld>
             <a:endParaRPr lang="en-US"/>
           </a:p>
@@ -2420,7 +3395,7 @@
           <a:p>
             <a:fld id="{0671BF96-9467-0B49-AF35-7149D7F70E39}" type="datetimeFigureOut">
               <a:rPr lang="en-US" smtClean="0"/>
-              <a:t>5/13/25</a:t>
+              <a:t>5/18/25</a:t>
             </a:fld>
             <a:endParaRPr lang="en-US"/>
           </a:p>
@@ -2708,7 +3683,7 @@
           <a:p>
             <a:fld id="{0671BF96-9467-0B49-AF35-7149D7F70E39}" type="datetimeFigureOut">
               <a:rPr lang="en-US" smtClean="0"/>
-              <a:t>5/13/25</a:t>
+              <a:t>5/18/25</a:t>
             </a:fld>
             <a:endParaRPr lang="en-US"/>
           </a:p>
@@ -2951,7 +3926,7 @@
             <a:fld id="{0671BF96-9467-0B49-AF35-7149D7F70E39}" type="datetimeFigureOut">
               <a:rPr lang="en-US" smtClean="0"/>
               <a:pPr/>
-              <a:t>5/13/25</a:t>
+              <a:t>5/18/25</a:t>
             </a:fld>
             <a:endParaRPr lang="en-US" dirty="0"/>
           </a:p>
@@ -3371,6 +4346,138 @@
           <a:chExt cx="0" cy="0"/>
         </a:xfrm>
       </p:grpSpPr>
+      <p:cxnSp>
+        <p:nvCxnSpPr>
+          <p:cNvPr id="32" name="Straight Arrow Connector 31">
+            <a:extLst>
+              <a:ext uri="{FF2B5EF4-FFF2-40B4-BE49-F238E27FC236}">
+                <a16:creationId xmlns:a16="http://schemas.microsoft.com/office/drawing/2014/main" id="{754F9A7B-4FD0-858B-3F31-A4A45476C837}"/>
+              </a:ext>
+            </a:extLst>
+          </p:cNvPr>
+          <p:cNvCxnSpPr>
+            <a:cxnSpLocks/>
+          </p:cNvCxnSpPr>
+          <p:nvPr/>
+        </p:nvCxnSpPr>
+        <p:spPr>
+          <a:xfrm flipH="1">
+            <a:off x="8620125" y="2060608"/>
+            <a:ext cx="917575" cy="0"/>
+          </a:xfrm>
+          <a:prstGeom prst="straightConnector1">
+            <a:avLst/>
+          </a:prstGeom>
+          <a:ln w="82550">
+            <a:solidFill>
+              <a:srgbClr val="59BD35"/>
+            </a:solidFill>
+            <a:tailEnd type="none"/>
+          </a:ln>
+        </p:spPr>
+        <p:style>
+          <a:lnRef idx="2">
+            <a:schemeClr val="accent1"/>
+          </a:lnRef>
+          <a:fillRef idx="0">
+            <a:schemeClr val="accent1"/>
+          </a:fillRef>
+          <a:effectRef idx="1">
+            <a:schemeClr val="accent1"/>
+          </a:effectRef>
+          <a:fontRef idx="minor">
+            <a:schemeClr val="tx1"/>
+          </a:fontRef>
+        </p:style>
+      </p:cxnSp>
+      <p:cxnSp>
+        <p:nvCxnSpPr>
+          <p:cNvPr id="11" name="Straight Arrow Connector 10">
+            <a:extLst>
+              <a:ext uri="{FF2B5EF4-FFF2-40B4-BE49-F238E27FC236}">
+                <a16:creationId xmlns:a16="http://schemas.microsoft.com/office/drawing/2014/main" id="{7BB87E29-5701-C76A-F7ED-3E0CE7AB4ECB}"/>
+              </a:ext>
+            </a:extLst>
+          </p:cNvPr>
+          <p:cNvCxnSpPr>
+            <a:cxnSpLocks/>
+          </p:cNvCxnSpPr>
+          <p:nvPr/>
+        </p:nvCxnSpPr>
+        <p:spPr>
+          <a:xfrm>
+            <a:off x="6000458" y="960782"/>
+            <a:ext cx="0" cy="1142338"/>
+          </a:xfrm>
+          <a:prstGeom prst="straightConnector1">
+            <a:avLst/>
+          </a:prstGeom>
+          <a:ln w="82550">
+            <a:solidFill>
+              <a:srgbClr val="59BD35"/>
+            </a:solidFill>
+            <a:tailEnd type="none"/>
+          </a:ln>
+        </p:spPr>
+        <p:style>
+          <a:lnRef idx="2">
+            <a:schemeClr val="accent1"/>
+          </a:lnRef>
+          <a:fillRef idx="0">
+            <a:schemeClr val="accent1"/>
+          </a:fillRef>
+          <a:effectRef idx="1">
+            <a:schemeClr val="accent1"/>
+          </a:effectRef>
+          <a:fontRef idx="minor">
+            <a:schemeClr val="tx1"/>
+          </a:fontRef>
+        </p:style>
+      </p:cxnSp>
+      <p:cxnSp>
+        <p:nvCxnSpPr>
+          <p:cNvPr id="26" name="Straight Arrow Connector 25">
+            <a:extLst>
+              <a:ext uri="{FF2B5EF4-FFF2-40B4-BE49-F238E27FC236}">
+                <a16:creationId xmlns:a16="http://schemas.microsoft.com/office/drawing/2014/main" id="{35BEAD4C-BCCF-6761-3410-D526B70B4B2D}"/>
+              </a:ext>
+            </a:extLst>
+          </p:cNvPr>
+          <p:cNvCxnSpPr>
+            <a:cxnSpLocks/>
+          </p:cNvCxnSpPr>
+          <p:nvPr/>
+        </p:nvCxnSpPr>
+        <p:spPr>
+          <a:xfrm flipH="1">
+            <a:off x="6013525" y="2058795"/>
+            <a:ext cx="677731" cy="0"/>
+          </a:xfrm>
+          <a:prstGeom prst="straightConnector1">
+            <a:avLst/>
+          </a:prstGeom>
+          <a:ln w="82550">
+            <a:solidFill>
+              <a:srgbClr val="59BD35"/>
+            </a:solidFill>
+            <a:tailEnd type="none"/>
+          </a:ln>
+        </p:spPr>
+        <p:style>
+          <a:lnRef idx="2">
+            <a:schemeClr val="accent1"/>
+          </a:lnRef>
+          <a:fillRef idx="0">
+            <a:schemeClr val="accent1"/>
+          </a:fillRef>
+          <a:effectRef idx="1">
+            <a:schemeClr val="accent1"/>
+          </a:effectRef>
+          <a:fontRef idx="minor">
+            <a:schemeClr val="tx1"/>
+          </a:fontRef>
+        </p:style>
+      </p:cxnSp>
       <p:sp>
         <p:nvSpPr>
           <p:cNvPr id="37" name="Rectangle 36">
@@ -3756,6 +4863,71 @@
         <p:spPr>
           <a:xfrm>
             <a:off x="586246" y="844684"/>
+            <a:ext cx="2011680" cy="548640"/>
+          </a:xfrm>
+          <a:prstGeom prst="rect">
+            <a:avLst/>
+          </a:prstGeom>
+          <a:solidFill>
+            <a:schemeClr val="bg1">
+              <a:lumMod val="75000"/>
+              <a:alpha val="49677"/>
+            </a:schemeClr>
+          </a:solidFill>
+          <a:ln>
+            <a:solidFill>
+              <a:schemeClr val="tx1"/>
+            </a:solidFill>
+          </a:ln>
+        </p:spPr>
+        <p:style>
+          <a:lnRef idx="2">
+            <a:schemeClr val="accent1">
+              <a:shade val="15000"/>
+            </a:schemeClr>
+          </a:lnRef>
+          <a:fillRef idx="1">
+            <a:schemeClr val="accent1"/>
+          </a:fillRef>
+          <a:effectRef idx="0">
+            <a:schemeClr val="accent1"/>
+          </a:effectRef>
+          <a:fontRef idx="minor">
+            <a:schemeClr val="lt1"/>
+          </a:fontRef>
+        </p:style>
+        <p:txBody>
+          <a:bodyPr rtlCol="0" anchor="ctr"/>
+          <a:lstStyle/>
+          <a:p>
+            <a:pPr algn="ctr"/>
+            <a:r>
+              <a:rPr lang="en-US" dirty="0">
+                <a:solidFill>
+                  <a:schemeClr val="tx1"/>
+                </a:solidFill>
+                <a:latin typeface="Arial" panose="020B0604020202020204" pitchFamily="34" charset="0"/>
+              </a:rPr>
+              <a:t>Raw Images</a:t>
+            </a:r>
+          </a:p>
+        </p:txBody>
+      </p:sp>
+      <p:sp>
+        <p:nvSpPr>
+          <p:cNvPr id="5" name="Rectangle 4">
+            <a:extLst>
+              <a:ext uri="{FF2B5EF4-FFF2-40B4-BE49-F238E27FC236}">
+                <a16:creationId xmlns:a16="http://schemas.microsoft.com/office/drawing/2014/main" id="{D939D469-E8B7-9E17-B797-BB20947D9EA3}"/>
+              </a:ext>
+            </a:extLst>
+          </p:cNvPr>
+          <p:cNvSpPr/>
+          <p:nvPr/>
+        </p:nvSpPr>
+        <p:spPr>
+          <a:xfrm>
+            <a:off x="579204" y="3145178"/>
             <a:ext cx="2011680" cy="640080"/>
           </a:xfrm>
           <a:prstGeom prst="rect">
@@ -3794,71 +4966,6 @@
           <a:bodyPr rtlCol="0" anchor="ctr"/>
           <a:lstStyle/>
           <a:p>
-            <a:r>
-              <a:rPr lang="en-US" dirty="0">
-                <a:solidFill>
-                  <a:schemeClr val="tx1"/>
-                </a:solidFill>
-                <a:latin typeface="Arial" panose="020B0604020202020204" pitchFamily="34" charset="0"/>
-              </a:rPr>
-              <a:t>Gene Annotation</a:t>
-            </a:r>
-          </a:p>
-        </p:txBody>
-      </p:sp>
-      <p:sp>
-        <p:nvSpPr>
-          <p:cNvPr id="5" name="Rectangle 4">
-            <a:extLst>
-              <a:ext uri="{FF2B5EF4-FFF2-40B4-BE49-F238E27FC236}">
-                <a16:creationId xmlns:a16="http://schemas.microsoft.com/office/drawing/2014/main" id="{D939D469-E8B7-9E17-B797-BB20947D9EA3}"/>
-              </a:ext>
-            </a:extLst>
-          </p:cNvPr>
-          <p:cNvSpPr/>
-          <p:nvPr/>
-        </p:nvSpPr>
-        <p:spPr>
-          <a:xfrm>
-            <a:off x="575415" y="2948618"/>
-            <a:ext cx="2011680" cy="640080"/>
-          </a:xfrm>
-          <a:prstGeom prst="rect">
-            <a:avLst/>
-          </a:prstGeom>
-          <a:solidFill>
-            <a:schemeClr val="accent2">
-              <a:lumMod val="40000"/>
-              <a:lumOff val="60000"/>
-              <a:alpha val="49677"/>
-            </a:schemeClr>
-          </a:solidFill>
-          <a:ln>
-            <a:solidFill>
-              <a:schemeClr val="tx1"/>
-            </a:solidFill>
-          </a:ln>
-        </p:spPr>
-        <p:style>
-          <a:lnRef idx="2">
-            <a:schemeClr val="accent1">
-              <a:shade val="15000"/>
-            </a:schemeClr>
-          </a:lnRef>
-          <a:fillRef idx="1">
-            <a:schemeClr val="accent1"/>
-          </a:fillRef>
-          <a:effectRef idx="0">
-            <a:schemeClr val="accent1"/>
-          </a:effectRef>
-          <a:fontRef idx="minor">
-            <a:schemeClr val="lt1"/>
-          </a:fontRef>
-        </p:style>
-        <p:txBody>
-          <a:bodyPr rtlCol="0" anchor="ctr"/>
-          <a:lstStyle/>
-          <a:p>
             <a:pPr algn="ctr"/>
             <a:r>
               <a:rPr lang="en-US" dirty="0">
@@ -4166,7 +5273,7 @@
           </a:prstGeom>
           <a:solidFill>
             <a:srgbClr val="FF0000">
-              <a:alpha val="50231"/>
+              <a:alpha val="50000"/>
             </a:srgbClr>
           </a:solidFill>
           <a:ln>
@@ -4731,8 +5838,8 @@
         </p:nvCxnSpPr>
         <p:spPr>
           <a:xfrm>
-            <a:off x="795924" y="1490634"/>
-            <a:ext cx="0" cy="1576657"/>
+            <a:off x="795924" y="2908092"/>
+            <a:ext cx="0" cy="311901"/>
           </a:xfrm>
           <a:prstGeom prst="straightConnector1">
             <a:avLst/>
@@ -4775,27 +5882,24 @@
         </p:nvSpPr>
         <p:spPr>
           <a:xfrm>
-            <a:off x="580411" y="1883629"/>
-            <a:ext cx="2009115" cy="640080"/>
+            <a:off x="583377" y="2342113"/>
+            <a:ext cx="2009115" cy="548640"/>
           </a:xfrm>
           <a:prstGeom prst="rect">
             <a:avLst/>
           </a:prstGeom>
-          <a:pattFill prst="wdUpDiag">
-            <a:fgClr>
-              <a:schemeClr val="accent2">
-                <a:lumMod val="40000"/>
-                <a:lumOff val="60000"/>
-              </a:schemeClr>
-            </a:fgClr>
-            <a:bgClr>
-              <a:schemeClr val="bg1"/>
-            </a:bgClr>
-          </a:pattFill>
-          <a:ln>
+          <a:solidFill>
+            <a:schemeClr val="accent2">
+              <a:lumMod val="40000"/>
+              <a:lumOff val="60000"/>
+              <a:alpha val="49964"/>
+            </a:schemeClr>
+          </a:solidFill>
+          <a:ln w="38100">
             <a:solidFill>
               <a:schemeClr val="tx1"/>
             </a:solidFill>
+            <a:prstDash val="sysDot"/>
           </a:ln>
         </p:spPr>
         <p:style>
@@ -4818,6 +5922,7 @@
           <a:bodyPr rtlCol="0" anchor="ctr"/>
           <a:lstStyle/>
           <a:p>
+            <a:pPr algn="ctr"/>
             <a:r>
               <a:rPr lang="en-US" dirty="0">
                 <a:solidFill>
@@ -4846,8 +5951,8 @@
         </p:nvCxnSpPr>
         <p:spPr>
           <a:xfrm>
-            <a:off x="2224591" y="2536722"/>
-            <a:ext cx="0" cy="568967"/>
+            <a:off x="2224591" y="2908092"/>
+            <a:ext cx="0" cy="311901"/>
           </a:xfrm>
           <a:prstGeom prst="straightConnector1">
             <a:avLst/>
@@ -5076,8 +6181,8 @@
         </p:nvCxnSpPr>
         <p:spPr>
           <a:xfrm>
-            <a:off x="6369542" y="2213453"/>
-            <a:ext cx="0" cy="2184926"/>
+            <a:off x="6369542" y="2205502"/>
+            <a:ext cx="0" cy="2191569"/>
           </a:xfrm>
           <a:prstGeom prst="straightConnector1">
             <a:avLst/>
@@ -5214,57 +6319,11 @@
                 </a:solidFill>
                 <a:latin typeface="Arial" panose="020B0604020202020204" pitchFamily="34" charset="0"/>
               </a:rPr>
-              <a:t>L-BFGS</a:t>
+              <a:t>Parameter Optimization</a:t>
             </a:r>
           </a:p>
         </p:txBody>
       </p:sp>
-      <p:cxnSp>
-        <p:nvCxnSpPr>
-          <p:cNvPr id="78" name="Straight Arrow Connector 77">
-            <a:extLst>
-              <a:ext uri="{FF2B5EF4-FFF2-40B4-BE49-F238E27FC236}">
-                <a16:creationId xmlns:a16="http://schemas.microsoft.com/office/drawing/2014/main" id="{82A1D438-CF21-FC61-42A3-99029F10964B}"/>
-              </a:ext>
-            </a:extLst>
-          </p:cNvPr>
-          <p:cNvCxnSpPr>
-            <a:cxnSpLocks/>
-          </p:cNvCxnSpPr>
-          <p:nvPr/>
-        </p:nvCxnSpPr>
-        <p:spPr>
-          <a:xfrm>
-            <a:off x="11469964" y="2539556"/>
-            <a:ext cx="0" cy="1625364"/>
-          </a:xfrm>
-          <a:prstGeom prst="straightConnector1">
-            <a:avLst/>
-          </a:prstGeom>
-          <a:ln w="82550">
-            <a:solidFill>
-              <a:schemeClr val="accent5">
-                <a:lumMod val="75000"/>
-              </a:schemeClr>
-            </a:solidFill>
-            <a:tailEnd type="triangle"/>
-          </a:ln>
-        </p:spPr>
-        <p:style>
-          <a:lnRef idx="2">
-            <a:schemeClr val="accent1"/>
-          </a:lnRef>
-          <a:fillRef idx="0">
-            <a:schemeClr val="accent1"/>
-          </a:fillRef>
-          <a:effectRef idx="1">
-            <a:schemeClr val="accent1"/>
-          </a:effectRef>
-          <a:fontRef idx="minor">
-            <a:schemeClr val="tx1"/>
-          </a:fontRef>
-        </p:style>
-      </p:cxnSp>
       <p:sp>
         <p:nvSpPr>
           <p:cNvPr id="20" name="Rectangle 19">
@@ -5289,6 +6348,7 @@
             <a:schemeClr val="accent5">
               <a:lumMod val="40000"/>
               <a:lumOff val="60000"/>
+              <a:alpha val="50000"/>
             </a:schemeClr>
           </a:solidFill>
           <a:ln>
@@ -5768,8 +6828,8 @@
         </p:nvCxnSpPr>
         <p:spPr>
           <a:xfrm>
-            <a:off x="8398444" y="1480165"/>
-            <a:ext cx="0" cy="510681"/>
+            <a:off x="6887696" y="1496067"/>
+            <a:ext cx="0" cy="475856"/>
           </a:xfrm>
           <a:prstGeom prst="straightConnector1">
             <a:avLst/>
@@ -5812,8 +6872,8 @@
         </p:nvCxnSpPr>
         <p:spPr>
           <a:xfrm flipH="1">
-            <a:off x="9435185" y="1290600"/>
-            <a:ext cx="21321" cy="2560320"/>
+            <a:off x="9435185" y="1276350"/>
+            <a:ext cx="26315" cy="2574570"/>
           </a:xfrm>
           <a:prstGeom prst="straightConnector1">
             <a:avLst/>
@@ -5900,7 +6960,7 @@
         </p:nvCxnSpPr>
         <p:spPr>
           <a:xfrm>
-            <a:off x="9464274" y="2254649"/>
+            <a:off x="9464274" y="2342113"/>
             <a:ext cx="379744" cy="0"/>
           </a:xfrm>
           <a:prstGeom prst="straightConnector1">
@@ -6076,8 +7136,8 @@
         </p:nvCxnSpPr>
         <p:spPr>
           <a:xfrm flipH="1">
-            <a:off x="4724400" y="4887412"/>
-            <a:ext cx="6135858" cy="0"/>
+            <a:off x="4718583" y="4887412"/>
+            <a:ext cx="6141675" cy="0"/>
           </a:xfrm>
           <a:prstGeom prst="straightConnector1">
             <a:avLst/>
@@ -6448,8 +7508,8 @@
         </p:nvCxnSpPr>
         <p:spPr>
           <a:xfrm flipH="1">
-            <a:off x="8610980" y="2263032"/>
-            <a:ext cx="602468" cy="0"/>
+            <a:off x="8623300" y="2298700"/>
+            <a:ext cx="628650" cy="0"/>
           </a:xfrm>
           <a:prstGeom prst="straightConnector1">
             <a:avLst/>
@@ -6582,7 +7642,7 @@
                 </a:solidFill>
                 <a:latin typeface="Arial" panose="020B0604020202020204" pitchFamily="34" charset="0"/>
               </a:rPr>
-              <a:t>Data</a:t>
+              <a:t>Preprocessed Data</a:t>
             </a:r>
           </a:p>
         </p:txBody>
@@ -6603,8 +7663,8 @@
         </p:nvCxnSpPr>
         <p:spPr>
           <a:xfrm>
-            <a:off x="2224591" y="3581400"/>
-            <a:ext cx="0" cy="596900"/>
+            <a:off x="2219594" y="3792512"/>
+            <a:ext cx="0" cy="307672"/>
           </a:xfrm>
           <a:prstGeom prst="straightConnector1">
             <a:avLst/>
@@ -6787,7 +7847,7 @@
         </p:nvCxnSpPr>
         <p:spPr>
           <a:xfrm flipV="1">
-            <a:off x="10812684" y="4664596"/>
+            <a:off x="10818435" y="4676098"/>
             <a:ext cx="0" cy="237744"/>
           </a:xfrm>
           <a:prstGeom prst="straightConnector1">
@@ -6832,9 +7892,9 @@
           <p:nvPr/>
         </p:nvCxnSpPr>
         <p:spPr>
-          <a:xfrm flipH="1" flipV="1">
+          <a:xfrm flipH="1">
             <a:off x="5183737" y="5575650"/>
-            <a:ext cx="2093267" cy="2190"/>
+            <a:ext cx="1670773" cy="0"/>
           </a:xfrm>
           <a:prstGeom prst="straightConnector1">
             <a:avLst/>
@@ -6926,8 +7986,8 @@
         </p:nvCxnSpPr>
         <p:spPr>
           <a:xfrm>
-            <a:off x="7299252" y="5535139"/>
-            <a:ext cx="0" cy="274818"/>
+            <a:off x="6810642" y="5535139"/>
+            <a:ext cx="0" cy="628336"/>
           </a:xfrm>
           <a:prstGeom prst="straightConnector1">
             <a:avLst/>
@@ -7293,7 +8353,7 @@
         </p:nvSpPr>
         <p:spPr>
           <a:xfrm>
-            <a:off x="2360062" y="2890407"/>
+            <a:off x="2352413" y="2993742"/>
             <a:ext cx="488260" cy="435258"/>
           </a:xfrm>
           <a:prstGeom prst="ellipse">
@@ -7360,7 +8420,7 @@
         </p:nvSpPr>
         <p:spPr>
           <a:xfrm>
-            <a:off x="338793" y="3856914"/>
+            <a:off x="374652" y="4376867"/>
             <a:ext cx="488260" cy="435258"/>
           </a:xfrm>
           <a:prstGeom prst="ellipse">
@@ -7606,7 +8666,7 @@
                 </a:solidFill>
                 <a:latin typeface="Arial" panose="020B0604020202020204" pitchFamily="34" charset="0"/>
               </a:rPr>
-              <a:t>LRO test</a:t>
+              <a:t>LRO Test</a:t>
             </a:r>
           </a:p>
         </p:txBody>
@@ -7739,10 +8799,10 @@
       </p:sp>
       <p:sp>
         <p:nvSpPr>
-          <p:cNvPr id="370" name="Oval 369">
-            <a:extLst>
-              <a:ext uri="{FF2B5EF4-FFF2-40B4-BE49-F238E27FC236}">
-                <a16:creationId xmlns:a16="http://schemas.microsoft.com/office/drawing/2014/main" id="{CC99C6EF-3D44-9499-D394-094FFEB04FDD}"/>
+          <p:cNvPr id="372" name="Oval 371">
+            <a:extLst>
+              <a:ext uri="{FF2B5EF4-FFF2-40B4-BE49-F238E27FC236}">
+                <a16:creationId xmlns:a16="http://schemas.microsoft.com/office/drawing/2014/main" id="{D0BF1455-2E79-FFD7-87A9-61ADBC848FC6}"/>
               </a:ext>
             </a:extLst>
           </p:cNvPr>
@@ -7751,8 +8811,8 @@
         </p:nvSpPr>
         <p:spPr>
           <a:xfrm>
-            <a:off x="8417923" y="4099673"/>
-            <a:ext cx="488260" cy="435258"/>
+            <a:off x="8117103" y="1167704"/>
+            <a:ext cx="767838" cy="594360"/>
           </a:xfrm>
           <a:prstGeom prst="ellipse">
             <a:avLst/>
@@ -7789,67 +8849,6 @@
           <a:lstStyle/>
           <a:p>
             <a:pPr algn="ctr"/>
-            <a:endParaRPr lang="en-US" sz="2400" dirty="0">
-              <a:solidFill>
-                <a:schemeClr val="tx1"/>
-              </a:solidFill>
-              <a:latin typeface="Arial" panose="020B0604020202020204" pitchFamily="34" charset="0"/>
-            </a:endParaRPr>
-          </a:p>
-        </p:txBody>
-      </p:sp>
-      <p:sp>
-        <p:nvSpPr>
-          <p:cNvPr id="372" name="Rounded Rectangle 371">
-            <a:extLst>
-              <a:ext uri="{FF2B5EF4-FFF2-40B4-BE49-F238E27FC236}">
-                <a16:creationId xmlns:a16="http://schemas.microsoft.com/office/drawing/2014/main" id="{D0BF1455-2E79-FFD7-87A9-61ADBC848FC6}"/>
-              </a:ext>
-            </a:extLst>
-          </p:cNvPr>
-          <p:cNvSpPr/>
-          <p:nvPr/>
-        </p:nvSpPr>
-        <p:spPr>
-          <a:xfrm>
-            <a:off x="8299982" y="722430"/>
-            <a:ext cx="767838" cy="551400"/>
-          </a:xfrm>
-          <a:prstGeom prst="roundRect">
-            <a:avLst/>
-          </a:prstGeom>
-          <a:solidFill>
-            <a:schemeClr val="bg1">
-              <a:lumMod val="95000"/>
-            </a:schemeClr>
-          </a:solidFill>
-          <a:ln w="38100">
-            <a:solidFill>
-              <a:srgbClr val="C00000"/>
-            </a:solidFill>
-          </a:ln>
-        </p:spPr>
-        <p:style>
-          <a:lnRef idx="2">
-            <a:schemeClr val="accent1">
-              <a:shade val="15000"/>
-            </a:schemeClr>
-          </a:lnRef>
-          <a:fillRef idx="1">
-            <a:schemeClr val="accent1"/>
-          </a:fillRef>
-          <a:effectRef idx="0">
-            <a:schemeClr val="accent1"/>
-          </a:effectRef>
-          <a:fontRef idx="minor">
-            <a:schemeClr val="lt1"/>
-          </a:fontRef>
-        </p:style>
-        <p:txBody>
-          <a:bodyPr rtlCol="0" anchor="ctr"/>
-          <a:lstStyle/>
-          <a:p>
-            <a:pPr algn="ctr"/>
             <a:endParaRPr lang="en-US" sz="2000" dirty="0">
               <a:solidFill>
                 <a:schemeClr val="tx1"/>
@@ -7859,277 +8858,196 @@
           </a:p>
         </p:txBody>
       </p:sp>
-      <p:sp>
-        <p:nvSpPr>
-          <p:cNvPr id="373" name="Rounded Rectangle 372">
-            <a:extLst>
-              <a:ext uri="{FF2B5EF4-FFF2-40B4-BE49-F238E27FC236}">
-                <a16:creationId xmlns:a16="http://schemas.microsoft.com/office/drawing/2014/main" id="{5E123884-2B9E-3027-5C90-F85CA08DF19D}"/>
-              </a:ext>
-            </a:extLst>
-          </p:cNvPr>
-          <p:cNvSpPr/>
+      <p:grpSp>
+        <p:nvGrpSpPr>
+          <p:cNvPr id="112" name="Group 111">
+            <a:extLst>
+              <a:ext uri="{FF2B5EF4-FFF2-40B4-BE49-F238E27FC236}">
+                <a16:creationId xmlns:a16="http://schemas.microsoft.com/office/drawing/2014/main" id="{F7D62CFE-0310-9AD9-4B96-D8BE0AD8F464}"/>
+              </a:ext>
+            </a:extLst>
+          </p:cNvPr>
+          <p:cNvGrpSpPr/>
           <p:nvPr/>
-        </p:nvSpPr>
-        <p:spPr>
+        </p:nvGrpSpPr>
+        <p:grpSpPr>
           <a:xfrm>
-            <a:off x="6730307" y="2426351"/>
-            <a:ext cx="525378" cy="382502"/>
-          </a:xfrm>
-          <a:prstGeom prst="roundRect">
-            <a:avLst/>
-          </a:prstGeom>
-          <a:solidFill>
-            <a:schemeClr val="bg1">
-              <a:lumMod val="95000"/>
-            </a:schemeClr>
-          </a:solidFill>
-          <a:ln w="38100">
+            <a:off x="6616099" y="2382697"/>
+            <a:ext cx="713550" cy="482566"/>
+            <a:chOff x="6616099" y="2382697"/>
+            <a:chExt cx="713550" cy="482566"/>
+          </a:xfrm>
+        </p:grpSpPr>
+        <p:sp>
+          <p:nvSpPr>
+            <p:cNvPr id="373" name="Oval 372">
+              <a:extLst>
+                <a:ext uri="{FF2B5EF4-FFF2-40B4-BE49-F238E27FC236}">
+                  <a16:creationId xmlns:a16="http://schemas.microsoft.com/office/drawing/2014/main" id="{5E123884-2B9E-3027-5C90-F85CA08DF19D}"/>
+                </a:ext>
+              </a:extLst>
+            </p:cNvPr>
+            <p:cNvSpPr>
+              <a:spLocks/>
+            </p:cNvSpPr>
+            <p:nvPr/>
+          </p:nvSpPr>
+          <p:spPr>
+            <a:xfrm>
+              <a:off x="6730307" y="2426351"/>
+              <a:ext cx="484632" cy="438912"/>
+            </a:xfrm>
+            <a:prstGeom prst="ellipse">
+              <a:avLst/>
+            </a:prstGeom>
             <a:solidFill>
-              <a:srgbClr val="C00000"/>
+              <a:schemeClr val="bg1">
+                <a:lumMod val="95000"/>
+              </a:schemeClr>
             </a:solidFill>
-          </a:ln>
-        </p:spPr>
-        <p:style>
-          <a:lnRef idx="2">
-            <a:schemeClr val="accent1">
-              <a:shade val="15000"/>
-            </a:schemeClr>
-          </a:lnRef>
-          <a:fillRef idx="1">
-            <a:schemeClr val="accent1"/>
-          </a:fillRef>
-          <a:effectRef idx="0">
-            <a:schemeClr val="accent1"/>
-          </a:effectRef>
-          <a:fontRef idx="minor">
-            <a:schemeClr val="lt1"/>
-          </a:fontRef>
-        </p:style>
-        <p:txBody>
-          <a:bodyPr rtlCol="0" anchor="ctr"/>
-          <a:lstStyle/>
-          <a:p>
-            <a:pPr algn="ctr"/>
-            <a:endParaRPr lang="en-US" sz="2400" dirty="0">
+            <a:ln w="38100">
               <a:solidFill>
-                <a:schemeClr val="tx1"/>
+                <a:srgbClr val="C00000"/>
               </a:solidFill>
-              <a:latin typeface="Arial" panose="020B0604020202020204" pitchFamily="34" charset="0"/>
-            </a:endParaRPr>
-          </a:p>
-        </p:txBody>
-      </p:sp>
-      <mc:AlternateContent xmlns:mc="http://schemas.openxmlformats.org/markup-compatibility/2006" xmlns:a14="http://schemas.microsoft.com/office/drawing/2010/main">
-        <mc:Choice Requires="a14">
-          <p:sp>
-            <p:nvSpPr>
-              <p:cNvPr id="376" name="TextBox 375">
-                <a:extLst>
-                  <a:ext uri="{FF2B5EF4-FFF2-40B4-BE49-F238E27FC236}">
-                    <a16:creationId xmlns:a16="http://schemas.microsoft.com/office/drawing/2014/main" id="{1E4A9A9B-8914-843E-0A7A-30F98DC31C91}"/>
-                  </a:ext>
-                </a:extLst>
-              </p:cNvPr>
-              <p:cNvSpPr txBox="1"/>
-              <p:nvPr/>
-            </p:nvSpPr>
-            <p:spPr>
-              <a:xfrm>
-                <a:off x="6639955" y="2390648"/>
-                <a:ext cx="713550" cy="461665"/>
-              </a:xfrm>
-              <a:prstGeom prst="rect">
-                <a:avLst/>
-              </a:prstGeom>
-              <a:noFill/>
-            </p:spPr>
-            <p:txBody>
-              <a:bodyPr wrap="square">
-                <a:spAutoFit/>
-              </a:bodyPr>
-              <a:lstStyle/>
-              <a:p>
-                <a:pPr/>
-                <a14:m>
-                  <m:oMathPara xmlns:m="http://schemas.openxmlformats.org/officeDocument/2006/math">
-                    <m:oMathParaPr>
-                      <m:jc m:val="centerGroup"/>
-                    </m:oMathParaPr>
-                    <m:oMath xmlns:m="http://schemas.openxmlformats.org/officeDocument/2006/math">
-                      <m:r>
-                        <m:rPr>
-                          <m:sty m:val="p"/>
-                        </m:rPr>
-                        <a:rPr lang="en-US" sz="2400" b="0" i="0" smtClean="0">
-                          <a:solidFill>
-                            <a:schemeClr val="tx1"/>
-                          </a:solidFill>
-                          <a:latin typeface="Cambria Math" panose="02040503050406030204" pitchFamily="18" charset="0"/>
-                        </a:rPr>
-                        <m:t>ω</m:t>
-                      </m:r>
-                    </m:oMath>
-                  </m:oMathPara>
-                </a14:m>
-                <a:endParaRPr lang="en-US" sz="2400" dirty="0">
-                  <a:latin typeface="Arial" panose="020B0604020202020204" pitchFamily="34" charset="0"/>
-                </a:endParaRPr>
-              </a:p>
-            </p:txBody>
-          </p:sp>
-        </mc:Choice>
-        <mc:Fallback xmlns="">
-          <p:sp>
-            <p:nvSpPr>
-              <p:cNvPr id="376" name="TextBox 375">
-                <a:extLst>
-                  <a:ext uri="{FF2B5EF4-FFF2-40B4-BE49-F238E27FC236}">
-                    <a16:creationId xmlns:a16="http://schemas.microsoft.com/office/drawing/2014/main" id="{1E4A9A9B-8914-843E-0A7A-30F98DC31C91}"/>
-                  </a:ext>
-                </a:extLst>
-              </p:cNvPr>
-              <p:cNvSpPr txBox="1">
-                <a:spLocks noRot="1" noChangeAspect="1" noMove="1" noResize="1" noEditPoints="1" noAdjustHandles="1" noChangeArrowheads="1" noChangeShapeType="1" noTextEdit="1"/>
-              </p:cNvSpPr>
-              <p:nvPr/>
-            </p:nvSpPr>
-            <p:spPr>
-              <a:xfrm>
-                <a:off x="6639955" y="2390648"/>
-                <a:ext cx="713550" cy="461665"/>
-              </a:xfrm>
-              <a:prstGeom prst="rect">
-                <a:avLst/>
-              </a:prstGeom>
-              <a:blipFill>
-                <a:blip r:embed="rId2"/>
-                <a:stretch>
-                  <a:fillRect/>
-                </a:stretch>
-              </a:blipFill>
-            </p:spPr>
-            <p:txBody>
-              <a:bodyPr/>
-              <a:lstStyle/>
-              <a:p>
-                <a:r>
-                  <a:rPr lang="en-US">
-                    <a:noFill/>
-                  </a:rPr>
-                  <a:t> </a:t>
-                </a:r>
-              </a:p>
-            </p:txBody>
-          </p:sp>
-        </mc:Fallback>
-      </mc:AlternateContent>
-      <mc:AlternateContent xmlns:mc="http://schemas.openxmlformats.org/markup-compatibility/2006" xmlns:a14="http://schemas.microsoft.com/office/drawing/2010/main">
-        <mc:Choice Requires="a14">
-          <p:sp>
-            <p:nvSpPr>
-              <p:cNvPr id="378" name="TextBox 377">
-                <a:extLst>
-                  <a:ext uri="{FF2B5EF4-FFF2-40B4-BE49-F238E27FC236}">
-                    <a16:creationId xmlns:a16="http://schemas.microsoft.com/office/drawing/2014/main" id="{E606D581-B0CD-E6C1-1D8D-7A30286B2AF3}"/>
-                  </a:ext>
-                </a:extLst>
-              </p:cNvPr>
-              <p:cNvSpPr txBox="1"/>
-              <p:nvPr/>
-            </p:nvSpPr>
-            <p:spPr>
-              <a:xfrm>
-                <a:off x="8226619" y="4123996"/>
-                <a:ext cx="889998" cy="461665"/>
-              </a:xfrm>
-              <a:prstGeom prst="rect">
-                <a:avLst/>
-              </a:prstGeom>
-              <a:noFill/>
-            </p:spPr>
-            <p:txBody>
-              <a:bodyPr wrap="square">
-                <a:spAutoFit/>
-              </a:bodyPr>
-              <a:lstStyle/>
-              <a:p>
-                <a:pPr/>
-                <a14:m>
-                  <m:oMathPara xmlns:m="http://schemas.openxmlformats.org/officeDocument/2006/math">
-                    <m:oMathParaPr>
-                      <m:jc m:val="centerGroup"/>
-                    </m:oMathParaPr>
-                    <m:oMath xmlns:m="http://schemas.openxmlformats.org/officeDocument/2006/math">
-                      <m:r>
-                        <m:rPr>
-                          <m:sty m:val="p"/>
-                        </m:rPr>
-                        <a:rPr lang="en-US" sz="2400" b="0" i="0" smtClean="0">
-                          <a:solidFill>
-                            <a:schemeClr val="tx1"/>
-                          </a:solidFill>
-                          <a:latin typeface="Cambria Math" panose="02040503050406030204" pitchFamily="18" charset="0"/>
-                        </a:rPr>
-                        <m:t>Ψ</m:t>
-                      </m:r>
-                    </m:oMath>
-                  </m:oMathPara>
-                </a14:m>
-                <a:endParaRPr lang="en-US" sz="2400" dirty="0">
-                  <a:latin typeface="Arial" panose="020B0604020202020204" pitchFamily="34" charset="0"/>
-                </a:endParaRPr>
-              </a:p>
-            </p:txBody>
-          </p:sp>
-        </mc:Choice>
-        <mc:Fallback xmlns="">
-          <p:sp>
-            <p:nvSpPr>
-              <p:cNvPr id="378" name="TextBox 377">
-                <a:extLst>
-                  <a:ext uri="{FF2B5EF4-FFF2-40B4-BE49-F238E27FC236}">
-                    <a16:creationId xmlns:a16="http://schemas.microsoft.com/office/drawing/2014/main" id="{E606D581-B0CD-E6C1-1D8D-7A30286B2AF3}"/>
-                  </a:ext>
-                </a:extLst>
-              </p:cNvPr>
-              <p:cNvSpPr txBox="1">
-                <a:spLocks noRot="1" noChangeAspect="1" noMove="1" noResize="1" noEditPoints="1" noAdjustHandles="1" noChangeArrowheads="1" noChangeShapeType="1" noTextEdit="1"/>
-              </p:cNvSpPr>
-              <p:nvPr/>
-            </p:nvSpPr>
-            <p:spPr>
-              <a:xfrm>
-                <a:off x="8226619" y="4123996"/>
-                <a:ext cx="889998" cy="461665"/>
-              </a:xfrm>
-              <a:prstGeom prst="rect">
-                <a:avLst/>
-              </a:prstGeom>
-              <a:blipFill>
-                <a:blip r:embed="rId3"/>
-                <a:stretch>
-                  <a:fillRect/>
-                </a:stretch>
-              </a:blipFill>
-            </p:spPr>
-            <p:txBody>
-              <a:bodyPr/>
-              <a:lstStyle/>
-              <a:p>
-                <a:r>
-                  <a:rPr lang="en-US">
-                    <a:noFill/>
-                  </a:rPr>
-                  <a:t> </a:t>
-                </a:r>
-              </a:p>
-            </p:txBody>
-          </p:sp>
-        </mc:Fallback>
-      </mc:AlternateContent>
-      <mc:AlternateContent xmlns:mc="http://schemas.openxmlformats.org/markup-compatibility/2006" xmlns:a14="http://schemas.microsoft.com/office/drawing/2010/main">
-        <mc:Choice Requires="a14">
+            </a:ln>
+          </p:spPr>
+          <p:style>
+            <a:lnRef idx="2">
+              <a:schemeClr val="accent1">
+                <a:shade val="15000"/>
+              </a:schemeClr>
+            </a:lnRef>
+            <a:fillRef idx="1">
+              <a:schemeClr val="accent1"/>
+            </a:fillRef>
+            <a:effectRef idx="0">
+              <a:schemeClr val="accent1"/>
+            </a:effectRef>
+            <a:fontRef idx="minor">
+              <a:schemeClr val="lt1"/>
+            </a:fontRef>
+          </p:style>
+          <p:txBody>
+            <a:bodyPr rtlCol="0" anchor="ctr"/>
+            <a:lstStyle/>
+            <a:p>
+              <a:pPr algn="ctr"/>
+              <a:endParaRPr lang="en-US" sz="2400" dirty="0">
+                <a:solidFill>
+                  <a:schemeClr val="tx1"/>
+                </a:solidFill>
+                <a:latin typeface="Arial" panose="020B0604020202020204" pitchFamily="34" charset="0"/>
+              </a:endParaRPr>
+            </a:p>
+          </p:txBody>
+        </p:sp>
+        <mc:AlternateContent xmlns:mc="http://schemas.openxmlformats.org/markup-compatibility/2006">
+          <mc:Choice xmlns:a14="http://schemas.microsoft.com/office/drawing/2010/main" Requires="a14">
+            <p:sp>
+              <p:nvSpPr>
+                <p:cNvPr id="376" name="TextBox 375">
+                  <a:extLst>
+                    <a:ext uri="{FF2B5EF4-FFF2-40B4-BE49-F238E27FC236}">
+                      <a16:creationId xmlns:a16="http://schemas.microsoft.com/office/drawing/2014/main" id="{1E4A9A9B-8914-843E-0A7A-30F98DC31C91}"/>
+                    </a:ext>
+                  </a:extLst>
+                </p:cNvPr>
+                <p:cNvSpPr txBox="1"/>
+                <p:nvPr/>
+              </p:nvSpPr>
+              <p:spPr>
+                <a:xfrm>
+                  <a:off x="6616099" y="2382697"/>
+                  <a:ext cx="713550" cy="461665"/>
+                </a:xfrm>
+                <a:prstGeom prst="rect">
+                  <a:avLst/>
+                </a:prstGeom>
+                <a:noFill/>
+              </p:spPr>
+              <p:txBody>
+                <a:bodyPr wrap="square">
+                  <a:spAutoFit/>
+                </a:bodyPr>
+                <a:lstStyle/>
+                <a:p>
+                  <a:pPr/>
+                  <a14:m>
+                    <m:oMathPara xmlns:m="http://schemas.openxmlformats.org/officeDocument/2006/math">
+                      <m:oMathParaPr>
+                        <m:jc m:val="centerGroup"/>
+                      </m:oMathParaPr>
+                      <m:oMath xmlns:m="http://schemas.openxmlformats.org/officeDocument/2006/math">
+                        <m:r>
+                          <m:rPr>
+                            <m:sty m:val="p"/>
+                          </m:rPr>
+                          <a:rPr lang="en-US" sz="2400" b="0" i="0" smtClean="0">
+                            <a:solidFill>
+                              <a:schemeClr val="tx1"/>
+                            </a:solidFill>
+                            <a:latin typeface="Cambria Math" panose="02040503050406030204" pitchFamily="18" charset="0"/>
+                          </a:rPr>
+                          <m:t>ω</m:t>
+                        </m:r>
+                      </m:oMath>
+                    </m:oMathPara>
+                  </a14:m>
+                  <a:endParaRPr lang="en-US" sz="2400" dirty="0">
+                    <a:latin typeface="Arial" panose="020B0604020202020204" pitchFamily="34" charset="0"/>
+                  </a:endParaRPr>
+                </a:p>
+              </p:txBody>
+            </p:sp>
+          </mc:Choice>
+          <mc:Fallback>
+            <p:sp>
+              <p:nvSpPr>
+                <p:cNvPr id="376" name="TextBox 375">
+                  <a:extLst>
+                    <a:ext uri="{FF2B5EF4-FFF2-40B4-BE49-F238E27FC236}">
+                      <a16:creationId xmlns:a16="http://schemas.microsoft.com/office/drawing/2014/main" id="{1E4A9A9B-8914-843E-0A7A-30F98DC31C91}"/>
+                    </a:ext>
+                  </a:extLst>
+                </p:cNvPr>
+                <p:cNvSpPr txBox="1">
+                  <a:spLocks noRot="1" noChangeAspect="1" noMove="1" noResize="1" noEditPoints="1" noAdjustHandles="1" noChangeArrowheads="1" noChangeShapeType="1" noTextEdit="1"/>
+                </p:cNvSpPr>
+                <p:nvPr/>
+              </p:nvSpPr>
+              <p:spPr>
+                <a:xfrm>
+                  <a:off x="6616099" y="2382697"/>
+                  <a:ext cx="713550" cy="461665"/>
+                </a:xfrm>
+                <a:prstGeom prst="rect">
+                  <a:avLst/>
+                </a:prstGeom>
+                <a:blipFill>
+                  <a:blip r:embed="rId3"/>
+                  <a:stretch>
+                    <a:fillRect/>
+                  </a:stretch>
+                </a:blipFill>
+              </p:spPr>
+              <p:txBody>
+                <a:bodyPr/>
+                <a:lstStyle/>
+                <a:p>
+                  <a:r>
+                    <a:rPr lang="en-US">
+                      <a:noFill/>
+                    </a:rPr>
+                    <a:t> </a:t>
+                  </a:r>
+                </a:p>
+              </p:txBody>
+            </p:sp>
+          </mc:Fallback>
+        </mc:AlternateContent>
+      </p:grpSp>
+      <mc:AlternateContent xmlns:mc="http://schemas.openxmlformats.org/markup-compatibility/2006">
+        <mc:Choice xmlns:a14="http://schemas.microsoft.com/office/drawing/2010/main" Requires="a14">
           <p:sp>
             <p:nvSpPr>
               <p:cNvPr id="380" name="TextBox 379">
@@ -8144,7 +9062,7 @@
             </p:nvSpPr>
             <p:spPr>
               <a:xfrm>
-                <a:off x="8099837" y="741948"/>
+                <a:off x="7956713" y="1211075"/>
                 <a:ext cx="1213150" cy="461665"/>
               </a:xfrm>
               <a:prstGeom prst="rect">
@@ -8208,7 +9126,7 @@
             </p:txBody>
           </p:sp>
         </mc:Choice>
-        <mc:Fallback xmlns="">
+        <mc:Fallback>
           <p:sp>
             <p:nvSpPr>
               <p:cNvPr id="380" name="TextBox 379">
@@ -8225,7 +9143,7 @@
             </p:nvSpPr>
             <p:spPr>
               <a:xfrm>
-                <a:off x="8099837" y="741948"/>
+                <a:off x="7956713" y="1211075"/>
                 <a:ext cx="1213150" cy="461665"/>
               </a:xfrm>
               <a:prstGeom prst="rect">
@@ -8893,12 +9811,769 @@
           </p:sp>
         </mc:Fallback>
       </mc:AlternateContent>
+      <p:grpSp>
+        <p:nvGrpSpPr>
+          <p:cNvPr id="113" name="Group 112">
+            <a:extLst>
+              <a:ext uri="{FF2B5EF4-FFF2-40B4-BE49-F238E27FC236}">
+                <a16:creationId xmlns:a16="http://schemas.microsoft.com/office/drawing/2014/main" id="{1B5A2C18-B496-5F1E-DC9D-BA35572095A2}"/>
+              </a:ext>
+            </a:extLst>
+          </p:cNvPr>
+          <p:cNvGrpSpPr/>
+          <p:nvPr/>
+        </p:nvGrpSpPr>
+        <p:grpSpPr>
+          <a:xfrm>
+            <a:off x="9469314" y="3272457"/>
+            <a:ext cx="889998" cy="530352"/>
+            <a:chOff x="9469314" y="3272457"/>
+            <a:chExt cx="889998" cy="530352"/>
+          </a:xfrm>
+        </p:grpSpPr>
+        <p:sp>
+          <p:nvSpPr>
+            <p:cNvPr id="394" name="Oval 393">
+              <a:extLst>
+                <a:ext uri="{FF2B5EF4-FFF2-40B4-BE49-F238E27FC236}">
+                  <a16:creationId xmlns:a16="http://schemas.microsoft.com/office/drawing/2014/main" id="{9C870D71-0DEE-B3B1-ACA3-046F8AAD761B}"/>
+                </a:ext>
+              </a:extLst>
+            </p:cNvPr>
+            <p:cNvSpPr>
+              <a:spLocks/>
+            </p:cNvSpPr>
+            <p:nvPr/>
+          </p:nvSpPr>
+          <p:spPr>
+            <a:xfrm>
+              <a:off x="9598842" y="3272457"/>
+              <a:ext cx="594360" cy="530352"/>
+            </a:xfrm>
+            <a:prstGeom prst="ellipse">
+              <a:avLst/>
+            </a:prstGeom>
+            <a:solidFill>
+              <a:schemeClr val="bg1">
+                <a:lumMod val="95000"/>
+              </a:schemeClr>
+            </a:solidFill>
+            <a:ln w="38100">
+              <a:solidFill>
+                <a:schemeClr val="accent5">
+                  <a:lumMod val="75000"/>
+                </a:schemeClr>
+              </a:solidFill>
+            </a:ln>
+          </p:spPr>
+          <p:style>
+            <a:lnRef idx="2">
+              <a:schemeClr val="accent1">
+                <a:shade val="15000"/>
+              </a:schemeClr>
+            </a:lnRef>
+            <a:fillRef idx="1">
+              <a:schemeClr val="accent1"/>
+            </a:fillRef>
+            <a:effectRef idx="0">
+              <a:schemeClr val="accent1"/>
+            </a:effectRef>
+            <a:fontRef idx="minor">
+              <a:schemeClr val="lt1"/>
+            </a:fontRef>
+          </p:style>
+          <p:txBody>
+            <a:bodyPr rtlCol="0" anchor="ctr"/>
+            <a:lstStyle/>
+            <a:p>
+              <a:pPr algn="ctr"/>
+              <a:endParaRPr lang="en-US" sz="2400" dirty="0">
+                <a:solidFill>
+                  <a:schemeClr val="tx1"/>
+                </a:solidFill>
+                <a:latin typeface="Arial" panose="020B0604020202020204" pitchFamily="34" charset="0"/>
+              </a:endParaRPr>
+            </a:p>
+          </p:txBody>
+        </p:sp>
+        <mc:AlternateContent xmlns:mc="http://schemas.openxmlformats.org/markup-compatibility/2006">
+          <mc:Choice xmlns:a14="http://schemas.microsoft.com/office/drawing/2010/main" Requires="a14">
+            <p:sp>
+              <p:nvSpPr>
+                <p:cNvPr id="392" name="TextBox 391">
+                  <a:extLst>
+                    <a:ext uri="{FF2B5EF4-FFF2-40B4-BE49-F238E27FC236}">
+                      <a16:creationId xmlns:a16="http://schemas.microsoft.com/office/drawing/2014/main" id="{47A8D240-36A6-246F-5E31-18BBA477F933}"/>
+                    </a:ext>
+                  </a:extLst>
+                </p:cNvPr>
+                <p:cNvSpPr txBox="1"/>
+                <p:nvPr/>
+              </p:nvSpPr>
+              <p:spPr>
+                <a:xfrm>
+                  <a:off x="9469314" y="3326370"/>
+                  <a:ext cx="889998" cy="461665"/>
+                </a:xfrm>
+                <a:prstGeom prst="rect">
+                  <a:avLst/>
+                </a:prstGeom>
+                <a:noFill/>
+              </p:spPr>
+              <p:txBody>
+                <a:bodyPr wrap="square">
+                  <a:spAutoFit/>
+                </a:bodyPr>
+                <a:lstStyle/>
+                <a:p>
+                  <a:pPr/>
+                  <a14:m>
+                    <m:oMathPara xmlns:m="http://schemas.openxmlformats.org/officeDocument/2006/math">
+                      <m:oMathParaPr>
+                        <m:jc m:val="centerGroup"/>
+                      </m:oMathParaPr>
+                      <m:oMath xmlns:m="http://schemas.openxmlformats.org/officeDocument/2006/math">
+                        <m:sSup>
+                          <m:sSupPr>
+                            <m:ctrlPr>
+                              <a:rPr lang="en-US" sz="2400" b="0" i="1" smtClean="0">
+                                <a:solidFill>
+                                  <a:schemeClr val="tx1"/>
+                                </a:solidFill>
+                                <a:latin typeface="Cambria Math" panose="02040503050406030204" pitchFamily="18" charset="0"/>
+                              </a:rPr>
+                            </m:ctrlPr>
+                          </m:sSupPr>
+                          <m:e>
+                            <m:r>
+                              <a:rPr lang="en-US" sz="2400" b="0" i="1" smtClean="0">
+                                <a:solidFill>
+                                  <a:schemeClr val="tx1"/>
+                                </a:solidFill>
+                                <a:latin typeface="Cambria Math" panose="02040503050406030204" pitchFamily="18" charset="0"/>
+                              </a:rPr>
+                              <m:t>ℬ</m:t>
+                            </m:r>
+                          </m:e>
+                          <m:sup>
+                            <m:r>
+                              <a:rPr lang="en-US" sz="2400" b="0" i="1" smtClean="0">
+                                <a:solidFill>
+                                  <a:schemeClr val="tx1"/>
+                                </a:solidFill>
+                                <a:latin typeface="Cambria Math" panose="02040503050406030204" pitchFamily="18" charset="0"/>
+                              </a:rPr>
+                              <m:t>×</m:t>
+                            </m:r>
+                          </m:sup>
+                        </m:sSup>
+                      </m:oMath>
+                    </m:oMathPara>
+                  </a14:m>
+                  <a:endParaRPr lang="en-US" sz="2400" dirty="0">
+                    <a:solidFill>
+                      <a:schemeClr val="tx1"/>
+                    </a:solidFill>
+                    <a:latin typeface="Arial" panose="020B0604020202020204" pitchFamily="34" charset="0"/>
+                  </a:endParaRPr>
+                </a:p>
+              </p:txBody>
+            </p:sp>
+          </mc:Choice>
+          <mc:Fallback>
+            <p:sp>
+              <p:nvSpPr>
+                <p:cNvPr id="392" name="TextBox 391">
+                  <a:extLst>
+                    <a:ext uri="{FF2B5EF4-FFF2-40B4-BE49-F238E27FC236}">
+                      <a16:creationId xmlns:a16="http://schemas.microsoft.com/office/drawing/2014/main" id="{47A8D240-36A6-246F-5E31-18BBA477F933}"/>
+                    </a:ext>
+                  </a:extLst>
+                </p:cNvPr>
+                <p:cNvSpPr txBox="1">
+                  <a:spLocks noRot="1" noChangeAspect="1" noMove="1" noResize="1" noEditPoints="1" noAdjustHandles="1" noChangeArrowheads="1" noChangeShapeType="1" noTextEdit="1"/>
+                </p:cNvSpPr>
+                <p:nvPr/>
+              </p:nvSpPr>
+              <p:spPr>
+                <a:xfrm>
+                  <a:off x="9469314" y="3326370"/>
+                  <a:ext cx="889998" cy="461665"/>
+                </a:xfrm>
+                <a:prstGeom prst="rect">
+                  <a:avLst/>
+                </a:prstGeom>
+                <a:blipFill>
+                  <a:blip r:embed="rId10"/>
+                  <a:stretch>
+                    <a:fillRect/>
+                  </a:stretch>
+                </a:blipFill>
+              </p:spPr>
+              <p:txBody>
+                <a:bodyPr/>
+                <a:lstStyle/>
+                <a:p>
+                  <a:r>
+                    <a:rPr lang="en-US">
+                      <a:noFill/>
+                    </a:rPr>
+                    <a:t> </a:t>
+                  </a:r>
+                </a:p>
+              </p:txBody>
+            </p:sp>
+          </mc:Fallback>
+        </mc:AlternateContent>
+      </p:grpSp>
       <p:sp>
         <p:nvSpPr>
-          <p:cNvPr id="394" name="Rounded Rectangle 393">
-            <a:extLst>
-              <a:ext uri="{FF2B5EF4-FFF2-40B4-BE49-F238E27FC236}">
-                <a16:creationId xmlns:a16="http://schemas.microsoft.com/office/drawing/2014/main" id="{9C870D71-0DEE-B3B1-ACA3-046F8AAD761B}"/>
+          <p:cNvPr id="396" name="TextBox 395">
+            <a:extLst>
+              <a:ext uri="{FF2B5EF4-FFF2-40B4-BE49-F238E27FC236}">
+                <a16:creationId xmlns:a16="http://schemas.microsoft.com/office/drawing/2014/main" id="{EA924F54-2CC9-AE45-B452-09F3208A44D9}"/>
+              </a:ext>
+            </a:extLst>
+          </p:cNvPr>
+          <p:cNvSpPr txBox="1"/>
+          <p:nvPr/>
+        </p:nvSpPr>
+        <p:spPr>
+          <a:xfrm>
+            <a:off x="8938022" y="5908922"/>
+            <a:ext cx="474810" cy="461665"/>
+          </a:xfrm>
+          <a:prstGeom prst="rect">
+            <a:avLst/>
+          </a:prstGeom>
+          <a:noFill/>
+        </p:spPr>
+        <p:txBody>
+          <a:bodyPr wrap="none" rtlCol="0">
+            <a:spAutoFit/>
+          </a:bodyPr>
+          <a:lstStyle/>
+          <a:p>
+            <a:r>
+              <a:rPr lang="en-US" sz="2400" dirty="0">
+                <a:latin typeface="Arial" panose="020B0604020202020204" pitchFamily="34" charset="0"/>
+              </a:rPr>
+              <a:t>or</a:t>
+            </a:r>
+          </a:p>
+        </p:txBody>
+      </p:sp>
+      <p:cxnSp>
+        <p:nvCxnSpPr>
+          <p:cNvPr id="2" name="Straight Arrow Connector 1">
+            <a:extLst>
+              <a:ext uri="{FF2B5EF4-FFF2-40B4-BE49-F238E27FC236}">
+                <a16:creationId xmlns:a16="http://schemas.microsoft.com/office/drawing/2014/main" id="{09C1AFDB-B14B-25F5-F94E-6ACB6BEF24EF}"/>
+              </a:ext>
+            </a:extLst>
+          </p:cNvPr>
+          <p:cNvCxnSpPr>
+            <a:cxnSpLocks/>
+          </p:cNvCxnSpPr>
+          <p:nvPr/>
+        </p:nvCxnSpPr>
+        <p:spPr>
+          <a:xfrm flipH="1">
+            <a:off x="5606383" y="1006857"/>
+            <a:ext cx="365047" cy="0"/>
+          </a:xfrm>
+          <a:prstGeom prst="straightConnector1">
+            <a:avLst/>
+          </a:prstGeom>
+          <a:ln w="82550">
+            <a:solidFill>
+              <a:srgbClr val="59BD35"/>
+            </a:solidFill>
+            <a:tailEnd type="none"/>
+          </a:ln>
+        </p:spPr>
+        <p:style>
+          <a:lnRef idx="2">
+            <a:schemeClr val="accent1"/>
+          </a:lnRef>
+          <a:fillRef idx="0">
+            <a:schemeClr val="accent1"/>
+          </a:fillRef>
+          <a:effectRef idx="1">
+            <a:schemeClr val="accent1"/>
+          </a:effectRef>
+          <a:fontRef idx="minor">
+            <a:schemeClr val="tx1"/>
+          </a:fontRef>
+        </p:style>
+      </p:cxnSp>
+      <p:grpSp>
+        <p:nvGrpSpPr>
+          <p:cNvPr id="109" name="Group 108">
+            <a:extLst>
+              <a:ext uri="{FF2B5EF4-FFF2-40B4-BE49-F238E27FC236}">
+                <a16:creationId xmlns:a16="http://schemas.microsoft.com/office/drawing/2014/main" id="{3CA072AD-43E8-C6CB-0DC3-0F5D984FDD6B}"/>
+              </a:ext>
+            </a:extLst>
+          </p:cNvPr>
+          <p:cNvGrpSpPr/>
+          <p:nvPr/>
+        </p:nvGrpSpPr>
+        <p:grpSpPr>
+          <a:xfrm>
+            <a:off x="8139156" y="4298455"/>
+            <a:ext cx="889998" cy="462135"/>
+            <a:chOff x="6254697" y="3574887"/>
+            <a:chExt cx="889998" cy="462135"/>
+          </a:xfrm>
+        </p:grpSpPr>
+        <p:sp>
+          <p:nvSpPr>
+            <p:cNvPr id="370" name="Oval 369">
+              <a:extLst>
+                <a:ext uri="{FF2B5EF4-FFF2-40B4-BE49-F238E27FC236}">
+                  <a16:creationId xmlns:a16="http://schemas.microsoft.com/office/drawing/2014/main" id="{CC99C6EF-3D44-9499-D394-094FFEB04FDD}"/>
+                </a:ext>
+              </a:extLst>
+            </p:cNvPr>
+            <p:cNvSpPr/>
+            <p:nvPr/>
+          </p:nvSpPr>
+          <p:spPr>
+            <a:xfrm>
+              <a:off x="6461902" y="3574887"/>
+              <a:ext cx="488260" cy="435258"/>
+            </a:xfrm>
+            <a:prstGeom prst="ellipse">
+              <a:avLst/>
+            </a:prstGeom>
+            <a:solidFill>
+              <a:schemeClr val="bg1">
+                <a:lumMod val="95000"/>
+              </a:schemeClr>
+            </a:solidFill>
+            <a:ln w="38100">
+              <a:solidFill>
+                <a:srgbClr val="C00000"/>
+              </a:solidFill>
+            </a:ln>
+          </p:spPr>
+          <p:style>
+            <a:lnRef idx="2">
+              <a:schemeClr val="accent1">
+                <a:shade val="15000"/>
+              </a:schemeClr>
+            </a:lnRef>
+            <a:fillRef idx="1">
+              <a:schemeClr val="accent1"/>
+            </a:fillRef>
+            <a:effectRef idx="0">
+              <a:schemeClr val="accent1"/>
+            </a:effectRef>
+            <a:fontRef idx="minor">
+              <a:schemeClr val="lt1"/>
+            </a:fontRef>
+          </p:style>
+          <p:txBody>
+            <a:bodyPr rtlCol="0" anchor="ctr"/>
+            <a:lstStyle/>
+            <a:p>
+              <a:pPr algn="ctr"/>
+              <a:endParaRPr lang="en-US" sz="2400" dirty="0">
+                <a:solidFill>
+                  <a:schemeClr val="tx1"/>
+                </a:solidFill>
+                <a:latin typeface="Arial" panose="020B0604020202020204" pitchFamily="34" charset="0"/>
+              </a:endParaRPr>
+            </a:p>
+          </p:txBody>
+        </p:sp>
+        <mc:AlternateContent xmlns:mc="http://schemas.openxmlformats.org/markup-compatibility/2006">
+          <mc:Choice xmlns:a14="http://schemas.microsoft.com/office/drawing/2010/main" Requires="a14">
+            <p:sp>
+              <p:nvSpPr>
+                <p:cNvPr id="378" name="TextBox 377">
+                  <a:extLst>
+                    <a:ext uri="{FF2B5EF4-FFF2-40B4-BE49-F238E27FC236}">
+                      <a16:creationId xmlns:a16="http://schemas.microsoft.com/office/drawing/2014/main" id="{E606D581-B0CD-E6C1-1D8D-7A30286B2AF3}"/>
+                    </a:ext>
+                  </a:extLst>
+                </p:cNvPr>
+                <p:cNvSpPr txBox="1"/>
+                <p:nvPr/>
+              </p:nvSpPr>
+              <p:spPr>
+                <a:xfrm>
+                  <a:off x="6254697" y="3575357"/>
+                  <a:ext cx="889998" cy="461665"/>
+                </a:xfrm>
+                <a:prstGeom prst="rect">
+                  <a:avLst/>
+                </a:prstGeom>
+                <a:noFill/>
+              </p:spPr>
+              <p:txBody>
+                <a:bodyPr wrap="square">
+                  <a:spAutoFit/>
+                </a:bodyPr>
+                <a:lstStyle/>
+                <a:p>
+                  <a:pPr/>
+                  <a14:m>
+                    <m:oMathPara xmlns:m="http://schemas.openxmlformats.org/officeDocument/2006/math">
+                      <m:oMathParaPr>
+                        <m:jc m:val="centerGroup"/>
+                      </m:oMathParaPr>
+                      <m:oMath xmlns:m="http://schemas.openxmlformats.org/officeDocument/2006/math">
+                        <m:r>
+                          <m:rPr>
+                            <m:sty m:val="p"/>
+                          </m:rPr>
+                          <a:rPr lang="en-US" sz="2400" b="0" i="0" smtClean="0">
+                            <a:solidFill>
+                              <a:schemeClr val="tx1"/>
+                            </a:solidFill>
+                            <a:latin typeface="Cambria Math" panose="02040503050406030204" pitchFamily="18" charset="0"/>
+                          </a:rPr>
+                          <m:t>Ψ</m:t>
+                        </m:r>
+                      </m:oMath>
+                    </m:oMathPara>
+                  </a14:m>
+                  <a:endParaRPr lang="en-US" sz="2400" dirty="0">
+                    <a:latin typeface="Arial" panose="020B0604020202020204" pitchFamily="34" charset="0"/>
+                  </a:endParaRPr>
+                </a:p>
+              </p:txBody>
+            </p:sp>
+          </mc:Choice>
+          <mc:Fallback>
+            <p:sp>
+              <p:nvSpPr>
+                <p:cNvPr id="378" name="TextBox 377">
+                  <a:extLst>
+                    <a:ext uri="{FF2B5EF4-FFF2-40B4-BE49-F238E27FC236}">
+                      <a16:creationId xmlns:a16="http://schemas.microsoft.com/office/drawing/2014/main" id="{E606D581-B0CD-E6C1-1D8D-7A30286B2AF3}"/>
+                    </a:ext>
+                  </a:extLst>
+                </p:cNvPr>
+                <p:cNvSpPr txBox="1">
+                  <a:spLocks noRot="1" noChangeAspect="1" noMove="1" noResize="1" noEditPoints="1" noAdjustHandles="1" noChangeArrowheads="1" noChangeShapeType="1" noTextEdit="1"/>
+                </p:cNvSpPr>
+                <p:nvPr/>
+              </p:nvSpPr>
+              <p:spPr>
+                <a:xfrm>
+                  <a:off x="6254697" y="3575357"/>
+                  <a:ext cx="889998" cy="461665"/>
+                </a:xfrm>
+                <a:prstGeom prst="rect">
+                  <a:avLst/>
+                </a:prstGeom>
+                <a:blipFill>
+                  <a:blip r:embed="rId11"/>
+                  <a:stretch>
+                    <a:fillRect/>
+                  </a:stretch>
+                </a:blipFill>
+              </p:spPr>
+              <p:txBody>
+                <a:bodyPr/>
+                <a:lstStyle/>
+                <a:p>
+                  <a:r>
+                    <a:rPr lang="en-US">
+                      <a:noFill/>
+                    </a:rPr>
+                    <a:t> </a:t>
+                  </a:r>
+                </a:p>
+              </p:txBody>
+            </p:sp>
+          </mc:Fallback>
+        </mc:AlternateContent>
+      </p:grpSp>
+      <p:cxnSp>
+        <p:nvCxnSpPr>
+          <p:cNvPr id="15" name="Straight Arrow Connector 14">
+            <a:extLst>
+              <a:ext uri="{FF2B5EF4-FFF2-40B4-BE49-F238E27FC236}">
+                <a16:creationId xmlns:a16="http://schemas.microsoft.com/office/drawing/2014/main" id="{9A26E224-A730-8224-0AA2-3B9523E41388}"/>
+              </a:ext>
+            </a:extLst>
+          </p:cNvPr>
+          <p:cNvCxnSpPr>
+            <a:cxnSpLocks/>
+          </p:cNvCxnSpPr>
+          <p:nvPr/>
+        </p:nvCxnSpPr>
+        <p:spPr>
+          <a:xfrm>
+            <a:off x="9536761" y="2061574"/>
+            <a:ext cx="305181" cy="0"/>
+          </a:xfrm>
+          <a:prstGeom prst="straightConnector1">
+            <a:avLst/>
+          </a:prstGeom>
+          <a:ln w="82550">
+            <a:solidFill>
+              <a:srgbClr val="59BD35"/>
+            </a:solidFill>
+            <a:tailEnd type="triangle"/>
+          </a:ln>
+        </p:spPr>
+        <p:style>
+          <a:lnRef idx="2">
+            <a:schemeClr val="accent1"/>
+          </a:lnRef>
+          <a:fillRef idx="0">
+            <a:schemeClr val="accent1"/>
+          </a:fillRef>
+          <a:effectRef idx="1">
+            <a:schemeClr val="accent1"/>
+          </a:effectRef>
+          <a:fontRef idx="minor">
+            <a:schemeClr val="tx1"/>
+          </a:fontRef>
+        </p:style>
+      </p:cxnSp>
+      <p:cxnSp>
+        <p:nvCxnSpPr>
+          <p:cNvPr id="3" name="Straight Arrow Connector 2">
+            <a:extLst>
+              <a:ext uri="{FF2B5EF4-FFF2-40B4-BE49-F238E27FC236}">
+                <a16:creationId xmlns:a16="http://schemas.microsoft.com/office/drawing/2014/main" id="{16D8DF94-749C-D468-5C7B-974AA2E001E7}"/>
+              </a:ext>
+            </a:extLst>
+          </p:cNvPr>
+          <p:cNvCxnSpPr>
+            <a:cxnSpLocks/>
+          </p:cNvCxnSpPr>
+          <p:nvPr/>
+        </p:nvCxnSpPr>
+        <p:spPr>
+          <a:xfrm flipH="1">
+            <a:off x="4878822" y="5466803"/>
+            <a:ext cx="2268854" cy="0"/>
+          </a:xfrm>
+          <a:prstGeom prst="straightConnector1">
+            <a:avLst/>
+          </a:prstGeom>
+          <a:ln w="82550">
+            <a:solidFill>
+              <a:schemeClr val="accent6">
+                <a:lumMod val="50000"/>
+              </a:schemeClr>
+            </a:solidFill>
+            <a:tailEnd type="none"/>
+          </a:ln>
+        </p:spPr>
+        <p:style>
+          <a:lnRef idx="2">
+            <a:schemeClr val="accent1"/>
+          </a:lnRef>
+          <a:fillRef idx="0">
+            <a:schemeClr val="accent1"/>
+          </a:fillRef>
+          <a:effectRef idx="1">
+            <a:schemeClr val="accent1"/>
+          </a:effectRef>
+          <a:fontRef idx="minor">
+            <a:schemeClr val="tx1"/>
+          </a:fontRef>
+        </p:style>
+      </p:cxnSp>
+      <p:cxnSp>
+        <p:nvCxnSpPr>
+          <p:cNvPr id="28" name="Straight Arrow Connector 27">
+            <a:extLst>
+              <a:ext uri="{FF2B5EF4-FFF2-40B4-BE49-F238E27FC236}">
+                <a16:creationId xmlns:a16="http://schemas.microsoft.com/office/drawing/2014/main" id="{D0BE0577-D9B4-AE28-1E19-C7FA65025C58}"/>
+              </a:ext>
+            </a:extLst>
+          </p:cNvPr>
+          <p:cNvCxnSpPr>
+            <a:cxnSpLocks/>
+          </p:cNvCxnSpPr>
+          <p:nvPr/>
+        </p:nvCxnSpPr>
+        <p:spPr>
+          <a:xfrm>
+            <a:off x="7156673" y="5423579"/>
+            <a:ext cx="0" cy="516531"/>
+          </a:xfrm>
+          <a:prstGeom prst="straightConnector1">
+            <a:avLst/>
+          </a:prstGeom>
+          <a:ln w="82550">
+            <a:solidFill>
+              <a:schemeClr val="accent6">
+                <a:lumMod val="50000"/>
+              </a:schemeClr>
+            </a:solidFill>
+            <a:tailEnd type="triangle"/>
+          </a:ln>
+        </p:spPr>
+        <p:style>
+          <a:lnRef idx="2">
+            <a:schemeClr val="accent1"/>
+          </a:lnRef>
+          <a:fillRef idx="0">
+            <a:schemeClr val="accent1"/>
+          </a:fillRef>
+          <a:effectRef idx="1">
+            <a:schemeClr val="accent1"/>
+          </a:effectRef>
+          <a:fontRef idx="minor">
+            <a:schemeClr val="tx1"/>
+          </a:fontRef>
+        </p:style>
+      </p:cxnSp>
+      <p:cxnSp>
+        <p:nvCxnSpPr>
+          <p:cNvPr id="31" name="Straight Arrow Connector 30">
+            <a:extLst>
+              <a:ext uri="{FF2B5EF4-FFF2-40B4-BE49-F238E27FC236}">
+                <a16:creationId xmlns:a16="http://schemas.microsoft.com/office/drawing/2014/main" id="{068F2A5F-3955-126F-57ED-29F2EB0C53F5}"/>
+              </a:ext>
+            </a:extLst>
+          </p:cNvPr>
+          <p:cNvCxnSpPr>
+            <a:cxnSpLocks/>
+          </p:cNvCxnSpPr>
+          <p:nvPr/>
+        </p:nvCxnSpPr>
+        <p:spPr>
+          <a:xfrm flipH="1">
+            <a:off x="4580202" y="5343282"/>
+            <a:ext cx="2909502" cy="0"/>
+          </a:xfrm>
+          <a:prstGeom prst="straightConnector1">
+            <a:avLst/>
+          </a:prstGeom>
+          <a:ln w="82550">
+            <a:solidFill>
+              <a:schemeClr val="accent6">
+                <a:lumMod val="75000"/>
+              </a:schemeClr>
+            </a:solidFill>
+            <a:tailEnd type="none"/>
+          </a:ln>
+        </p:spPr>
+        <p:style>
+          <a:lnRef idx="2">
+            <a:schemeClr val="accent1"/>
+          </a:lnRef>
+          <a:fillRef idx="0">
+            <a:schemeClr val="accent1"/>
+          </a:fillRef>
+          <a:effectRef idx="1">
+            <a:schemeClr val="accent1"/>
+          </a:effectRef>
+          <a:fontRef idx="minor">
+            <a:schemeClr val="tx1"/>
+          </a:fontRef>
+        </p:style>
+      </p:cxnSp>
+      <p:cxnSp>
+        <p:nvCxnSpPr>
+          <p:cNvPr id="45" name="Straight Arrow Connector 44">
+            <a:extLst>
+              <a:ext uri="{FF2B5EF4-FFF2-40B4-BE49-F238E27FC236}">
+                <a16:creationId xmlns:a16="http://schemas.microsoft.com/office/drawing/2014/main" id="{1C2D59EE-DE23-BE2F-82B6-99E8B0941B3A}"/>
+              </a:ext>
+            </a:extLst>
+          </p:cNvPr>
+          <p:cNvCxnSpPr>
+            <a:cxnSpLocks/>
+          </p:cNvCxnSpPr>
+          <p:nvPr/>
+        </p:nvCxnSpPr>
+        <p:spPr>
+          <a:xfrm flipH="1">
+            <a:off x="6784707" y="6125920"/>
+            <a:ext cx="174504" cy="0"/>
+          </a:xfrm>
+          <a:prstGeom prst="straightConnector1">
+            <a:avLst/>
+          </a:prstGeom>
+          <a:ln w="82550">
+            <a:solidFill>
+              <a:schemeClr val="tx2">
+                <a:lumMod val="50000"/>
+                <a:lumOff val="50000"/>
+              </a:schemeClr>
+            </a:solidFill>
+            <a:tailEnd type="none"/>
+          </a:ln>
+        </p:spPr>
+        <p:style>
+          <a:lnRef idx="2">
+            <a:schemeClr val="accent1"/>
+          </a:lnRef>
+          <a:fillRef idx="0">
+            <a:schemeClr val="accent1"/>
+          </a:fillRef>
+          <a:effectRef idx="1">
+            <a:schemeClr val="accent1"/>
+          </a:effectRef>
+          <a:fontRef idx="minor">
+            <a:schemeClr val="tx1"/>
+          </a:fontRef>
+        </p:style>
+      </p:cxnSp>
+      <p:cxnSp>
+        <p:nvCxnSpPr>
+          <p:cNvPr id="56" name="Straight Arrow Connector 55">
+            <a:extLst>
+              <a:ext uri="{FF2B5EF4-FFF2-40B4-BE49-F238E27FC236}">
+                <a16:creationId xmlns:a16="http://schemas.microsoft.com/office/drawing/2014/main" id="{A67E6B51-678E-D32D-D2D8-E7122E34EE9D}"/>
+              </a:ext>
+            </a:extLst>
+          </p:cNvPr>
+          <p:cNvCxnSpPr>
+            <a:cxnSpLocks/>
+          </p:cNvCxnSpPr>
+          <p:nvPr/>
+        </p:nvCxnSpPr>
+        <p:spPr>
+          <a:xfrm>
+            <a:off x="7451278" y="5316059"/>
+            <a:ext cx="0" cy="624051"/>
+          </a:xfrm>
+          <a:prstGeom prst="straightConnector1">
+            <a:avLst/>
+          </a:prstGeom>
+          <a:ln w="82550">
+            <a:solidFill>
+              <a:schemeClr val="accent6">
+                <a:lumMod val="75000"/>
+              </a:schemeClr>
+            </a:solidFill>
+            <a:tailEnd type="triangle"/>
+          </a:ln>
+        </p:spPr>
+        <p:style>
+          <a:lnRef idx="2">
+            <a:schemeClr val="accent1"/>
+          </a:lnRef>
+          <a:fillRef idx="0">
+            <a:schemeClr val="accent1"/>
+          </a:fillRef>
+          <a:effectRef idx="1">
+            <a:schemeClr val="accent1"/>
+          </a:effectRef>
+          <a:fontRef idx="minor">
+            <a:schemeClr val="tx1"/>
+          </a:fontRef>
+        </p:style>
+      </p:cxnSp>
+      <p:sp>
+        <p:nvSpPr>
+          <p:cNvPr id="58" name="Rounded Rectangle 57">
+            <a:extLst>
+              <a:ext uri="{FF2B5EF4-FFF2-40B4-BE49-F238E27FC236}">
+                <a16:creationId xmlns:a16="http://schemas.microsoft.com/office/drawing/2014/main" id="{F1561F8C-BCEC-C3CD-A51F-437A593F2924}"/>
               </a:ext>
             </a:extLst>
           </p:cNvPr>
@@ -8907,8 +10582,8 @@
         </p:nvSpPr>
         <p:spPr>
           <a:xfrm>
-            <a:off x="9590891" y="3503044"/>
-            <a:ext cx="664713" cy="373274"/>
+            <a:off x="7346204" y="6355080"/>
+            <a:ext cx="1698672" cy="380355"/>
           </a:xfrm>
           <a:prstGeom prst="roundRect">
             <a:avLst/>
@@ -8920,8 +10595,9 @@
           </a:solidFill>
           <a:ln w="38100">
             <a:solidFill>
-              <a:schemeClr val="accent5">
-                <a:lumMod val="75000"/>
+              <a:schemeClr val="tx2">
+                <a:lumMod val="50000"/>
+                <a:lumOff val="50000"/>
               </a:schemeClr>
             </a:solidFill>
           </a:ln>
@@ -8947,144 +10623,197 @@
           <a:lstStyle/>
           <a:p>
             <a:pPr algn="ctr"/>
-            <a:endParaRPr lang="en-US" sz="2400" dirty="0">
-              <a:solidFill>
-                <a:schemeClr val="tx1"/>
-              </a:solidFill>
-              <a:latin typeface="Arial" panose="020B0604020202020204" pitchFamily="34" charset="0"/>
-            </a:endParaRPr>
+            <a:r>
+              <a:rPr lang="en-US" dirty="0">
+                <a:solidFill>
+                  <a:schemeClr val="tx1"/>
+                </a:solidFill>
+                <a:latin typeface="Arial" panose="020B0604020202020204" pitchFamily="34" charset="0"/>
+              </a:rPr>
+              <a:t>Random Walk</a:t>
+            </a:r>
           </a:p>
         </p:txBody>
       </p:sp>
-      <mc:AlternateContent xmlns:mc="http://schemas.openxmlformats.org/markup-compatibility/2006" xmlns:a14="http://schemas.microsoft.com/office/drawing/2010/main">
-        <mc:Choice Requires="a14">
-          <p:sp>
-            <p:nvSpPr>
-              <p:cNvPr id="392" name="TextBox 391">
-                <a:extLst>
-                  <a:ext uri="{FF2B5EF4-FFF2-40B4-BE49-F238E27FC236}">
-                    <a16:creationId xmlns:a16="http://schemas.microsoft.com/office/drawing/2014/main" id="{47A8D240-36A6-246F-5E31-18BBA477F933}"/>
-                  </a:ext>
-                </a:extLst>
-              </p:cNvPr>
-              <p:cNvSpPr txBox="1"/>
-              <p:nvPr/>
-            </p:nvSpPr>
-            <p:spPr>
-              <a:xfrm>
-                <a:off x="9501118" y="3493347"/>
-                <a:ext cx="889998" cy="461665"/>
-              </a:xfrm>
-              <a:prstGeom prst="rect">
-                <a:avLst/>
-              </a:prstGeom>
-              <a:noFill/>
-            </p:spPr>
-            <p:txBody>
-              <a:bodyPr wrap="square">
-                <a:spAutoFit/>
-              </a:bodyPr>
-              <a:lstStyle/>
-              <a:p>
-                <a:pPr/>
-                <a14:m>
-                  <m:oMathPara xmlns:m="http://schemas.openxmlformats.org/officeDocument/2006/math">
-                    <m:oMathParaPr>
-                      <m:jc m:val="centerGroup"/>
-                    </m:oMathParaPr>
-                    <m:oMath xmlns:m="http://schemas.openxmlformats.org/officeDocument/2006/math">
-                      <m:sSup>
-                        <m:sSupPr>
-                          <m:ctrlPr>
-                            <a:rPr lang="en-US" sz="2400" b="0" i="1" smtClean="0">
-                              <a:solidFill>
-                                <a:schemeClr val="tx1"/>
-                              </a:solidFill>
-                              <a:latin typeface="Cambria Math" panose="02040503050406030204" pitchFamily="18" charset="0"/>
-                            </a:rPr>
-                          </m:ctrlPr>
-                        </m:sSupPr>
-                        <m:e>
-                          <m:r>
-                            <a:rPr lang="en-US" sz="2400" b="0" i="1" smtClean="0">
-                              <a:solidFill>
-                                <a:schemeClr val="tx1"/>
-                              </a:solidFill>
-                              <a:latin typeface="Cambria Math" panose="02040503050406030204" pitchFamily="18" charset="0"/>
-                            </a:rPr>
-                            <m:t>ℬ</m:t>
-                          </m:r>
-                        </m:e>
-                        <m:sup>
-                          <m:r>
-                            <a:rPr lang="en-US" sz="2400" b="0" i="1" smtClean="0">
-                              <a:solidFill>
-                                <a:schemeClr val="tx1"/>
-                              </a:solidFill>
-                              <a:latin typeface="Cambria Math" panose="02040503050406030204" pitchFamily="18" charset="0"/>
-                            </a:rPr>
-                            <m:t>×</m:t>
-                          </m:r>
-                        </m:sup>
-                      </m:sSup>
-                    </m:oMath>
-                  </m:oMathPara>
-                </a14:m>
-                <a:endParaRPr lang="en-US" sz="2400" dirty="0">
-                  <a:solidFill>
-                    <a:schemeClr val="tx1"/>
-                  </a:solidFill>
-                  <a:latin typeface="Arial" panose="020B0604020202020204" pitchFamily="34" charset="0"/>
-                </a:endParaRPr>
-              </a:p>
-            </p:txBody>
-          </p:sp>
-        </mc:Choice>
-        <mc:Fallback xmlns="">
-          <p:sp>
-            <p:nvSpPr>
-              <p:cNvPr id="392" name="TextBox 391">
-                <a:extLst>
-                  <a:ext uri="{FF2B5EF4-FFF2-40B4-BE49-F238E27FC236}">
-                    <a16:creationId xmlns:a16="http://schemas.microsoft.com/office/drawing/2014/main" id="{47A8D240-36A6-246F-5E31-18BBA477F933}"/>
-                  </a:ext>
-                </a:extLst>
-              </p:cNvPr>
-              <p:cNvSpPr txBox="1">
-                <a:spLocks noRot="1" noChangeAspect="1" noMove="1" noResize="1" noEditPoints="1" noAdjustHandles="1" noChangeArrowheads="1" noChangeShapeType="1" noTextEdit="1"/>
-              </p:cNvSpPr>
-              <p:nvPr/>
-            </p:nvSpPr>
-            <p:spPr>
-              <a:xfrm>
-                <a:off x="9501118" y="3493347"/>
-                <a:ext cx="889998" cy="461665"/>
-              </a:xfrm>
-              <a:prstGeom prst="rect">
-                <a:avLst/>
-              </a:prstGeom>
-              <a:blipFill>
-                <a:blip r:embed="rId10"/>
-                <a:stretch>
-                  <a:fillRect/>
-                </a:stretch>
-              </a:blipFill>
-            </p:spPr>
-            <p:txBody>
-              <a:bodyPr/>
-              <a:lstStyle/>
-              <a:p>
-                <a:r>
-                  <a:rPr lang="en-US">
-                    <a:noFill/>
-                  </a:rPr>
-                  <a:t> </a:t>
-                </a:r>
-              </a:p>
-            </p:txBody>
-          </p:sp>
-        </mc:Fallback>
-      </mc:AlternateContent>
+      <p:sp>
+        <p:nvSpPr>
+          <p:cNvPr id="59" name="Rounded Rectangle 58">
+            <a:extLst>
+              <a:ext uri="{FF2B5EF4-FFF2-40B4-BE49-F238E27FC236}">
+                <a16:creationId xmlns:a16="http://schemas.microsoft.com/office/drawing/2014/main" id="{AE31AA5D-2DC8-B256-C0C5-52E2DDCBCCC4}"/>
+              </a:ext>
+            </a:extLst>
+          </p:cNvPr>
+          <p:cNvSpPr/>
+          <p:nvPr/>
+        </p:nvSpPr>
+        <p:spPr>
+          <a:xfrm>
+            <a:off x="9849853" y="6355080"/>
+            <a:ext cx="2007464" cy="380355"/>
+          </a:xfrm>
+          <a:prstGeom prst="roundRect">
+            <a:avLst/>
+          </a:prstGeom>
+          <a:solidFill>
+            <a:schemeClr val="bg1">
+              <a:lumMod val="95000"/>
+            </a:schemeClr>
+          </a:solidFill>
+          <a:ln w="38100">
+            <a:solidFill>
+              <a:schemeClr val="tx2">
+                <a:lumMod val="50000"/>
+                <a:lumOff val="50000"/>
+              </a:schemeClr>
+            </a:solidFill>
+          </a:ln>
+        </p:spPr>
+        <p:style>
+          <a:lnRef idx="2">
+            <a:schemeClr val="accent1">
+              <a:shade val="15000"/>
+            </a:schemeClr>
+          </a:lnRef>
+          <a:fillRef idx="1">
+            <a:schemeClr val="accent1"/>
+          </a:fillRef>
+          <a:effectRef idx="0">
+            <a:schemeClr val="accent1"/>
+          </a:effectRef>
+          <a:fontRef idx="minor">
+            <a:schemeClr val="lt1"/>
+          </a:fontRef>
+        </p:style>
+        <p:txBody>
+          <a:bodyPr rtlCol="0" anchor="ctr"/>
+          <a:lstStyle/>
+          <a:p>
+            <a:pPr algn="ctr"/>
+            <a:r>
+              <a:rPr lang="en-US" dirty="0">
+                <a:solidFill>
+                  <a:schemeClr val="tx1"/>
+                </a:solidFill>
+                <a:latin typeface="Arial" panose="020B0604020202020204" pitchFamily="34" charset="0"/>
+              </a:rPr>
+              <a:t>Data Resampling</a:t>
+            </a:r>
+          </a:p>
+        </p:txBody>
+      </p:sp>
+      <p:sp>
+        <p:nvSpPr>
+          <p:cNvPr id="73" name="Rectangle 72">
+            <a:extLst>
+              <a:ext uri="{FF2B5EF4-FFF2-40B4-BE49-F238E27FC236}">
+                <a16:creationId xmlns:a16="http://schemas.microsoft.com/office/drawing/2014/main" id="{A0A11E2F-84E4-B464-4D7C-A712AF23F9D7}"/>
+              </a:ext>
+            </a:extLst>
+          </p:cNvPr>
+          <p:cNvSpPr/>
+          <p:nvPr/>
+        </p:nvSpPr>
+        <p:spPr>
+          <a:xfrm>
+            <a:off x="579204" y="1599872"/>
+            <a:ext cx="2011680" cy="548640"/>
+          </a:xfrm>
+          <a:prstGeom prst="rect">
+            <a:avLst/>
+          </a:prstGeom>
+          <a:solidFill>
+            <a:schemeClr val="accent2">
+              <a:lumMod val="40000"/>
+              <a:lumOff val="60000"/>
+              <a:alpha val="49677"/>
+            </a:schemeClr>
+          </a:solidFill>
+          <a:ln>
+            <a:solidFill>
+              <a:schemeClr val="tx1"/>
+            </a:solidFill>
+          </a:ln>
+        </p:spPr>
+        <p:style>
+          <a:lnRef idx="2">
+            <a:schemeClr val="accent1">
+              <a:shade val="15000"/>
+            </a:schemeClr>
+          </a:lnRef>
+          <a:fillRef idx="1">
+            <a:schemeClr val="accent1"/>
+          </a:fillRef>
+          <a:effectRef idx="0">
+            <a:schemeClr val="accent1"/>
+          </a:effectRef>
+          <a:fontRef idx="minor">
+            <a:schemeClr val="lt1"/>
+          </a:fontRef>
+        </p:style>
+        <p:txBody>
+          <a:bodyPr rtlCol="0" anchor="ctr"/>
+          <a:lstStyle/>
+          <a:p>
+            <a:pPr algn="ctr"/>
+            <a:r>
+              <a:rPr lang="en-US" dirty="0">
+                <a:solidFill>
+                  <a:schemeClr val="tx1"/>
+                </a:solidFill>
+                <a:latin typeface="Arial" panose="020B0604020202020204" pitchFamily="34" charset="0"/>
+              </a:rPr>
+              <a:t>Gene Annotation</a:t>
+            </a:r>
+          </a:p>
+        </p:txBody>
+      </p:sp>
+      <p:cxnSp>
+        <p:nvCxnSpPr>
+          <p:cNvPr id="90" name="Straight Arrow Connector 89">
+            <a:extLst>
+              <a:ext uri="{FF2B5EF4-FFF2-40B4-BE49-F238E27FC236}">
+                <a16:creationId xmlns:a16="http://schemas.microsoft.com/office/drawing/2014/main" id="{C19CAFF0-8FC2-942D-1C2F-27E75432BAF3}"/>
+              </a:ext>
+            </a:extLst>
+          </p:cNvPr>
+          <p:cNvCxnSpPr>
+            <a:cxnSpLocks/>
+          </p:cNvCxnSpPr>
+          <p:nvPr/>
+        </p:nvCxnSpPr>
+        <p:spPr>
+          <a:xfrm>
+            <a:off x="798424" y="2158584"/>
+            <a:ext cx="0" cy="169888"/>
+          </a:xfrm>
+          <a:prstGeom prst="straightConnector1">
+            <a:avLst/>
+          </a:prstGeom>
+          <a:ln w="82550">
+            <a:solidFill>
+              <a:schemeClr val="accent2">
+                <a:lumMod val="75000"/>
+              </a:schemeClr>
+            </a:solidFill>
+            <a:tailEnd type="none"/>
+          </a:ln>
+        </p:spPr>
+        <p:style>
+          <a:lnRef idx="2">
+            <a:schemeClr val="accent1"/>
+          </a:lnRef>
+          <a:fillRef idx="0">
+            <a:schemeClr val="accent1"/>
+          </a:fillRef>
+          <a:effectRef idx="1">
+            <a:schemeClr val="accent1"/>
+          </a:effectRef>
+          <a:fontRef idx="minor">
+            <a:schemeClr val="tx1"/>
+          </a:fontRef>
+        </p:style>
+      </p:cxnSp>
       <p:sp>
         <p:nvSpPr>
           <p:cNvPr id="395" name="Oval 394">
@@ -9099,7 +10828,7 @@
         </p:nvSpPr>
         <p:spPr>
           <a:xfrm>
-            <a:off x="2294023" y="1314397"/>
+            <a:off x="2374943" y="1451960"/>
             <a:ext cx="488260" cy="435258"/>
           </a:xfrm>
           <a:prstGeom prst="ellipse">
@@ -9154,41 +10883,593 @@
       </p:sp>
       <p:sp>
         <p:nvSpPr>
-          <p:cNvPr id="396" name="TextBox 395">
-            <a:extLst>
-              <a:ext uri="{FF2B5EF4-FFF2-40B4-BE49-F238E27FC236}">
-                <a16:creationId xmlns:a16="http://schemas.microsoft.com/office/drawing/2014/main" id="{EA924F54-2CC9-AE45-B452-09F3208A44D9}"/>
-              </a:ext>
-            </a:extLst>
-          </p:cNvPr>
-          <p:cNvSpPr txBox="1"/>
+          <p:cNvPr id="65" name="Rounded Rectangle 64">
+            <a:extLst>
+              <a:ext uri="{FF2B5EF4-FFF2-40B4-BE49-F238E27FC236}">
+                <a16:creationId xmlns:a16="http://schemas.microsoft.com/office/drawing/2014/main" id="{8C3AA79E-9D9C-3D51-3BAE-B64FEFD90CB3}"/>
+              </a:ext>
+            </a:extLst>
+          </p:cNvPr>
+          <p:cNvSpPr/>
           <p:nvPr/>
         </p:nvSpPr>
         <p:spPr>
           <a:xfrm>
-            <a:off x="8938022" y="5908922"/>
-            <a:ext cx="474810" cy="461665"/>
-          </a:xfrm>
-          <a:prstGeom prst="rect">
-            <a:avLst/>
-          </a:prstGeom>
-          <a:noFill/>
-        </p:spPr>
+            <a:off x="246694" y="1435559"/>
+            <a:ext cx="1220318" cy="302599"/>
+          </a:xfrm>
+          <a:prstGeom prst="roundRect">
+            <a:avLst/>
+          </a:prstGeom>
+          <a:solidFill>
+            <a:schemeClr val="bg1">
+              <a:lumMod val="95000"/>
+            </a:schemeClr>
+          </a:solidFill>
+          <a:ln w="38100">
+            <a:solidFill>
+              <a:schemeClr val="accent2">
+                <a:lumMod val="75000"/>
+              </a:schemeClr>
+            </a:solidFill>
+            <a:prstDash val="sysDot"/>
+          </a:ln>
+        </p:spPr>
+        <p:style>
+          <a:lnRef idx="2">
+            <a:schemeClr val="accent1">
+              <a:shade val="15000"/>
+            </a:schemeClr>
+          </a:lnRef>
+          <a:fillRef idx="1">
+            <a:schemeClr val="accent1"/>
+          </a:fillRef>
+          <a:effectRef idx="0">
+            <a:schemeClr val="accent1"/>
+          </a:effectRef>
+          <a:fontRef idx="minor">
+            <a:schemeClr val="lt1"/>
+          </a:fontRef>
+        </p:style>
         <p:txBody>
-          <a:bodyPr wrap="none" rtlCol="0">
-            <a:spAutoFit/>
-          </a:bodyPr>
+          <a:bodyPr rtlCol="0" anchor="ctr"/>
           <a:lstStyle/>
           <a:p>
+            <a:pPr algn="ctr"/>
             <a:r>
-              <a:rPr lang="en-US" sz="2400" dirty="0">
+              <a:rPr lang="en-US" dirty="0">
+                <a:solidFill>
+                  <a:schemeClr val="tx1"/>
+                </a:solidFill>
                 <a:latin typeface="Arial" panose="020B0604020202020204" pitchFamily="34" charset="0"/>
               </a:rPr>
-              <a:t>or</a:t>
+              <a:t>Barcodes</a:t>
             </a:r>
           </a:p>
         </p:txBody>
       </p:sp>
+      <p:cxnSp>
+        <p:nvCxnSpPr>
+          <p:cNvPr id="96" name="Straight Arrow Connector 95">
+            <a:extLst>
+              <a:ext uri="{FF2B5EF4-FFF2-40B4-BE49-F238E27FC236}">
+                <a16:creationId xmlns:a16="http://schemas.microsoft.com/office/drawing/2014/main" id="{B8A8F6C6-DEEB-E83A-3622-877A90AC5B12}"/>
+              </a:ext>
+            </a:extLst>
+          </p:cNvPr>
+          <p:cNvCxnSpPr>
+            <a:cxnSpLocks/>
+          </p:cNvCxnSpPr>
+          <p:nvPr/>
+        </p:nvCxnSpPr>
+        <p:spPr>
+          <a:xfrm>
+            <a:off x="2234462" y="2152185"/>
+            <a:ext cx="0" cy="286572"/>
+          </a:xfrm>
+          <a:prstGeom prst="straightConnector1">
+            <a:avLst/>
+          </a:prstGeom>
+          <a:ln w="82550">
+            <a:solidFill>
+              <a:schemeClr val="bg2">
+                <a:lumMod val="50000"/>
+              </a:schemeClr>
+            </a:solidFill>
+            <a:tailEnd type="triangle"/>
+          </a:ln>
+        </p:spPr>
+        <p:style>
+          <a:lnRef idx="2">
+            <a:schemeClr val="accent1"/>
+          </a:lnRef>
+          <a:fillRef idx="0">
+            <a:schemeClr val="accent1"/>
+          </a:fillRef>
+          <a:effectRef idx="1">
+            <a:schemeClr val="accent1"/>
+          </a:effectRef>
+          <a:fontRef idx="minor">
+            <a:schemeClr val="tx1"/>
+          </a:fontRef>
+        </p:style>
+      </p:cxnSp>
+      <p:cxnSp>
+        <p:nvCxnSpPr>
+          <p:cNvPr id="99" name="Straight Arrow Connector 98">
+            <a:extLst>
+              <a:ext uri="{FF2B5EF4-FFF2-40B4-BE49-F238E27FC236}">
+                <a16:creationId xmlns:a16="http://schemas.microsoft.com/office/drawing/2014/main" id="{3CF79906-6972-A0ED-5198-B605BCF69A98}"/>
+              </a:ext>
+            </a:extLst>
+          </p:cNvPr>
+          <p:cNvCxnSpPr>
+            <a:cxnSpLocks/>
+          </p:cNvCxnSpPr>
+          <p:nvPr/>
+        </p:nvCxnSpPr>
+        <p:spPr>
+          <a:xfrm>
+            <a:off x="2018872" y="1401336"/>
+            <a:ext cx="0" cy="286572"/>
+          </a:xfrm>
+          <a:prstGeom prst="straightConnector1">
+            <a:avLst/>
+          </a:prstGeom>
+          <a:ln w="82550">
+            <a:solidFill>
+              <a:schemeClr val="bg2">
+                <a:lumMod val="50000"/>
+              </a:schemeClr>
+            </a:solidFill>
+            <a:tailEnd type="triangle"/>
+          </a:ln>
+        </p:spPr>
+        <p:style>
+          <a:lnRef idx="2">
+            <a:schemeClr val="accent1"/>
+          </a:lnRef>
+          <a:fillRef idx="0">
+            <a:schemeClr val="accent1"/>
+          </a:fillRef>
+          <a:effectRef idx="1">
+            <a:schemeClr val="accent1"/>
+          </a:effectRef>
+          <a:fontRef idx="minor">
+            <a:schemeClr val="tx1"/>
+          </a:fontRef>
+        </p:style>
+      </p:cxnSp>
+      <p:cxnSp>
+        <p:nvCxnSpPr>
+          <p:cNvPr id="101" name="Straight Arrow Connector 100">
+            <a:extLst>
+              <a:ext uri="{FF2B5EF4-FFF2-40B4-BE49-F238E27FC236}">
+                <a16:creationId xmlns:a16="http://schemas.microsoft.com/office/drawing/2014/main" id="{D76EC22D-EB83-4B79-8240-4D0C097394A4}"/>
+              </a:ext>
+            </a:extLst>
+          </p:cNvPr>
+          <p:cNvCxnSpPr>
+            <a:cxnSpLocks/>
+          </p:cNvCxnSpPr>
+          <p:nvPr/>
+        </p:nvCxnSpPr>
+        <p:spPr>
+          <a:xfrm>
+            <a:off x="2235819" y="1399032"/>
+            <a:ext cx="0" cy="189570"/>
+          </a:xfrm>
+          <a:prstGeom prst="straightConnector1">
+            <a:avLst/>
+          </a:prstGeom>
+          <a:ln w="82550">
+            <a:solidFill>
+              <a:schemeClr val="bg2">
+                <a:lumMod val="50000"/>
+              </a:schemeClr>
+            </a:solidFill>
+            <a:tailEnd type="none"/>
+          </a:ln>
+        </p:spPr>
+        <p:style>
+          <a:lnRef idx="2">
+            <a:schemeClr val="accent1"/>
+          </a:lnRef>
+          <a:fillRef idx="0">
+            <a:schemeClr val="accent1"/>
+          </a:fillRef>
+          <a:effectRef idx="1">
+            <a:schemeClr val="accent1"/>
+          </a:effectRef>
+          <a:fontRef idx="minor">
+            <a:schemeClr val="tx1"/>
+          </a:fontRef>
+        </p:style>
+      </p:cxnSp>
+      <p:sp>
+        <p:nvSpPr>
+          <p:cNvPr id="104" name="Rounded Rectangle 103">
+            <a:extLst>
+              <a:ext uri="{FF2B5EF4-FFF2-40B4-BE49-F238E27FC236}">
+                <a16:creationId xmlns:a16="http://schemas.microsoft.com/office/drawing/2014/main" id="{57366E12-DA1C-9FF0-189E-E03F2BBD9E7A}"/>
+              </a:ext>
+            </a:extLst>
+          </p:cNvPr>
+          <p:cNvSpPr/>
+          <p:nvPr/>
+        </p:nvSpPr>
+        <p:spPr>
+          <a:xfrm>
+            <a:off x="8977022" y="3959248"/>
+            <a:ext cx="1062872" cy="380355"/>
+          </a:xfrm>
+          <a:prstGeom prst="roundRect">
+            <a:avLst/>
+          </a:prstGeom>
+          <a:solidFill>
+            <a:schemeClr val="bg1">
+              <a:lumMod val="95000"/>
+            </a:schemeClr>
+          </a:solidFill>
+          <a:ln w="38100">
+            <a:solidFill>
+              <a:schemeClr val="accent5">
+                <a:lumMod val="75000"/>
+              </a:schemeClr>
+            </a:solidFill>
+          </a:ln>
+        </p:spPr>
+        <p:style>
+          <a:lnRef idx="2">
+            <a:schemeClr val="accent1">
+              <a:shade val="15000"/>
+            </a:schemeClr>
+          </a:lnRef>
+          <a:fillRef idx="1">
+            <a:schemeClr val="accent1"/>
+          </a:fillRef>
+          <a:effectRef idx="0">
+            <a:schemeClr val="accent1"/>
+          </a:effectRef>
+          <a:fontRef idx="minor">
+            <a:schemeClr val="lt1"/>
+          </a:fontRef>
+        </p:style>
+        <p:txBody>
+          <a:bodyPr rtlCol="0" anchor="ctr"/>
+          <a:lstStyle/>
+          <a:p>
+            <a:pPr algn="ctr"/>
+            <a:r>
+              <a:rPr lang="en-US" dirty="0">
+                <a:solidFill>
+                  <a:schemeClr val="tx1"/>
+                </a:solidFill>
+                <a:latin typeface="Arial" panose="020B0604020202020204" pitchFamily="34" charset="0"/>
+              </a:rPr>
+              <a:t>L-BFGS</a:t>
+            </a:r>
+          </a:p>
+        </p:txBody>
+      </p:sp>
+      <p:sp>
+        <p:nvSpPr>
+          <p:cNvPr id="115" name="Rounded Rectangle 114">
+            <a:extLst>
+              <a:ext uri="{FF2B5EF4-FFF2-40B4-BE49-F238E27FC236}">
+                <a16:creationId xmlns:a16="http://schemas.microsoft.com/office/drawing/2014/main" id="{3C682350-AD72-104A-1E02-14153DED0196}"/>
+              </a:ext>
+            </a:extLst>
+          </p:cNvPr>
+          <p:cNvSpPr/>
+          <p:nvPr/>
+        </p:nvSpPr>
+        <p:spPr>
+          <a:xfrm>
+            <a:off x="4857897" y="6082712"/>
+            <a:ext cx="1375052" cy="622207"/>
+          </a:xfrm>
+          <a:prstGeom prst="roundRect">
+            <a:avLst/>
+          </a:prstGeom>
+          <a:solidFill>
+            <a:schemeClr val="bg1">
+              <a:lumMod val="95000"/>
+            </a:schemeClr>
+          </a:solidFill>
+          <a:ln w="38100">
+            <a:solidFill>
+              <a:schemeClr val="tx2">
+                <a:lumMod val="75000"/>
+                <a:lumOff val="25000"/>
+              </a:schemeClr>
+            </a:solidFill>
+          </a:ln>
+        </p:spPr>
+        <p:style>
+          <a:lnRef idx="2">
+            <a:schemeClr val="accent1">
+              <a:shade val="15000"/>
+            </a:schemeClr>
+          </a:lnRef>
+          <a:fillRef idx="1">
+            <a:schemeClr val="accent1"/>
+          </a:fillRef>
+          <a:effectRef idx="0">
+            <a:schemeClr val="accent1"/>
+          </a:effectRef>
+          <a:fontRef idx="minor">
+            <a:schemeClr val="lt1"/>
+          </a:fontRef>
+        </p:style>
+        <p:txBody>
+          <a:bodyPr rtlCol="0" anchor="ctr"/>
+          <a:lstStyle/>
+          <a:p>
+            <a:pPr algn="ctr"/>
+            <a:r>
+              <a:rPr lang="en-US" dirty="0">
+                <a:solidFill>
+                  <a:schemeClr val="tx1"/>
+                </a:solidFill>
+                <a:latin typeface="Arial" panose="020B0604020202020204" pitchFamily="34" charset="0"/>
+              </a:rPr>
+              <a:t>Holm-Bonferroni</a:t>
+            </a:r>
+          </a:p>
+        </p:txBody>
+      </p:sp>
+      <p:sp>
+        <p:nvSpPr>
+          <p:cNvPr id="116" name="Rounded Rectangle 115">
+            <a:extLst>
+              <a:ext uri="{FF2B5EF4-FFF2-40B4-BE49-F238E27FC236}">
+                <a16:creationId xmlns:a16="http://schemas.microsoft.com/office/drawing/2014/main" id="{77122586-DEDA-A882-A04E-08BED3FCA42A}"/>
+              </a:ext>
+            </a:extLst>
+          </p:cNvPr>
+          <p:cNvSpPr/>
+          <p:nvPr/>
+        </p:nvSpPr>
+        <p:spPr>
+          <a:xfrm>
+            <a:off x="2450404" y="6080760"/>
+            <a:ext cx="1184221" cy="621792"/>
+          </a:xfrm>
+          <a:prstGeom prst="roundRect">
+            <a:avLst/>
+          </a:prstGeom>
+          <a:solidFill>
+            <a:schemeClr val="bg1">
+              <a:lumMod val="95000"/>
+            </a:schemeClr>
+          </a:solidFill>
+          <a:ln w="38100">
+            <a:solidFill>
+              <a:schemeClr val="tx2">
+                <a:lumMod val="75000"/>
+                <a:lumOff val="25000"/>
+              </a:schemeClr>
+            </a:solidFill>
+          </a:ln>
+        </p:spPr>
+        <p:style>
+          <a:lnRef idx="2">
+            <a:schemeClr val="accent1">
+              <a:shade val="15000"/>
+            </a:schemeClr>
+          </a:lnRef>
+          <a:fillRef idx="1">
+            <a:schemeClr val="accent1"/>
+          </a:fillRef>
+          <a:effectRef idx="0">
+            <a:schemeClr val="accent1"/>
+          </a:effectRef>
+          <a:fontRef idx="minor">
+            <a:schemeClr val="lt1"/>
+          </a:fontRef>
+        </p:style>
+        <p:txBody>
+          <a:bodyPr rtlCol="0" anchor="ctr"/>
+          <a:lstStyle/>
+          <a:p>
+            <a:pPr algn="ctr"/>
+            <a:r>
+              <a:rPr lang="en-US" dirty="0">
+                <a:solidFill>
+                  <a:schemeClr val="tx1"/>
+                </a:solidFill>
+                <a:latin typeface="Arial" panose="020B0604020202020204" pitchFamily="34" charset="0"/>
+              </a:rPr>
+              <a:t>Empirical CDF</a:t>
+            </a:r>
+          </a:p>
+        </p:txBody>
+      </p:sp>
+      <p:cxnSp>
+        <p:nvCxnSpPr>
+          <p:cNvPr id="117" name="Straight Arrow Connector 116">
+            <a:extLst>
+              <a:ext uri="{FF2B5EF4-FFF2-40B4-BE49-F238E27FC236}">
+                <a16:creationId xmlns:a16="http://schemas.microsoft.com/office/drawing/2014/main" id="{933A2084-2E4D-9A15-FBE5-9D5F99AC6380}"/>
+              </a:ext>
+            </a:extLst>
+          </p:cNvPr>
+          <p:cNvCxnSpPr>
+            <a:cxnSpLocks/>
+          </p:cNvCxnSpPr>
+          <p:nvPr/>
+        </p:nvCxnSpPr>
+        <p:spPr>
+          <a:xfrm flipV="1">
+            <a:off x="10488817" y="2480807"/>
+            <a:ext cx="0" cy="492431"/>
+          </a:xfrm>
+          <a:prstGeom prst="straightConnector1">
+            <a:avLst/>
+          </a:prstGeom>
+          <a:ln w="82550">
+            <a:solidFill>
+              <a:schemeClr val="bg2">
+                <a:lumMod val="50000"/>
+              </a:schemeClr>
+            </a:solidFill>
+            <a:tailEnd type="triangle"/>
+          </a:ln>
+        </p:spPr>
+        <p:style>
+          <a:lnRef idx="2">
+            <a:schemeClr val="accent1"/>
+          </a:lnRef>
+          <a:fillRef idx="0">
+            <a:schemeClr val="accent1"/>
+          </a:fillRef>
+          <a:effectRef idx="1">
+            <a:schemeClr val="accent1"/>
+          </a:effectRef>
+          <a:fontRef idx="minor">
+            <a:schemeClr val="tx1"/>
+          </a:fontRef>
+        </p:style>
+      </p:cxnSp>
+      <p:cxnSp>
+        <p:nvCxnSpPr>
+          <p:cNvPr id="123" name="Straight Arrow Connector 122">
+            <a:extLst>
+              <a:ext uri="{FF2B5EF4-FFF2-40B4-BE49-F238E27FC236}">
+                <a16:creationId xmlns:a16="http://schemas.microsoft.com/office/drawing/2014/main" id="{7F54CB62-31B4-ECEB-DE9D-B30CD799A766}"/>
+              </a:ext>
+            </a:extLst>
+          </p:cNvPr>
+          <p:cNvCxnSpPr>
+            <a:cxnSpLocks/>
+          </p:cNvCxnSpPr>
+          <p:nvPr/>
+        </p:nvCxnSpPr>
+        <p:spPr>
+          <a:xfrm>
+            <a:off x="10488284" y="3620679"/>
+            <a:ext cx="0" cy="399230"/>
+          </a:xfrm>
+          <a:prstGeom prst="straightConnector1">
+            <a:avLst/>
+          </a:prstGeom>
+          <a:ln w="82550">
+            <a:solidFill>
+              <a:schemeClr val="bg2">
+                <a:lumMod val="50000"/>
+              </a:schemeClr>
+            </a:solidFill>
+            <a:tailEnd type="none"/>
+          </a:ln>
+        </p:spPr>
+        <p:style>
+          <a:lnRef idx="2">
+            <a:schemeClr val="accent1"/>
+          </a:lnRef>
+          <a:fillRef idx="0">
+            <a:schemeClr val="accent1"/>
+          </a:fillRef>
+          <a:effectRef idx="1">
+            <a:schemeClr val="accent1"/>
+          </a:effectRef>
+          <a:fontRef idx="minor">
+            <a:schemeClr val="tx1"/>
+          </a:fontRef>
+        </p:style>
+      </p:cxnSp>
+      <p:cxnSp>
+        <p:nvCxnSpPr>
+          <p:cNvPr id="129" name="Straight Arrow Connector 128">
+            <a:extLst>
+              <a:ext uri="{FF2B5EF4-FFF2-40B4-BE49-F238E27FC236}">
+                <a16:creationId xmlns:a16="http://schemas.microsoft.com/office/drawing/2014/main" id="{7931193F-29D3-9AFC-1146-55B8C0139E73}"/>
+              </a:ext>
+            </a:extLst>
+          </p:cNvPr>
+          <p:cNvCxnSpPr>
+            <a:cxnSpLocks/>
+          </p:cNvCxnSpPr>
+          <p:nvPr/>
+        </p:nvCxnSpPr>
+        <p:spPr>
+          <a:xfrm>
+            <a:off x="10479658" y="4681728"/>
+            <a:ext cx="0" cy="499872"/>
+          </a:xfrm>
+          <a:prstGeom prst="straightConnector1">
+            <a:avLst/>
+          </a:prstGeom>
+          <a:ln w="82550">
+            <a:solidFill>
+              <a:schemeClr val="bg2">
+                <a:lumMod val="50000"/>
+              </a:schemeClr>
+            </a:solidFill>
+            <a:tailEnd type="none"/>
+          </a:ln>
+        </p:spPr>
+        <p:style>
+          <a:lnRef idx="2">
+            <a:schemeClr val="accent1"/>
+          </a:lnRef>
+          <a:fillRef idx="0">
+            <a:schemeClr val="accent1"/>
+          </a:fillRef>
+          <a:effectRef idx="1">
+            <a:schemeClr val="accent1"/>
+          </a:effectRef>
+          <a:fontRef idx="minor">
+            <a:schemeClr val="tx1"/>
+          </a:fontRef>
+        </p:style>
+      </p:cxnSp>
+      <p:cxnSp>
+        <p:nvCxnSpPr>
+          <p:cNvPr id="78" name="Straight Arrow Connector 77">
+            <a:extLst>
+              <a:ext uri="{FF2B5EF4-FFF2-40B4-BE49-F238E27FC236}">
+                <a16:creationId xmlns:a16="http://schemas.microsoft.com/office/drawing/2014/main" id="{82A1D438-CF21-FC61-42A3-99029F10964B}"/>
+              </a:ext>
+            </a:extLst>
+          </p:cNvPr>
+          <p:cNvCxnSpPr>
+            <a:cxnSpLocks/>
+          </p:cNvCxnSpPr>
+          <p:nvPr/>
+        </p:nvCxnSpPr>
+        <p:spPr>
+          <a:xfrm>
+            <a:off x="11469964" y="2539556"/>
+            <a:ext cx="0" cy="1625364"/>
+          </a:xfrm>
+          <a:prstGeom prst="straightConnector1">
+            <a:avLst/>
+          </a:prstGeom>
+          <a:ln w="82550">
+            <a:solidFill>
+              <a:schemeClr val="accent5">
+                <a:lumMod val="75000"/>
+              </a:schemeClr>
+            </a:solidFill>
+            <a:tailEnd type="triangle"/>
+          </a:ln>
+        </p:spPr>
+        <p:style>
+          <a:lnRef idx="2">
+            <a:schemeClr val="accent1"/>
+          </a:lnRef>
+          <a:fillRef idx="0">
+            <a:schemeClr val="accent1"/>
+          </a:fillRef>
+          <a:effectRef idx="1">
+            <a:schemeClr val="accent1"/>
+          </a:effectRef>
+          <a:fontRef idx="minor">
+            <a:schemeClr val="tx1"/>
+          </a:fontRef>
+        </p:style>
+      </p:cxnSp>
     </p:spTree>
     <p:extLst>
       <p:ext uri="{BB962C8B-B14F-4D97-AF65-F5344CB8AC3E}">
@@ -9515,4 +11796,319 @@
     </a:ext>
   </a:extLst>
 </a:theme>
+</file>
+
+<file path=ppt/theme/theme2.xml><?xml version="1.0" encoding="utf-8"?>
+<a:theme xmlns:a="http://schemas.openxmlformats.org/drawingml/2006/main" name="Office Theme">
+  <a:themeElements>
+    <a:clrScheme name="Office">
+      <a:dk1>
+        <a:sysClr val="windowText" lastClr="000000"/>
+      </a:dk1>
+      <a:lt1>
+        <a:sysClr val="window" lastClr="FFFFFF"/>
+      </a:lt1>
+      <a:dk2>
+        <a:srgbClr val="0E2841"/>
+      </a:dk2>
+      <a:lt2>
+        <a:srgbClr val="E8E8E8"/>
+      </a:lt2>
+      <a:accent1>
+        <a:srgbClr val="156082"/>
+      </a:accent1>
+      <a:accent2>
+        <a:srgbClr val="E97132"/>
+      </a:accent2>
+      <a:accent3>
+        <a:srgbClr val="196B24"/>
+      </a:accent3>
+      <a:accent4>
+        <a:srgbClr val="0F9ED5"/>
+      </a:accent4>
+      <a:accent5>
+        <a:srgbClr val="A02B93"/>
+      </a:accent5>
+      <a:accent6>
+        <a:srgbClr val="4EA72E"/>
+      </a:accent6>
+      <a:hlink>
+        <a:srgbClr val="467886"/>
+      </a:hlink>
+      <a:folHlink>
+        <a:srgbClr val="96607D"/>
+      </a:folHlink>
+    </a:clrScheme>
+    <a:fontScheme name="Office">
+      <a:majorFont>
+        <a:latin typeface="Aptos Display" panose="02110004020202020204"/>
+        <a:ea typeface=""/>
+        <a:cs typeface=""/>
+        <a:font script="Jpan" typeface="游ゴシック Light"/>
+        <a:font script="Hang" typeface="맑은 고딕"/>
+        <a:font script="Hans" typeface="等线 Light"/>
+        <a:font script="Hant" typeface="新細明體"/>
+        <a:font script="Arab" typeface="Times New Roman"/>
+        <a:font script="Hebr" typeface="Times New Roman"/>
+        <a:font script="Thai" typeface="Angsana New"/>
+        <a:font script="Ethi" typeface="Nyala"/>
+        <a:font script="Beng" typeface="Vrinda"/>
+        <a:font script="Gujr" typeface="Shruti"/>
+        <a:font script="Khmr" typeface="MoolBoran"/>
+        <a:font script="Knda" typeface="Tunga"/>
+        <a:font script="Guru" typeface="Raavi"/>
+        <a:font script="Cans" typeface="Euphemia"/>
+        <a:font script="Cher" typeface="Plantagenet Cherokee"/>
+        <a:font script="Yiii" typeface="Microsoft Yi Baiti"/>
+        <a:font script="Tibt" typeface="Microsoft Himalaya"/>
+        <a:font script="Thaa" typeface="MV Boli"/>
+        <a:font script="Deva" typeface="Mangal"/>
+        <a:font script="Telu" typeface="Gautami"/>
+        <a:font script="Taml" typeface="Latha"/>
+        <a:font script="Syrc" typeface="Estrangelo Edessa"/>
+        <a:font script="Orya" typeface="Kalinga"/>
+        <a:font script="Mlym" typeface="Kartika"/>
+        <a:font script="Laoo" typeface="DokChampa"/>
+        <a:font script="Sinh" typeface="Iskoola Pota"/>
+        <a:font script="Mong" typeface="Mongolian Baiti"/>
+        <a:font script="Viet" typeface="Times New Roman"/>
+        <a:font script="Uigh" typeface="Microsoft Uighur"/>
+        <a:font script="Geor" typeface="Sylfaen"/>
+        <a:font script="Armn" typeface="Arial"/>
+        <a:font script="Bugi" typeface="Leelawadee UI"/>
+        <a:font script="Bopo" typeface="Microsoft JhengHei"/>
+        <a:font script="Java" typeface="Javanese Text"/>
+        <a:font script="Lisu" typeface="Segoe UI"/>
+        <a:font script="Mymr" typeface="Myanmar Text"/>
+        <a:font script="Nkoo" typeface="Ebrima"/>
+        <a:font script="Olck" typeface="Nirmala UI"/>
+        <a:font script="Osma" typeface="Ebrima"/>
+        <a:font script="Phag" typeface="Phagspa"/>
+        <a:font script="Syrn" typeface="Estrangelo Edessa"/>
+        <a:font script="Syrj" typeface="Estrangelo Edessa"/>
+        <a:font script="Syre" typeface="Estrangelo Edessa"/>
+        <a:font script="Sora" typeface="Nirmala UI"/>
+        <a:font script="Tale" typeface="Microsoft Tai Le"/>
+        <a:font script="Talu" typeface="Microsoft New Tai Lue"/>
+        <a:font script="Tfng" typeface="Ebrima"/>
+      </a:majorFont>
+      <a:minorFont>
+        <a:latin typeface="Aptos" panose="02110004020202020204"/>
+        <a:ea typeface=""/>
+        <a:cs typeface=""/>
+        <a:font script="Jpan" typeface="游ゴシック"/>
+        <a:font script="Hang" typeface="맑은 고딕"/>
+        <a:font script="Hans" typeface="等线"/>
+        <a:font script="Hant" typeface="新細明體"/>
+        <a:font script="Arab" typeface="Arial"/>
+        <a:font script="Hebr" typeface="Arial"/>
+        <a:font script="Thai" typeface="Cordia New"/>
+        <a:font script="Ethi" typeface="Nyala"/>
+        <a:font script="Beng" typeface="Vrinda"/>
+        <a:font script="Gujr" typeface="Shruti"/>
+        <a:font script="Khmr" typeface="DaunPenh"/>
+        <a:font script="Knda" typeface="Tunga"/>
+        <a:font script="Guru" typeface="Raavi"/>
+        <a:font script="Cans" typeface="Euphemia"/>
+        <a:font script="Cher" typeface="Plantagenet Cherokee"/>
+        <a:font script="Yiii" typeface="Microsoft Yi Baiti"/>
+        <a:font script="Tibt" typeface="Microsoft Himalaya"/>
+        <a:font script="Thaa" typeface="MV Boli"/>
+        <a:font script="Deva" typeface="Mangal"/>
+        <a:font script="Telu" typeface="Gautami"/>
+        <a:font script="Taml" typeface="Latha"/>
+        <a:font script="Syrc" typeface="Estrangelo Edessa"/>
+        <a:font script="Orya" typeface="Kalinga"/>
+        <a:font script="Mlym" typeface="Kartika"/>
+        <a:font script="Laoo" typeface="DokChampa"/>
+        <a:font script="Sinh" typeface="Iskoola Pota"/>
+        <a:font script="Mong" typeface="Mongolian Baiti"/>
+        <a:font script="Viet" typeface="Arial"/>
+        <a:font script="Uigh" typeface="Microsoft Uighur"/>
+        <a:font script="Geor" typeface="Sylfaen"/>
+        <a:font script="Armn" typeface="Arial"/>
+        <a:font script="Bugi" typeface="Leelawadee UI"/>
+        <a:font script="Bopo" typeface="Microsoft JhengHei"/>
+        <a:font script="Java" typeface="Javanese Text"/>
+        <a:font script="Lisu" typeface="Segoe UI"/>
+        <a:font script="Mymr" typeface="Myanmar Text"/>
+        <a:font script="Nkoo" typeface="Ebrima"/>
+        <a:font script="Olck" typeface="Nirmala UI"/>
+        <a:font script="Osma" typeface="Ebrima"/>
+        <a:font script="Phag" typeface="Phagspa"/>
+        <a:font script="Syrn" typeface="Estrangelo Edessa"/>
+        <a:font script="Syrj" typeface="Estrangelo Edessa"/>
+        <a:font script="Syre" typeface="Estrangelo Edessa"/>
+        <a:font script="Sora" typeface="Nirmala UI"/>
+        <a:font script="Tale" typeface="Microsoft Tai Le"/>
+        <a:font script="Talu" typeface="Microsoft New Tai Lue"/>
+        <a:font script="Tfng" typeface="Ebrima"/>
+      </a:minorFont>
+    </a:fontScheme>
+    <a:fmtScheme name="Office">
+      <a:fillStyleLst>
+        <a:solidFill>
+          <a:schemeClr val="phClr"/>
+        </a:solidFill>
+        <a:gradFill rotWithShape="1">
+          <a:gsLst>
+            <a:gs pos="0">
+              <a:schemeClr val="phClr">
+                <a:lumMod val="110000"/>
+                <a:satMod val="105000"/>
+                <a:tint val="67000"/>
+              </a:schemeClr>
+            </a:gs>
+            <a:gs pos="50000">
+              <a:schemeClr val="phClr">
+                <a:lumMod val="105000"/>
+                <a:satMod val="103000"/>
+                <a:tint val="73000"/>
+              </a:schemeClr>
+            </a:gs>
+            <a:gs pos="100000">
+              <a:schemeClr val="phClr">
+                <a:lumMod val="105000"/>
+                <a:satMod val="109000"/>
+                <a:tint val="81000"/>
+              </a:schemeClr>
+            </a:gs>
+          </a:gsLst>
+          <a:lin ang="5400000" scaled="0"/>
+        </a:gradFill>
+        <a:gradFill rotWithShape="1">
+          <a:gsLst>
+            <a:gs pos="0">
+              <a:schemeClr val="phClr">
+                <a:satMod val="103000"/>
+                <a:lumMod val="102000"/>
+                <a:tint val="94000"/>
+              </a:schemeClr>
+            </a:gs>
+            <a:gs pos="50000">
+              <a:schemeClr val="phClr">
+                <a:satMod val="110000"/>
+                <a:lumMod val="100000"/>
+                <a:shade val="100000"/>
+              </a:schemeClr>
+            </a:gs>
+            <a:gs pos="100000">
+              <a:schemeClr val="phClr">
+                <a:lumMod val="99000"/>
+                <a:satMod val="120000"/>
+                <a:shade val="78000"/>
+              </a:schemeClr>
+            </a:gs>
+          </a:gsLst>
+          <a:lin ang="5400000" scaled="0"/>
+        </a:gradFill>
+      </a:fillStyleLst>
+      <a:lnStyleLst>
+        <a:ln w="12700" cap="flat" cmpd="sng" algn="ctr">
+          <a:solidFill>
+            <a:schemeClr val="phClr"/>
+          </a:solidFill>
+          <a:prstDash val="solid"/>
+          <a:miter lim="800000"/>
+        </a:ln>
+        <a:ln w="19050" cap="flat" cmpd="sng" algn="ctr">
+          <a:solidFill>
+            <a:schemeClr val="phClr"/>
+          </a:solidFill>
+          <a:prstDash val="solid"/>
+          <a:miter lim="800000"/>
+        </a:ln>
+        <a:ln w="25400" cap="flat" cmpd="sng" algn="ctr">
+          <a:solidFill>
+            <a:schemeClr val="phClr"/>
+          </a:solidFill>
+          <a:prstDash val="solid"/>
+          <a:miter lim="800000"/>
+        </a:ln>
+      </a:lnStyleLst>
+      <a:effectStyleLst>
+        <a:effectStyle>
+          <a:effectLst/>
+        </a:effectStyle>
+        <a:effectStyle>
+          <a:effectLst/>
+        </a:effectStyle>
+        <a:effectStyle>
+          <a:effectLst>
+            <a:outerShdw blurRad="57150" dist="19050" dir="5400000" algn="ctr" rotWithShape="0">
+              <a:srgbClr val="000000">
+                <a:alpha val="63000"/>
+              </a:srgbClr>
+            </a:outerShdw>
+          </a:effectLst>
+        </a:effectStyle>
+      </a:effectStyleLst>
+      <a:bgFillStyleLst>
+        <a:solidFill>
+          <a:schemeClr val="phClr"/>
+        </a:solidFill>
+        <a:solidFill>
+          <a:schemeClr val="phClr">
+            <a:tint val="95000"/>
+            <a:satMod val="170000"/>
+          </a:schemeClr>
+        </a:solidFill>
+        <a:gradFill rotWithShape="1">
+          <a:gsLst>
+            <a:gs pos="0">
+              <a:schemeClr val="phClr">
+                <a:tint val="93000"/>
+                <a:satMod val="150000"/>
+                <a:shade val="98000"/>
+                <a:lumMod val="102000"/>
+              </a:schemeClr>
+            </a:gs>
+            <a:gs pos="50000">
+              <a:schemeClr val="phClr">
+                <a:tint val="98000"/>
+                <a:satMod val="130000"/>
+                <a:shade val="90000"/>
+                <a:lumMod val="103000"/>
+              </a:schemeClr>
+            </a:gs>
+            <a:gs pos="100000">
+              <a:schemeClr val="phClr">
+                <a:shade val="63000"/>
+                <a:satMod val="120000"/>
+              </a:schemeClr>
+            </a:gs>
+          </a:gsLst>
+          <a:lin ang="5400000" scaled="0"/>
+        </a:gradFill>
+      </a:bgFillStyleLst>
+    </a:fmtScheme>
+  </a:themeElements>
+  <a:objectDefaults>
+    <a:lnDef>
+      <a:spPr/>
+      <a:bodyPr/>
+      <a:lstStyle/>
+      <a:style>
+        <a:lnRef idx="2">
+          <a:schemeClr val="accent1"/>
+        </a:lnRef>
+        <a:fillRef idx="0">
+          <a:schemeClr val="accent1"/>
+        </a:fillRef>
+        <a:effectRef idx="1">
+          <a:schemeClr val="accent1"/>
+        </a:effectRef>
+        <a:fontRef idx="minor">
+          <a:schemeClr val="tx1"/>
+        </a:fontRef>
+      </a:style>
+    </a:lnDef>
+  </a:objectDefaults>
+  <a:extraClrSchemeLst/>
+  <a:extLst>
+    <a:ext uri="{05A4C25C-085E-4340-85A3-A5531E510DB2}">
+      <thm15:themeFamily xmlns:thm15="http://schemas.microsoft.com/office/thememl/2012/main" name="Office Theme" id="{2E142A2C-CD16-42D6-873A-C26D2A0506FA}" vid="{1BDDFF52-6CD6-40A5-AB3C-68EB2F1E4D0A}"/>
+    </a:ext>
+  </a:extLst>
+</a:theme>
 </file>